--- a/模块二作业/微信朋友圈复杂度.pptx
+++ b/模块二作业/微信朋友圈复杂度.pptx
@@ -6,6 +6,12 @@
   </p:sldMasterIdLst>
   <p:sldIdLst>
     <p:sldId id="256" r:id="rId3"/>
+    <p:sldId id="257" r:id="rId4"/>
+    <p:sldId id="258" r:id="rId5"/>
+    <p:sldId id="259" r:id="rId6"/>
+    <p:sldId id="260" r:id="rId7"/>
+    <p:sldId id="263" r:id="rId8"/>
+    <p:sldId id="262" r:id="rId9"/>
   </p:sldIdLst>
   <p:sldSz cx="12192000" cy="6858000"/>
   <p:notesSz cx="7103745" cy="10234295"/>
@@ -2630,14 +2636,1048 @@
         </p:nvSpPr>
         <p:spPr>
           <a:xfrm>
-            <a:off x="1247140" y="1028383"/>
-            <a:ext cx="9144000" cy="1655762"/>
+            <a:off x="608330" y="372110"/>
+            <a:ext cx="9144000" cy="360045"/>
           </a:xfrm>
         </p:spPr>
         <p:txBody>
-          <a:bodyPr/>
-          <a:p>
-            <a:endParaRPr lang="en-US"/>
+          <a:bodyPr>
+            <a:noAutofit/>
+          </a:bodyPr>
+          <a:p>
+            <a:pPr algn="l"/>
+            <a:r>
+              <a:rPr lang="zh-CN" altLang="en-US" sz="2300"/>
+              <a:t>要求</a:t>
+            </a:r>
+            <a:endParaRPr lang="zh-CN" altLang="en-US" sz="2300"/>
+          </a:p>
+        </p:txBody>
+      </p:sp>
+      <p:sp>
+        <p:nvSpPr>
+          <p:cNvPr id="3" name="Subtitle 1"/>
+          <p:cNvSpPr/>
+          <p:nvPr/>
+        </p:nvSpPr>
+        <p:spPr>
+          <a:xfrm>
+            <a:off x="726440" y="1138555"/>
+            <a:ext cx="9144000" cy="4099560"/>
+          </a:xfrm>
+          <a:prstGeom prst="rect">
+            <a:avLst/>
+          </a:prstGeom>
+        </p:spPr>
+        <p:txBody>
+          <a:bodyPr vert="horz" lIns="91440" tIns="45720" rIns="91440" bIns="45720" rtlCol="0">
+            <a:noAutofit/>
+          </a:bodyPr>
+          <a:lstStyle>
+            <a:lvl1pPr marL="0" indent="0" algn="ctr" defTabSz="914400" rtl="0" eaLnBrk="1" latinLnBrk="0" hangingPunct="1">
+              <a:lnSpc>
+                <a:spcPct val="90000"/>
+              </a:lnSpc>
+              <a:spcBef>
+                <a:spcPts val="1000"/>
+              </a:spcBef>
+              <a:buFont typeface="Arial" panose="02080604020202020204" pitchFamily="34" charset="0"/>
+              <a:buNone/>
+              <a:defRPr sz="2400" kern="1200">
+                <a:solidFill>
+                  <a:schemeClr val="tx1"/>
+                </a:solidFill>
+                <a:latin typeface="+mn-lt"/>
+                <a:ea typeface="+mn-ea"/>
+                <a:cs typeface="+mn-cs"/>
+              </a:defRPr>
+            </a:lvl1pPr>
+            <a:lvl2pPr marL="457200" indent="0" algn="ctr" defTabSz="914400" rtl="0" eaLnBrk="1" latinLnBrk="0" hangingPunct="1">
+              <a:lnSpc>
+                <a:spcPct val="90000"/>
+              </a:lnSpc>
+              <a:spcBef>
+                <a:spcPts val="500"/>
+              </a:spcBef>
+              <a:buFont typeface="Arial" panose="02080604020202020204" pitchFamily="34" charset="0"/>
+              <a:buNone/>
+              <a:defRPr sz="2000" kern="1200">
+                <a:solidFill>
+                  <a:schemeClr val="tx1"/>
+                </a:solidFill>
+                <a:latin typeface="+mn-lt"/>
+                <a:ea typeface="+mn-ea"/>
+                <a:cs typeface="+mn-cs"/>
+              </a:defRPr>
+            </a:lvl2pPr>
+            <a:lvl3pPr marL="914400" indent="0" algn="ctr" defTabSz="914400" rtl="0" eaLnBrk="1" latinLnBrk="0" hangingPunct="1">
+              <a:lnSpc>
+                <a:spcPct val="90000"/>
+              </a:lnSpc>
+              <a:spcBef>
+                <a:spcPts val="500"/>
+              </a:spcBef>
+              <a:buFont typeface="Arial" panose="02080604020202020204" pitchFamily="34" charset="0"/>
+              <a:buNone/>
+              <a:defRPr sz="1800" kern="1200">
+                <a:solidFill>
+                  <a:schemeClr val="tx1"/>
+                </a:solidFill>
+                <a:latin typeface="+mn-lt"/>
+                <a:ea typeface="+mn-ea"/>
+                <a:cs typeface="+mn-cs"/>
+              </a:defRPr>
+            </a:lvl3pPr>
+            <a:lvl4pPr marL="1371600" indent="0" algn="ctr" defTabSz="914400" rtl="0" eaLnBrk="1" latinLnBrk="0" hangingPunct="1">
+              <a:lnSpc>
+                <a:spcPct val="90000"/>
+              </a:lnSpc>
+              <a:spcBef>
+                <a:spcPts val="500"/>
+              </a:spcBef>
+              <a:buFont typeface="Arial" panose="02080604020202020204" pitchFamily="34" charset="0"/>
+              <a:buNone/>
+              <a:defRPr sz="1600" kern="1200">
+                <a:solidFill>
+                  <a:schemeClr val="tx1"/>
+                </a:solidFill>
+                <a:latin typeface="+mn-lt"/>
+                <a:ea typeface="+mn-ea"/>
+                <a:cs typeface="+mn-cs"/>
+              </a:defRPr>
+            </a:lvl4pPr>
+            <a:lvl5pPr marL="1828800" indent="0" algn="ctr" defTabSz="914400" rtl="0" eaLnBrk="1" latinLnBrk="0" hangingPunct="1">
+              <a:lnSpc>
+                <a:spcPct val="90000"/>
+              </a:lnSpc>
+              <a:spcBef>
+                <a:spcPts val="500"/>
+              </a:spcBef>
+              <a:buFont typeface="Arial" panose="02080604020202020204" pitchFamily="34" charset="0"/>
+              <a:buNone/>
+              <a:defRPr sz="1600" kern="1200">
+                <a:solidFill>
+                  <a:schemeClr val="tx1"/>
+                </a:solidFill>
+                <a:latin typeface="+mn-lt"/>
+                <a:ea typeface="+mn-ea"/>
+                <a:cs typeface="+mn-cs"/>
+              </a:defRPr>
+            </a:lvl5pPr>
+            <a:lvl6pPr marL="2286000" indent="0" algn="ctr" defTabSz="914400" rtl="0" eaLnBrk="1" latinLnBrk="0" hangingPunct="1">
+              <a:lnSpc>
+                <a:spcPct val="90000"/>
+              </a:lnSpc>
+              <a:spcBef>
+                <a:spcPts val="500"/>
+              </a:spcBef>
+              <a:buFont typeface="Arial" panose="02080604020202020204" pitchFamily="34" charset="0"/>
+              <a:buNone/>
+              <a:defRPr sz="1600" kern="1200">
+                <a:solidFill>
+                  <a:schemeClr val="tx1"/>
+                </a:solidFill>
+                <a:latin typeface="+mn-lt"/>
+                <a:ea typeface="+mn-ea"/>
+                <a:cs typeface="+mn-cs"/>
+              </a:defRPr>
+            </a:lvl6pPr>
+            <a:lvl7pPr marL="2743200" indent="0" algn="ctr" defTabSz="914400" rtl="0" eaLnBrk="1" latinLnBrk="0" hangingPunct="1">
+              <a:lnSpc>
+                <a:spcPct val="90000"/>
+              </a:lnSpc>
+              <a:spcBef>
+                <a:spcPts val="500"/>
+              </a:spcBef>
+              <a:buFont typeface="Arial" panose="02080604020202020204" pitchFamily="34" charset="0"/>
+              <a:buNone/>
+              <a:defRPr sz="1600" kern="1200">
+                <a:solidFill>
+                  <a:schemeClr val="tx1"/>
+                </a:solidFill>
+                <a:latin typeface="+mn-lt"/>
+                <a:ea typeface="+mn-ea"/>
+                <a:cs typeface="+mn-cs"/>
+              </a:defRPr>
+            </a:lvl7pPr>
+            <a:lvl8pPr marL="3200400" indent="0" algn="ctr" defTabSz="914400" rtl="0" eaLnBrk="1" latinLnBrk="0" hangingPunct="1">
+              <a:lnSpc>
+                <a:spcPct val="90000"/>
+              </a:lnSpc>
+              <a:spcBef>
+                <a:spcPts val="500"/>
+              </a:spcBef>
+              <a:buFont typeface="Arial" panose="02080604020202020204" pitchFamily="34" charset="0"/>
+              <a:buNone/>
+              <a:defRPr sz="1600" kern="1200">
+                <a:solidFill>
+                  <a:schemeClr val="tx1"/>
+                </a:solidFill>
+                <a:latin typeface="+mn-lt"/>
+                <a:ea typeface="+mn-ea"/>
+                <a:cs typeface="+mn-cs"/>
+              </a:defRPr>
+            </a:lvl8pPr>
+            <a:lvl9pPr marL="3657600" indent="0" algn="ctr" defTabSz="914400" rtl="0" eaLnBrk="1" latinLnBrk="0" hangingPunct="1">
+              <a:lnSpc>
+                <a:spcPct val="90000"/>
+              </a:lnSpc>
+              <a:spcBef>
+                <a:spcPts val="500"/>
+              </a:spcBef>
+              <a:buFont typeface="Arial" panose="02080604020202020204" pitchFamily="34" charset="0"/>
+              <a:buNone/>
+              <a:defRPr sz="1600" kern="1200">
+                <a:solidFill>
+                  <a:schemeClr val="tx1"/>
+                </a:solidFill>
+                <a:latin typeface="+mn-lt"/>
+                <a:ea typeface="+mn-ea"/>
+                <a:cs typeface="+mn-cs"/>
+              </a:defRPr>
+            </a:lvl9pPr>
+          </a:lstStyle>
+          <a:p>
+            <a:pPr algn="l"/>
+            <a:r>
+              <a:rPr lang="zh-CN" altLang="en-US" sz="1400"/>
+              <a:t>分析一下微信朋友圈的高性能复杂度</a:t>
+            </a:r>
+            <a:endParaRPr lang="zh-CN" altLang="en-US" sz="1400"/>
+          </a:p>
+          <a:p>
+            <a:pPr algn="l"/>
+            <a:endParaRPr lang="zh-CN" altLang="en-US" sz="1400"/>
+          </a:p>
+          <a:p>
+            <a:pPr algn="l"/>
+            <a:r>
+              <a:rPr lang="zh-CN" altLang="en-US" sz="2000"/>
+              <a:t>【作业要求】</a:t>
+            </a:r>
+            <a:endParaRPr lang="zh-CN" altLang="en-US" sz="2000"/>
+          </a:p>
+          <a:p>
+            <a:pPr algn="l"/>
+            <a:r>
+              <a:rPr lang="zh-CN" altLang="en-US" sz="1400"/>
+              <a:t>1. 对照模块2讲述的复杂度分析方法，分析微信朋友圈的复杂度。</a:t>
+            </a:r>
+            <a:endParaRPr lang="zh-CN" altLang="en-US" sz="1400"/>
+          </a:p>
+          <a:p>
+            <a:pPr algn="l"/>
+            <a:r>
+              <a:rPr lang="zh-CN" altLang="en-US" sz="1400"/>
+              <a:t>2. 针对各个复杂度，画出你的架构设计方案（无需做备选方案，只需要最终的方案即可）。</a:t>
+            </a:r>
+            <a:endParaRPr lang="zh-CN" altLang="en-US" sz="1400"/>
+          </a:p>
+          <a:p>
+            <a:pPr algn="l"/>
+            <a:r>
+              <a:rPr lang="zh-CN" altLang="en-US" sz="1400"/>
+              <a:t>3. 给出你的架构方案中关键的设计理由。</a:t>
+            </a:r>
+            <a:endParaRPr lang="zh-CN" altLang="en-US" sz="1400"/>
+          </a:p>
+          <a:p>
+            <a:pPr algn="l"/>
+            <a:r>
+              <a:rPr lang="zh-CN" altLang="en-US" sz="1400"/>
+              <a:t>4. 3~5页 PPT 即可，涵盖复杂度分析、架构设计、设计理由。</a:t>
+            </a:r>
+            <a:endParaRPr lang="zh-CN" altLang="en-US" sz="1400"/>
+          </a:p>
+          <a:p>
+            <a:pPr algn="l"/>
+            <a:endParaRPr lang="zh-CN" altLang="en-US" sz="1400"/>
+          </a:p>
+          <a:p>
+            <a:pPr algn="l"/>
+            <a:r>
+              <a:rPr lang="zh-CN" altLang="en-US" sz="2000"/>
+              <a:t>【提示】</a:t>
+            </a:r>
+            <a:endParaRPr lang="zh-CN" altLang="en-US" sz="2000"/>
+          </a:p>
+          <a:p>
+            <a:pPr algn="l"/>
+            <a:r>
+              <a:rPr lang="zh-CN" altLang="en-US" sz="1400"/>
+              <a:t>1. 分析过程可以参考模块2第5课的实战案例，但是不需要将分析过程一一列举出来。</a:t>
+            </a:r>
+            <a:endParaRPr lang="zh-CN" altLang="en-US" sz="1400"/>
+          </a:p>
+          <a:p>
+            <a:pPr algn="l"/>
+            <a:r>
+              <a:rPr lang="zh-CN" altLang="en-US" sz="1400"/>
+              <a:t>2. 如果某个地方被卡主了，请及时联系助教或者老师讨论。</a:t>
+            </a:r>
+            <a:endParaRPr lang="zh-CN" altLang="en-US" sz="1400"/>
+          </a:p>
+        </p:txBody>
+      </p:sp>
+    </p:spTree>
+  </p:cSld>
+  <p:clrMapOvr>
+    <a:masterClrMapping/>
+  </p:clrMapOvr>
+</p:sld>
+</file>
+
+<file path=ppt/slides/slide2.xml><?xml version="1.0" encoding="utf-8"?>
+<p:sld xmlns:a="http://schemas.openxmlformats.org/drawingml/2006/main" xmlns:r="http://schemas.openxmlformats.org/officeDocument/2006/relationships" xmlns:p="http://schemas.openxmlformats.org/presentationml/2006/main">
+  <p:cSld>
+    <p:spTree>
+      <p:nvGrpSpPr>
+        <p:cNvPr id="1" name=""/>
+        <p:cNvGrpSpPr/>
+        <p:nvPr/>
+      </p:nvGrpSpPr>
+      <p:grpSpPr/>
+      <p:sp>
+        <p:nvSpPr>
+          <p:cNvPr id="2" name="Subtitle 1"/>
+          <p:cNvSpPr/>
+          <p:nvPr>
+            <p:ph type="subTitle" idx="1"/>
+          </p:nvPr>
+        </p:nvSpPr>
+        <p:spPr>
+          <a:xfrm>
+            <a:off x="608330" y="372110"/>
+            <a:ext cx="9144000" cy="360045"/>
+          </a:xfrm>
+        </p:spPr>
+        <p:txBody>
+          <a:bodyPr>
+            <a:noAutofit/>
+          </a:bodyPr>
+          <a:p>
+            <a:pPr algn="l"/>
+            <a:r>
+              <a:rPr lang="zh-CN" altLang="en-US" sz="2300"/>
+              <a:t>总体分析</a:t>
+            </a:r>
+            <a:endParaRPr lang="zh-CN" altLang="en-US" sz="2300"/>
+          </a:p>
+        </p:txBody>
+      </p:sp>
+      <p:sp>
+        <p:nvSpPr>
+          <p:cNvPr id="3" name="Subtitle 1"/>
+          <p:cNvSpPr/>
+          <p:nvPr/>
+        </p:nvSpPr>
+        <p:spPr>
+          <a:xfrm>
+            <a:off x="723265" y="1136650"/>
+            <a:ext cx="9144000" cy="1717040"/>
+          </a:xfrm>
+          <a:prstGeom prst="rect">
+            <a:avLst/>
+          </a:prstGeom>
+        </p:spPr>
+        <p:txBody>
+          <a:bodyPr vert="horz" lIns="91440" tIns="45720" rIns="91440" bIns="45720" rtlCol="0">
+            <a:noAutofit/>
+          </a:bodyPr>
+          <a:lstStyle>
+            <a:lvl1pPr marL="0" indent="0" algn="ctr" defTabSz="914400" rtl="0" eaLnBrk="1" latinLnBrk="0" hangingPunct="1">
+              <a:lnSpc>
+                <a:spcPct val="90000"/>
+              </a:lnSpc>
+              <a:spcBef>
+                <a:spcPts val="1000"/>
+              </a:spcBef>
+              <a:buFont typeface="Arial" panose="02080604020202020204" pitchFamily="34" charset="0"/>
+              <a:buNone/>
+              <a:defRPr sz="2400" kern="1200">
+                <a:solidFill>
+                  <a:schemeClr val="tx1"/>
+                </a:solidFill>
+                <a:latin typeface="+mn-lt"/>
+                <a:ea typeface="+mn-ea"/>
+                <a:cs typeface="+mn-cs"/>
+              </a:defRPr>
+            </a:lvl1pPr>
+            <a:lvl2pPr marL="457200" indent="0" algn="ctr" defTabSz="914400" rtl="0" eaLnBrk="1" latinLnBrk="0" hangingPunct="1">
+              <a:lnSpc>
+                <a:spcPct val="90000"/>
+              </a:lnSpc>
+              <a:spcBef>
+                <a:spcPts val="500"/>
+              </a:spcBef>
+              <a:buFont typeface="Arial" panose="02080604020202020204" pitchFamily="34" charset="0"/>
+              <a:buNone/>
+              <a:defRPr sz="2000" kern="1200">
+                <a:solidFill>
+                  <a:schemeClr val="tx1"/>
+                </a:solidFill>
+                <a:latin typeface="+mn-lt"/>
+                <a:ea typeface="+mn-ea"/>
+                <a:cs typeface="+mn-cs"/>
+              </a:defRPr>
+            </a:lvl2pPr>
+            <a:lvl3pPr marL="914400" indent="0" algn="ctr" defTabSz="914400" rtl="0" eaLnBrk="1" latinLnBrk="0" hangingPunct="1">
+              <a:lnSpc>
+                <a:spcPct val="90000"/>
+              </a:lnSpc>
+              <a:spcBef>
+                <a:spcPts val="500"/>
+              </a:spcBef>
+              <a:buFont typeface="Arial" panose="02080604020202020204" pitchFamily="34" charset="0"/>
+              <a:buNone/>
+              <a:defRPr sz="1800" kern="1200">
+                <a:solidFill>
+                  <a:schemeClr val="tx1"/>
+                </a:solidFill>
+                <a:latin typeface="+mn-lt"/>
+                <a:ea typeface="+mn-ea"/>
+                <a:cs typeface="+mn-cs"/>
+              </a:defRPr>
+            </a:lvl3pPr>
+            <a:lvl4pPr marL="1371600" indent="0" algn="ctr" defTabSz="914400" rtl="0" eaLnBrk="1" latinLnBrk="0" hangingPunct="1">
+              <a:lnSpc>
+                <a:spcPct val="90000"/>
+              </a:lnSpc>
+              <a:spcBef>
+                <a:spcPts val="500"/>
+              </a:spcBef>
+              <a:buFont typeface="Arial" panose="02080604020202020204" pitchFamily="34" charset="0"/>
+              <a:buNone/>
+              <a:defRPr sz="1600" kern="1200">
+                <a:solidFill>
+                  <a:schemeClr val="tx1"/>
+                </a:solidFill>
+                <a:latin typeface="+mn-lt"/>
+                <a:ea typeface="+mn-ea"/>
+                <a:cs typeface="+mn-cs"/>
+              </a:defRPr>
+            </a:lvl4pPr>
+            <a:lvl5pPr marL="1828800" indent="0" algn="ctr" defTabSz="914400" rtl="0" eaLnBrk="1" latinLnBrk="0" hangingPunct="1">
+              <a:lnSpc>
+                <a:spcPct val="90000"/>
+              </a:lnSpc>
+              <a:spcBef>
+                <a:spcPts val="500"/>
+              </a:spcBef>
+              <a:buFont typeface="Arial" panose="02080604020202020204" pitchFamily="34" charset="0"/>
+              <a:buNone/>
+              <a:defRPr sz="1600" kern="1200">
+                <a:solidFill>
+                  <a:schemeClr val="tx1"/>
+                </a:solidFill>
+                <a:latin typeface="+mn-lt"/>
+                <a:ea typeface="+mn-ea"/>
+                <a:cs typeface="+mn-cs"/>
+              </a:defRPr>
+            </a:lvl5pPr>
+            <a:lvl6pPr marL="2286000" indent="0" algn="ctr" defTabSz="914400" rtl="0" eaLnBrk="1" latinLnBrk="0" hangingPunct="1">
+              <a:lnSpc>
+                <a:spcPct val="90000"/>
+              </a:lnSpc>
+              <a:spcBef>
+                <a:spcPts val="500"/>
+              </a:spcBef>
+              <a:buFont typeface="Arial" panose="02080604020202020204" pitchFamily="34" charset="0"/>
+              <a:buNone/>
+              <a:defRPr sz="1600" kern="1200">
+                <a:solidFill>
+                  <a:schemeClr val="tx1"/>
+                </a:solidFill>
+                <a:latin typeface="+mn-lt"/>
+                <a:ea typeface="+mn-ea"/>
+                <a:cs typeface="+mn-cs"/>
+              </a:defRPr>
+            </a:lvl6pPr>
+            <a:lvl7pPr marL="2743200" indent="0" algn="ctr" defTabSz="914400" rtl="0" eaLnBrk="1" latinLnBrk="0" hangingPunct="1">
+              <a:lnSpc>
+                <a:spcPct val="90000"/>
+              </a:lnSpc>
+              <a:spcBef>
+                <a:spcPts val="500"/>
+              </a:spcBef>
+              <a:buFont typeface="Arial" panose="02080604020202020204" pitchFamily="34" charset="0"/>
+              <a:buNone/>
+              <a:defRPr sz="1600" kern="1200">
+                <a:solidFill>
+                  <a:schemeClr val="tx1"/>
+                </a:solidFill>
+                <a:latin typeface="+mn-lt"/>
+                <a:ea typeface="+mn-ea"/>
+                <a:cs typeface="+mn-cs"/>
+              </a:defRPr>
+            </a:lvl7pPr>
+            <a:lvl8pPr marL="3200400" indent="0" algn="ctr" defTabSz="914400" rtl="0" eaLnBrk="1" latinLnBrk="0" hangingPunct="1">
+              <a:lnSpc>
+                <a:spcPct val="90000"/>
+              </a:lnSpc>
+              <a:spcBef>
+                <a:spcPts val="500"/>
+              </a:spcBef>
+              <a:buFont typeface="Arial" panose="02080604020202020204" pitchFamily="34" charset="0"/>
+              <a:buNone/>
+              <a:defRPr sz="1600" kern="1200">
+                <a:solidFill>
+                  <a:schemeClr val="tx1"/>
+                </a:solidFill>
+                <a:latin typeface="+mn-lt"/>
+                <a:ea typeface="+mn-ea"/>
+                <a:cs typeface="+mn-cs"/>
+              </a:defRPr>
+            </a:lvl8pPr>
+            <a:lvl9pPr marL="3657600" indent="0" algn="ctr" defTabSz="914400" rtl="0" eaLnBrk="1" latinLnBrk="0" hangingPunct="1">
+              <a:lnSpc>
+                <a:spcPct val="90000"/>
+              </a:lnSpc>
+              <a:spcBef>
+                <a:spcPts val="500"/>
+              </a:spcBef>
+              <a:buFont typeface="Arial" panose="02080604020202020204" pitchFamily="34" charset="0"/>
+              <a:buNone/>
+              <a:defRPr sz="1600" kern="1200">
+                <a:solidFill>
+                  <a:schemeClr val="tx1"/>
+                </a:solidFill>
+                <a:latin typeface="+mn-lt"/>
+                <a:ea typeface="+mn-ea"/>
+                <a:cs typeface="+mn-cs"/>
+              </a:defRPr>
+            </a:lvl9pPr>
+          </a:lstStyle>
+          <a:p>
+            <a:pPr algn="l"/>
+            <a:r>
+              <a:rPr lang="zh-CN" altLang="en-US" sz="1400" b="1"/>
+              <a:t>朋友圈业务指标</a:t>
+            </a:r>
+            <a:endParaRPr lang="zh-CN" altLang="en-US" sz="1400" b="1"/>
+          </a:p>
+          <a:p>
+            <a:pPr algn="l"/>
+            <a:r>
+              <a:rPr lang="zh-CN" altLang="en-US" sz="1400"/>
+              <a:t>每天有10.9亿用户打开微信，有3.3亿用户进行了视频通话，有3.6亿用户读公众号文章，有4亿用户使用小程序；每天有7.8亿用户进入朋友圈，有1.2亿用户发表朋友圈，其中照片6.7亿张，短视频1亿条；语音识别每天在微信翻译的语音条数都有5亿条以上。</a:t>
+            </a:r>
+            <a:endParaRPr lang="zh-CN" altLang="en-US" sz="1400"/>
+          </a:p>
+          <a:p>
+            <a:pPr algn="l"/>
+            <a:endParaRPr lang="zh-CN" altLang="en-US" sz="1400"/>
+          </a:p>
+          <a:p>
+            <a:pPr algn="l"/>
+            <a:r>
+              <a:rPr lang="zh-CN" altLang="en-US" sz="1400">
+                <a:sym typeface="+mn-ea"/>
+              </a:rPr>
+              <a:t>http://www.nbd.com.cn/articles/2021-01-20/1603931.htm</a:t>
+            </a:r>
+            <a:r>
+              <a:rPr lang="en-US" altLang="zh-CN" sz="1400">
+                <a:sym typeface="+mn-ea"/>
+              </a:rPr>
+              <a:t>l</a:t>
+            </a:r>
+            <a:endParaRPr lang="en-US" altLang="zh-CN" sz="1400">
+              <a:sym typeface="+mn-ea"/>
+            </a:endParaRPr>
+          </a:p>
+        </p:txBody>
+      </p:sp>
+      <p:sp>
+        <p:nvSpPr>
+          <p:cNvPr id="4" name="Subtitle 1"/>
+          <p:cNvSpPr/>
+          <p:nvPr/>
+        </p:nvSpPr>
+        <p:spPr>
+          <a:xfrm>
+            <a:off x="800735" y="3399790"/>
+            <a:ext cx="9144000" cy="1387475"/>
+          </a:xfrm>
+          <a:prstGeom prst="rect">
+            <a:avLst/>
+          </a:prstGeom>
+        </p:spPr>
+        <p:txBody>
+          <a:bodyPr vert="horz" lIns="91440" tIns="45720" rIns="91440" bIns="45720" rtlCol="0">
+            <a:noAutofit/>
+          </a:bodyPr>
+          <a:lstStyle>
+            <a:lvl1pPr marL="0" indent="0" algn="ctr" defTabSz="914400" rtl="0" eaLnBrk="1" latinLnBrk="0" hangingPunct="1">
+              <a:lnSpc>
+                <a:spcPct val="90000"/>
+              </a:lnSpc>
+              <a:spcBef>
+                <a:spcPts val="1000"/>
+              </a:spcBef>
+              <a:buFont typeface="Arial" panose="02080604020202020204" pitchFamily="34" charset="0"/>
+              <a:buNone/>
+              <a:defRPr sz="2400" kern="1200">
+                <a:solidFill>
+                  <a:schemeClr val="tx1"/>
+                </a:solidFill>
+                <a:latin typeface="+mn-lt"/>
+                <a:ea typeface="+mn-ea"/>
+                <a:cs typeface="+mn-cs"/>
+              </a:defRPr>
+            </a:lvl1pPr>
+            <a:lvl2pPr marL="457200" indent="0" algn="ctr" defTabSz="914400" rtl="0" eaLnBrk="1" latinLnBrk="0" hangingPunct="1">
+              <a:lnSpc>
+                <a:spcPct val="90000"/>
+              </a:lnSpc>
+              <a:spcBef>
+                <a:spcPts val="500"/>
+              </a:spcBef>
+              <a:buFont typeface="Arial" panose="02080604020202020204" pitchFamily="34" charset="0"/>
+              <a:buNone/>
+              <a:defRPr sz="2000" kern="1200">
+                <a:solidFill>
+                  <a:schemeClr val="tx1"/>
+                </a:solidFill>
+                <a:latin typeface="+mn-lt"/>
+                <a:ea typeface="+mn-ea"/>
+                <a:cs typeface="+mn-cs"/>
+              </a:defRPr>
+            </a:lvl2pPr>
+            <a:lvl3pPr marL="914400" indent="0" algn="ctr" defTabSz="914400" rtl="0" eaLnBrk="1" latinLnBrk="0" hangingPunct="1">
+              <a:lnSpc>
+                <a:spcPct val="90000"/>
+              </a:lnSpc>
+              <a:spcBef>
+                <a:spcPts val="500"/>
+              </a:spcBef>
+              <a:buFont typeface="Arial" panose="02080604020202020204" pitchFamily="34" charset="0"/>
+              <a:buNone/>
+              <a:defRPr sz="1800" kern="1200">
+                <a:solidFill>
+                  <a:schemeClr val="tx1"/>
+                </a:solidFill>
+                <a:latin typeface="+mn-lt"/>
+                <a:ea typeface="+mn-ea"/>
+                <a:cs typeface="+mn-cs"/>
+              </a:defRPr>
+            </a:lvl3pPr>
+            <a:lvl4pPr marL="1371600" indent="0" algn="ctr" defTabSz="914400" rtl="0" eaLnBrk="1" latinLnBrk="0" hangingPunct="1">
+              <a:lnSpc>
+                <a:spcPct val="90000"/>
+              </a:lnSpc>
+              <a:spcBef>
+                <a:spcPts val="500"/>
+              </a:spcBef>
+              <a:buFont typeface="Arial" panose="02080604020202020204" pitchFamily="34" charset="0"/>
+              <a:buNone/>
+              <a:defRPr sz="1600" kern="1200">
+                <a:solidFill>
+                  <a:schemeClr val="tx1"/>
+                </a:solidFill>
+                <a:latin typeface="+mn-lt"/>
+                <a:ea typeface="+mn-ea"/>
+                <a:cs typeface="+mn-cs"/>
+              </a:defRPr>
+            </a:lvl4pPr>
+            <a:lvl5pPr marL="1828800" indent="0" algn="ctr" defTabSz="914400" rtl="0" eaLnBrk="1" latinLnBrk="0" hangingPunct="1">
+              <a:lnSpc>
+                <a:spcPct val="90000"/>
+              </a:lnSpc>
+              <a:spcBef>
+                <a:spcPts val="500"/>
+              </a:spcBef>
+              <a:buFont typeface="Arial" panose="02080604020202020204" pitchFamily="34" charset="0"/>
+              <a:buNone/>
+              <a:defRPr sz="1600" kern="1200">
+                <a:solidFill>
+                  <a:schemeClr val="tx1"/>
+                </a:solidFill>
+                <a:latin typeface="+mn-lt"/>
+                <a:ea typeface="+mn-ea"/>
+                <a:cs typeface="+mn-cs"/>
+              </a:defRPr>
+            </a:lvl5pPr>
+            <a:lvl6pPr marL="2286000" indent="0" algn="ctr" defTabSz="914400" rtl="0" eaLnBrk="1" latinLnBrk="0" hangingPunct="1">
+              <a:lnSpc>
+                <a:spcPct val="90000"/>
+              </a:lnSpc>
+              <a:spcBef>
+                <a:spcPts val="500"/>
+              </a:spcBef>
+              <a:buFont typeface="Arial" panose="02080604020202020204" pitchFamily="34" charset="0"/>
+              <a:buNone/>
+              <a:defRPr sz="1600" kern="1200">
+                <a:solidFill>
+                  <a:schemeClr val="tx1"/>
+                </a:solidFill>
+                <a:latin typeface="+mn-lt"/>
+                <a:ea typeface="+mn-ea"/>
+                <a:cs typeface="+mn-cs"/>
+              </a:defRPr>
+            </a:lvl6pPr>
+            <a:lvl7pPr marL="2743200" indent="0" algn="ctr" defTabSz="914400" rtl="0" eaLnBrk="1" latinLnBrk="0" hangingPunct="1">
+              <a:lnSpc>
+                <a:spcPct val="90000"/>
+              </a:lnSpc>
+              <a:spcBef>
+                <a:spcPts val="500"/>
+              </a:spcBef>
+              <a:buFont typeface="Arial" panose="02080604020202020204" pitchFamily="34" charset="0"/>
+              <a:buNone/>
+              <a:defRPr sz="1600" kern="1200">
+                <a:solidFill>
+                  <a:schemeClr val="tx1"/>
+                </a:solidFill>
+                <a:latin typeface="+mn-lt"/>
+                <a:ea typeface="+mn-ea"/>
+                <a:cs typeface="+mn-cs"/>
+              </a:defRPr>
+            </a:lvl7pPr>
+            <a:lvl8pPr marL="3200400" indent="0" algn="ctr" defTabSz="914400" rtl="0" eaLnBrk="1" latinLnBrk="0" hangingPunct="1">
+              <a:lnSpc>
+                <a:spcPct val="90000"/>
+              </a:lnSpc>
+              <a:spcBef>
+                <a:spcPts val="500"/>
+              </a:spcBef>
+              <a:buFont typeface="Arial" panose="02080604020202020204" pitchFamily="34" charset="0"/>
+              <a:buNone/>
+              <a:defRPr sz="1600" kern="1200">
+                <a:solidFill>
+                  <a:schemeClr val="tx1"/>
+                </a:solidFill>
+                <a:latin typeface="+mn-lt"/>
+                <a:ea typeface="+mn-ea"/>
+                <a:cs typeface="+mn-cs"/>
+              </a:defRPr>
+            </a:lvl8pPr>
+            <a:lvl9pPr marL="3657600" indent="0" algn="ctr" defTabSz="914400" rtl="0" eaLnBrk="1" latinLnBrk="0" hangingPunct="1">
+              <a:lnSpc>
+                <a:spcPct val="90000"/>
+              </a:lnSpc>
+              <a:spcBef>
+                <a:spcPts val="500"/>
+              </a:spcBef>
+              <a:buFont typeface="Arial" panose="02080604020202020204" pitchFamily="34" charset="0"/>
+              <a:buNone/>
+              <a:defRPr sz="1600" kern="1200">
+                <a:solidFill>
+                  <a:schemeClr val="tx1"/>
+                </a:solidFill>
+                <a:latin typeface="+mn-lt"/>
+                <a:ea typeface="+mn-ea"/>
+                <a:cs typeface="+mn-cs"/>
+              </a:defRPr>
+            </a:lvl9pPr>
+          </a:lstStyle>
+          <a:p>
+            <a:pPr algn="l"/>
+            <a:r>
+              <a:rPr lang="zh-CN" altLang="en-US" sz="1400" b="1"/>
+              <a:t>朋友圈功能</a:t>
+            </a:r>
+            <a:endParaRPr lang="zh-CN" altLang="en-US" sz="1400" b="1"/>
+          </a:p>
+          <a:p>
+            <a:pPr algn="l"/>
+            <a:r>
+              <a:rPr lang="zh-CN" altLang="en-US" sz="1400">
+                <a:sym typeface="+mn-ea"/>
+              </a:rPr>
+              <a:t>发朋友圈，</a:t>
+            </a:r>
+            <a:r>
+              <a:rPr lang="zh-CN" altLang="en-US" sz="1400"/>
+              <a:t>评论，点赞</a:t>
+            </a:r>
+            <a:endParaRPr lang="zh-CN" altLang="en-US" sz="1400"/>
+          </a:p>
+          <a:p>
+            <a:pPr algn="l"/>
+            <a:r>
+              <a:rPr lang="zh-CN" altLang="en-US" sz="1400"/>
+              <a:t>浏览朋友圈</a:t>
+            </a:r>
+            <a:endParaRPr lang="zh-CN" altLang="en-US" sz="1400"/>
+          </a:p>
+        </p:txBody>
+      </p:sp>
+    </p:spTree>
+  </p:cSld>
+  <p:clrMapOvr>
+    <a:masterClrMapping/>
+  </p:clrMapOvr>
+</p:sld>
+</file>
+
+<file path=ppt/slides/slide3.xml><?xml version="1.0" encoding="utf-8"?>
+<p:sld xmlns:a="http://schemas.openxmlformats.org/drawingml/2006/main" xmlns:r="http://schemas.openxmlformats.org/officeDocument/2006/relationships" xmlns:p="http://schemas.openxmlformats.org/presentationml/2006/main">
+  <p:cSld>
+    <p:spTree>
+      <p:nvGrpSpPr>
+        <p:cNvPr id="1" name=""/>
+        <p:cNvGrpSpPr/>
+        <p:nvPr/>
+      </p:nvGrpSpPr>
+      <p:grpSpPr/>
+      <p:sp>
+        <p:nvSpPr>
+          <p:cNvPr id="2" name="Subtitle 1"/>
+          <p:cNvSpPr/>
+          <p:nvPr>
+            <p:ph type="subTitle" idx="1"/>
+          </p:nvPr>
+        </p:nvSpPr>
+        <p:spPr>
+          <a:xfrm>
+            <a:off x="608330" y="372110"/>
+            <a:ext cx="9144000" cy="360045"/>
+          </a:xfrm>
+        </p:spPr>
+        <p:txBody>
+          <a:bodyPr>
+            <a:noAutofit/>
+          </a:bodyPr>
+          <a:p>
+            <a:pPr algn="l"/>
+            <a:r>
+              <a:rPr lang="zh-CN" altLang="en-US" sz="2300"/>
+              <a:t>总体分析</a:t>
+            </a:r>
+            <a:endParaRPr lang="zh-CN" altLang="en-US" sz="2300"/>
+          </a:p>
+        </p:txBody>
+      </p:sp>
+      <p:pic>
+        <p:nvPicPr>
+          <p:cNvPr id="4" name="Picture 3"/>
+          <p:cNvPicPr>
+            <a:picLocks noChangeAspect="1"/>
+          </p:cNvPicPr>
+          <p:nvPr/>
+        </p:nvPicPr>
+        <p:blipFill>
+          <a:blip r:embed="rId1"/>
+          <a:stretch>
+            <a:fillRect/>
+          </a:stretch>
+        </p:blipFill>
+        <p:spPr>
+          <a:xfrm>
+            <a:off x="1459865" y="1284605"/>
+            <a:ext cx="7440930" cy="4721860"/>
+          </a:xfrm>
+          <a:prstGeom prst="rect">
+            <a:avLst/>
+          </a:prstGeom>
+        </p:spPr>
+      </p:pic>
+    </p:spTree>
+  </p:cSld>
+  <p:clrMapOvr>
+    <a:masterClrMapping/>
+  </p:clrMapOvr>
+</p:sld>
+</file>
+
+<file path=ppt/slides/slide4.xml><?xml version="1.0" encoding="utf-8"?>
+<p:sld xmlns:a="http://schemas.openxmlformats.org/drawingml/2006/main" xmlns:r="http://schemas.openxmlformats.org/officeDocument/2006/relationships" xmlns:p="http://schemas.openxmlformats.org/presentationml/2006/main">
+  <p:cSld>
+    <p:spTree>
+      <p:nvGrpSpPr>
+        <p:cNvPr id="1" name=""/>
+        <p:cNvGrpSpPr/>
+        <p:nvPr/>
+      </p:nvGrpSpPr>
+      <p:grpSpPr/>
+      <p:sp>
+        <p:nvSpPr>
+          <p:cNvPr id="2" name="Subtitle 1"/>
+          <p:cNvSpPr/>
+          <p:nvPr>
+            <p:ph type="subTitle" idx="1"/>
+          </p:nvPr>
+        </p:nvSpPr>
+        <p:spPr>
+          <a:xfrm>
+            <a:off x="608330" y="372110"/>
+            <a:ext cx="9144000" cy="360045"/>
+          </a:xfrm>
+        </p:spPr>
+        <p:txBody>
+          <a:bodyPr>
+            <a:noAutofit/>
+          </a:bodyPr>
+          <a:p>
+            <a:pPr algn="l"/>
+            <a:r>
+              <a:rPr lang="zh-CN" altLang="en-US" sz="2300"/>
+              <a:t>架构设计</a:t>
+            </a:r>
+            <a:r>
+              <a:rPr lang="en-US" altLang="zh-CN" sz="2300"/>
+              <a:t>--</a:t>
+            </a:r>
+            <a:r>
+              <a:rPr lang="zh-CN" altLang="en-US" sz="2300"/>
+              <a:t>计算复杂度</a:t>
+            </a:r>
+            <a:endParaRPr lang="zh-CN" altLang="en-US" sz="2300"/>
+          </a:p>
+        </p:txBody>
+      </p:sp>
+    </p:spTree>
+  </p:cSld>
+  <p:clrMapOvr>
+    <a:masterClrMapping/>
+  </p:clrMapOvr>
+</p:sld>
+</file>
+
+<file path=ppt/slides/slide5.xml><?xml version="1.0" encoding="utf-8"?>
+<p:sld xmlns:a="http://schemas.openxmlformats.org/drawingml/2006/main" xmlns:r="http://schemas.openxmlformats.org/officeDocument/2006/relationships" xmlns:p="http://schemas.openxmlformats.org/presentationml/2006/main">
+  <p:cSld>
+    <p:spTree>
+      <p:nvGrpSpPr>
+        <p:cNvPr id="1" name=""/>
+        <p:cNvGrpSpPr/>
+        <p:nvPr/>
+      </p:nvGrpSpPr>
+      <p:grpSpPr/>
+      <p:sp>
+        <p:nvSpPr>
+          <p:cNvPr id="2" name="Subtitle 1"/>
+          <p:cNvSpPr/>
+          <p:nvPr>
+            <p:ph type="subTitle" idx="1"/>
+          </p:nvPr>
+        </p:nvSpPr>
+        <p:spPr>
+          <a:xfrm>
+            <a:off x="608330" y="372110"/>
+            <a:ext cx="9144000" cy="360045"/>
+          </a:xfrm>
+        </p:spPr>
+        <p:txBody>
+          <a:bodyPr>
+            <a:noAutofit/>
+          </a:bodyPr>
+          <a:p>
+            <a:pPr algn="l"/>
+            <a:r>
+              <a:rPr lang="zh-CN" altLang="en-US" sz="2300"/>
+              <a:t>架构设计</a:t>
+            </a:r>
+            <a:r>
+              <a:rPr lang="en-US" altLang="zh-CN" sz="2300"/>
+              <a:t>--</a:t>
+            </a:r>
+            <a:r>
+              <a:rPr lang="zh-CN" altLang="en-US" sz="2300"/>
+              <a:t>存储复杂度</a:t>
+            </a:r>
+            <a:endParaRPr lang="zh-CN" altLang="en-US" sz="2300"/>
+          </a:p>
+        </p:txBody>
+      </p:sp>
+    </p:spTree>
+  </p:cSld>
+  <p:clrMapOvr>
+    <a:masterClrMapping/>
+  </p:clrMapOvr>
+</p:sld>
+</file>
+
+<file path=ppt/slides/slide6.xml><?xml version="1.0" encoding="utf-8"?>
+<p:sld xmlns:a="http://schemas.openxmlformats.org/drawingml/2006/main" xmlns:r="http://schemas.openxmlformats.org/officeDocument/2006/relationships" xmlns:p="http://schemas.openxmlformats.org/presentationml/2006/main">
+  <p:cSld>
+    <p:spTree>
+      <p:nvGrpSpPr>
+        <p:cNvPr id="1" name=""/>
+        <p:cNvGrpSpPr/>
+        <p:nvPr/>
+      </p:nvGrpSpPr>
+      <p:grpSpPr/>
+      <p:sp>
+        <p:nvSpPr>
+          <p:cNvPr id="2" name="Subtitle 1"/>
+          <p:cNvSpPr/>
+          <p:nvPr>
+            <p:ph type="subTitle" idx="1"/>
+          </p:nvPr>
+        </p:nvSpPr>
+        <p:spPr>
+          <a:xfrm>
+            <a:off x="608330" y="372110"/>
+            <a:ext cx="9144000" cy="360045"/>
+          </a:xfrm>
+        </p:spPr>
+        <p:txBody>
+          <a:bodyPr>
+            <a:noAutofit/>
+          </a:bodyPr>
+          <a:p>
+            <a:pPr algn="l"/>
+            <a:r>
+              <a:rPr lang="zh-CN" altLang="en-US" sz="2300"/>
+              <a:t>架构设计</a:t>
+            </a:r>
+            <a:r>
+              <a:rPr lang="en-US" altLang="zh-CN" sz="2300"/>
+              <a:t>--</a:t>
+            </a:r>
+            <a:r>
+              <a:rPr lang="zh-CN" altLang="en-US" sz="2300"/>
+              <a:t>整体设计</a:t>
+            </a:r>
+            <a:endParaRPr lang="zh-CN" altLang="en-US" sz="2300"/>
+          </a:p>
+        </p:txBody>
+      </p:sp>
+    </p:spTree>
+  </p:cSld>
+  <p:clrMapOvr>
+    <a:masterClrMapping/>
+  </p:clrMapOvr>
+</p:sld>
+</file>
+
+<file path=ppt/slides/slide7.xml><?xml version="1.0" encoding="utf-8"?>
+<p:sld xmlns:a="http://schemas.openxmlformats.org/drawingml/2006/main" xmlns:r="http://schemas.openxmlformats.org/officeDocument/2006/relationships" xmlns:p="http://schemas.openxmlformats.org/presentationml/2006/main">
+  <p:cSld>
+    <p:spTree>
+      <p:nvGrpSpPr>
+        <p:cNvPr id="1" name=""/>
+        <p:cNvGrpSpPr/>
+        <p:nvPr/>
+      </p:nvGrpSpPr>
+      <p:grpSpPr/>
+      <p:sp>
+        <p:nvSpPr>
+          <p:cNvPr id="2" name="Subtitle 1"/>
+          <p:cNvSpPr/>
+          <p:nvPr>
+            <p:ph type="subTitle" idx="1"/>
+          </p:nvPr>
+        </p:nvSpPr>
+        <p:spPr>
+          <a:xfrm>
+            <a:off x="608330" y="372110"/>
+            <a:ext cx="9144000" cy="360045"/>
+          </a:xfrm>
+        </p:spPr>
+        <p:txBody>
+          <a:bodyPr>
+            <a:noAutofit/>
+          </a:bodyPr>
+          <a:p>
+            <a:pPr algn="l"/>
+            <a:r>
+              <a:rPr lang="zh-CN" altLang="en-US" sz="2300"/>
+              <a:t>设计说明</a:t>
+            </a:r>
+            <a:endParaRPr lang="zh-CN" altLang="en-US" sz="2300"/>
           </a:p>
         </p:txBody>
       </p:sp>

--- a/模块二作业/微信朋友圈复杂度.pptx
+++ b/模块二作业/微信朋友圈复杂度.pptx
@@ -8,10 +8,9 @@
     <p:sldId id="256" r:id="rId3"/>
     <p:sldId id="257" r:id="rId4"/>
     <p:sldId id="258" r:id="rId5"/>
-    <p:sldId id="259" r:id="rId6"/>
-    <p:sldId id="260" r:id="rId7"/>
-    <p:sldId id="263" r:id="rId8"/>
-    <p:sldId id="262" r:id="rId9"/>
+    <p:sldId id="266" r:id="rId6"/>
+    <p:sldId id="259" r:id="rId7"/>
+    <p:sldId id="262" r:id="rId8"/>
   </p:sldIdLst>
   <p:sldSz cx="12192000" cy="6858000"/>
   <p:notesSz cx="7103745" cy="10234295"/>
@@ -2361,7 +2360,7 @@
         <a:spcBef>
           <a:spcPts val="1000"/>
         </a:spcBef>
-        <a:buFont typeface="Arial" panose="02080604020202020204" pitchFamily="34" charset="0"/>
+        <a:buFont typeface="Arial" panose="020B0604020202090204" pitchFamily="34" charset="0"/>
         <a:buChar char="•"/>
         <a:defRPr sz="2800" kern="1200">
           <a:solidFill>
@@ -2379,7 +2378,7 @@
         <a:spcBef>
           <a:spcPts val="500"/>
         </a:spcBef>
-        <a:buFont typeface="Arial" panose="02080604020202020204" pitchFamily="34" charset="0"/>
+        <a:buFont typeface="Arial" panose="020B0604020202090204" pitchFamily="34" charset="0"/>
         <a:buChar char="•"/>
         <a:defRPr sz="2400" kern="1200">
           <a:solidFill>
@@ -2397,7 +2396,7 @@
         <a:spcBef>
           <a:spcPts val="500"/>
         </a:spcBef>
-        <a:buFont typeface="Arial" panose="02080604020202020204" pitchFamily="34" charset="0"/>
+        <a:buFont typeface="Arial" panose="020B0604020202090204" pitchFamily="34" charset="0"/>
         <a:buChar char="•"/>
         <a:defRPr sz="2000" kern="1200">
           <a:solidFill>
@@ -2415,7 +2414,7 @@
         <a:spcBef>
           <a:spcPts val="500"/>
         </a:spcBef>
-        <a:buFont typeface="Arial" panose="02080604020202020204" pitchFamily="34" charset="0"/>
+        <a:buFont typeface="Arial" panose="020B0604020202090204" pitchFamily="34" charset="0"/>
         <a:buChar char="•"/>
         <a:defRPr sz="1800" kern="1200">
           <a:solidFill>
@@ -2433,7 +2432,7 @@
         <a:spcBef>
           <a:spcPts val="500"/>
         </a:spcBef>
-        <a:buFont typeface="Arial" panose="02080604020202020204" pitchFamily="34" charset="0"/>
+        <a:buFont typeface="Arial" panose="020B0604020202090204" pitchFamily="34" charset="0"/>
         <a:buChar char="•"/>
         <a:defRPr sz="1800" kern="1200">
           <a:solidFill>
@@ -2451,7 +2450,7 @@
         <a:spcBef>
           <a:spcPts val="500"/>
         </a:spcBef>
-        <a:buFont typeface="Arial" panose="02080604020202020204" pitchFamily="34" charset="0"/>
+        <a:buFont typeface="Arial" panose="020B0604020202090204" pitchFamily="34" charset="0"/>
         <a:buChar char="•"/>
         <a:defRPr sz="1800" kern="1200">
           <a:solidFill>
@@ -2469,7 +2468,7 @@
         <a:spcBef>
           <a:spcPts val="500"/>
         </a:spcBef>
-        <a:buFont typeface="Arial" panose="02080604020202020204" pitchFamily="34" charset="0"/>
+        <a:buFont typeface="Arial" panose="020B0604020202090204" pitchFamily="34" charset="0"/>
         <a:buChar char="•"/>
         <a:defRPr sz="1800" kern="1200">
           <a:solidFill>
@@ -2487,7 +2486,7 @@
         <a:spcBef>
           <a:spcPts val="500"/>
         </a:spcBef>
-        <a:buFont typeface="Arial" panose="02080604020202020204" pitchFamily="34" charset="0"/>
+        <a:buFont typeface="Arial" panose="020B0604020202090204" pitchFamily="34" charset="0"/>
         <a:buChar char="•"/>
         <a:defRPr sz="1800" kern="1200">
           <a:solidFill>
@@ -2505,7 +2504,7 @@
         <a:spcBef>
           <a:spcPts val="500"/>
         </a:spcBef>
-        <a:buFont typeface="Arial" panose="02080604020202020204" pitchFamily="34" charset="0"/>
+        <a:buFont typeface="Arial" panose="020B0604020202090204" pitchFamily="34" charset="0"/>
         <a:buChar char="•"/>
         <a:defRPr sz="1800" kern="1200">
           <a:solidFill>
@@ -2636,8 +2635,8 @@
         </p:nvSpPr>
         <p:spPr>
           <a:xfrm>
-            <a:off x="608330" y="372110"/>
-            <a:ext cx="9144000" cy="360045"/>
+            <a:off x="897255" y="338455"/>
+            <a:ext cx="9144000" cy="487680"/>
           </a:xfrm>
         </p:spPr>
         <p:txBody>
@@ -2647,10 +2646,16 @@
           <a:p>
             <a:pPr algn="l"/>
             <a:r>
-              <a:rPr lang="zh-CN" altLang="en-US" sz="2300"/>
+              <a:rPr lang="zh-CN" altLang="en-US" sz="3200">
+                <a:latin typeface="微软雅黑" charset="0"/>
+                <a:ea typeface="微软雅黑" charset="0"/>
+              </a:rPr>
               <a:t>要求</a:t>
             </a:r>
-            <a:endParaRPr lang="zh-CN" altLang="en-US" sz="2300"/>
+            <a:endParaRPr lang="zh-CN" altLang="en-US" sz="3200">
+              <a:latin typeface="微软雅黑" charset="0"/>
+              <a:ea typeface="微软雅黑" charset="0"/>
+            </a:endParaRPr>
           </a:p>
         </p:txBody>
       </p:sp>
@@ -2662,7 +2667,7 @@
         </p:nvSpPr>
         <p:spPr>
           <a:xfrm>
-            <a:off x="726440" y="1138555"/>
+            <a:off x="897255" y="1184275"/>
             <a:ext cx="9144000" cy="4099560"/>
           </a:xfrm>
           <a:prstGeom prst="rect">
@@ -2681,7 +2686,7 @@
               <a:spcBef>
                 <a:spcPts val="1000"/>
               </a:spcBef>
-              <a:buFont typeface="Arial" panose="02080604020202020204" pitchFamily="34" charset="0"/>
+              <a:buFont typeface="Arial" panose="020B0604020202090204" pitchFamily="34" charset="0"/>
               <a:buNone/>
               <a:defRPr sz="2400" kern="1200">
                 <a:solidFill>
@@ -2699,7 +2704,7 @@
               <a:spcBef>
                 <a:spcPts val="500"/>
               </a:spcBef>
-              <a:buFont typeface="Arial" panose="02080604020202020204" pitchFamily="34" charset="0"/>
+              <a:buFont typeface="Arial" panose="020B0604020202090204" pitchFamily="34" charset="0"/>
               <a:buNone/>
               <a:defRPr sz="2000" kern="1200">
                 <a:solidFill>
@@ -2717,7 +2722,7 @@
               <a:spcBef>
                 <a:spcPts val="500"/>
               </a:spcBef>
-              <a:buFont typeface="Arial" panose="02080604020202020204" pitchFamily="34" charset="0"/>
+              <a:buFont typeface="Arial" panose="020B0604020202090204" pitchFamily="34" charset="0"/>
               <a:buNone/>
               <a:defRPr sz="1800" kern="1200">
                 <a:solidFill>
@@ -2735,7 +2740,7 @@
               <a:spcBef>
                 <a:spcPts val="500"/>
               </a:spcBef>
-              <a:buFont typeface="Arial" panose="02080604020202020204" pitchFamily="34" charset="0"/>
+              <a:buFont typeface="Arial" panose="020B0604020202090204" pitchFamily="34" charset="0"/>
               <a:buNone/>
               <a:defRPr sz="1600" kern="1200">
                 <a:solidFill>
@@ -2753,7 +2758,7 @@
               <a:spcBef>
                 <a:spcPts val="500"/>
               </a:spcBef>
-              <a:buFont typeface="Arial" panose="02080604020202020204" pitchFamily="34" charset="0"/>
+              <a:buFont typeface="Arial" panose="020B0604020202090204" pitchFamily="34" charset="0"/>
               <a:buNone/>
               <a:defRPr sz="1600" kern="1200">
                 <a:solidFill>
@@ -2771,7 +2776,7 @@
               <a:spcBef>
                 <a:spcPts val="500"/>
               </a:spcBef>
-              <a:buFont typeface="Arial" panose="02080604020202020204" pitchFamily="34" charset="0"/>
+              <a:buFont typeface="Arial" panose="020B0604020202090204" pitchFamily="34" charset="0"/>
               <a:buNone/>
               <a:defRPr sz="1600" kern="1200">
                 <a:solidFill>
@@ -2789,7 +2794,7 @@
               <a:spcBef>
                 <a:spcPts val="500"/>
               </a:spcBef>
-              <a:buFont typeface="Arial" panose="02080604020202020204" pitchFamily="34" charset="0"/>
+              <a:buFont typeface="Arial" panose="020B0604020202090204" pitchFamily="34" charset="0"/>
               <a:buNone/>
               <a:defRPr sz="1600" kern="1200">
                 <a:solidFill>
@@ -2807,7 +2812,7 @@
               <a:spcBef>
                 <a:spcPts val="500"/>
               </a:spcBef>
-              <a:buFont typeface="Arial" panose="02080604020202020204" pitchFamily="34" charset="0"/>
+              <a:buFont typeface="Arial" panose="020B0604020202090204" pitchFamily="34" charset="0"/>
               <a:buNone/>
               <a:defRPr sz="1600" kern="1200">
                 <a:solidFill>
@@ -2825,7 +2830,7 @@
               <a:spcBef>
                 <a:spcPts val="500"/>
               </a:spcBef>
-              <a:buFont typeface="Arial" panose="02080604020202020204" pitchFamily="34" charset="0"/>
+              <a:buFont typeface="Arial" panose="020B0604020202090204" pitchFamily="34" charset="0"/>
               <a:buNone/>
               <a:defRPr sz="1600" kern="1200">
                 <a:solidFill>
@@ -2840,82 +2845,162 @@
           <a:p>
             <a:pPr algn="l"/>
             <a:r>
-              <a:rPr lang="zh-CN" altLang="en-US" sz="1400"/>
+              <a:rPr lang="zh-CN" altLang="en-US" sz="1400">
+                <a:latin typeface="微软雅黑" charset="0"/>
+                <a:ea typeface="微软雅黑" charset="0"/>
+                <a:cs typeface="微软雅黑" charset="0"/>
+              </a:rPr>
               <a:t>分析一下微信朋友圈的高性能复杂度</a:t>
             </a:r>
-            <a:endParaRPr lang="zh-CN" altLang="en-US" sz="1400"/>
+            <a:endParaRPr lang="zh-CN" altLang="en-US" sz="1400">
+              <a:latin typeface="微软雅黑" charset="0"/>
+              <a:ea typeface="微软雅黑" charset="0"/>
+              <a:cs typeface="微软雅黑" charset="0"/>
+            </a:endParaRPr>
           </a:p>
           <a:p>
             <a:pPr algn="l"/>
-            <a:endParaRPr lang="zh-CN" altLang="en-US" sz="1400"/>
+            <a:endParaRPr lang="zh-CN" altLang="en-US" sz="1400">
+              <a:latin typeface="微软雅黑" charset="0"/>
+              <a:ea typeface="微软雅黑" charset="0"/>
+              <a:cs typeface="微软雅黑" charset="0"/>
+            </a:endParaRPr>
           </a:p>
           <a:p>
             <a:pPr algn="l"/>
             <a:r>
-              <a:rPr lang="zh-CN" altLang="en-US" sz="2000"/>
+              <a:rPr lang="zh-CN" altLang="en-US" sz="2000">
+                <a:latin typeface="微软雅黑" charset="0"/>
+                <a:ea typeface="微软雅黑" charset="0"/>
+                <a:cs typeface="微软雅黑" charset="0"/>
+              </a:rPr>
               <a:t>【作业要求】</a:t>
             </a:r>
-            <a:endParaRPr lang="zh-CN" altLang="en-US" sz="2000"/>
+            <a:endParaRPr lang="zh-CN" altLang="en-US" sz="2000">
+              <a:latin typeface="微软雅黑" charset="0"/>
+              <a:ea typeface="微软雅黑" charset="0"/>
+              <a:cs typeface="微软雅黑" charset="0"/>
+            </a:endParaRPr>
           </a:p>
           <a:p>
             <a:pPr algn="l"/>
             <a:r>
-              <a:rPr lang="zh-CN" altLang="en-US" sz="1400"/>
+              <a:rPr lang="zh-CN" altLang="en-US" sz="1400">
+                <a:latin typeface="微软雅黑" charset="0"/>
+                <a:ea typeface="微软雅黑" charset="0"/>
+                <a:cs typeface="微软雅黑" charset="0"/>
+              </a:rPr>
               <a:t>1. 对照模块2讲述的复杂度分析方法，分析微信朋友圈的复杂度。</a:t>
             </a:r>
-            <a:endParaRPr lang="zh-CN" altLang="en-US" sz="1400"/>
+            <a:endParaRPr lang="zh-CN" altLang="en-US" sz="1400">
+              <a:latin typeface="微软雅黑" charset="0"/>
+              <a:ea typeface="微软雅黑" charset="0"/>
+              <a:cs typeface="微软雅黑" charset="0"/>
+            </a:endParaRPr>
           </a:p>
           <a:p>
             <a:pPr algn="l"/>
             <a:r>
-              <a:rPr lang="zh-CN" altLang="en-US" sz="1400"/>
+              <a:rPr lang="zh-CN" altLang="en-US" sz="1400">
+                <a:latin typeface="微软雅黑" charset="0"/>
+                <a:ea typeface="微软雅黑" charset="0"/>
+                <a:cs typeface="微软雅黑" charset="0"/>
+              </a:rPr>
               <a:t>2. 针对各个复杂度，画出你的架构设计方案（无需做备选方案，只需要最终的方案即可）。</a:t>
             </a:r>
-            <a:endParaRPr lang="zh-CN" altLang="en-US" sz="1400"/>
+            <a:endParaRPr lang="zh-CN" altLang="en-US" sz="1400">
+              <a:latin typeface="微软雅黑" charset="0"/>
+              <a:ea typeface="微软雅黑" charset="0"/>
+              <a:cs typeface="微软雅黑" charset="0"/>
+            </a:endParaRPr>
           </a:p>
           <a:p>
             <a:pPr algn="l"/>
             <a:r>
-              <a:rPr lang="zh-CN" altLang="en-US" sz="1400"/>
+              <a:rPr lang="zh-CN" altLang="en-US" sz="1400">
+                <a:latin typeface="微软雅黑" charset="0"/>
+                <a:ea typeface="微软雅黑" charset="0"/>
+                <a:cs typeface="微软雅黑" charset="0"/>
+              </a:rPr>
               <a:t>3. 给出你的架构方案中关键的设计理由。</a:t>
             </a:r>
-            <a:endParaRPr lang="zh-CN" altLang="en-US" sz="1400"/>
+            <a:endParaRPr lang="zh-CN" altLang="en-US" sz="1400">
+              <a:latin typeface="微软雅黑" charset="0"/>
+              <a:ea typeface="微软雅黑" charset="0"/>
+              <a:cs typeface="微软雅黑" charset="0"/>
+            </a:endParaRPr>
           </a:p>
           <a:p>
             <a:pPr algn="l"/>
             <a:r>
-              <a:rPr lang="zh-CN" altLang="en-US" sz="1400"/>
+              <a:rPr lang="zh-CN" altLang="en-US" sz="1400">
+                <a:latin typeface="微软雅黑" charset="0"/>
+                <a:ea typeface="微软雅黑" charset="0"/>
+                <a:cs typeface="微软雅黑" charset="0"/>
+              </a:rPr>
               <a:t>4. 3~5页 PPT 即可，涵盖复杂度分析、架构设计、设计理由。</a:t>
             </a:r>
-            <a:endParaRPr lang="zh-CN" altLang="en-US" sz="1400"/>
+            <a:endParaRPr lang="zh-CN" altLang="en-US" sz="1400">
+              <a:latin typeface="微软雅黑" charset="0"/>
+              <a:ea typeface="微软雅黑" charset="0"/>
+              <a:cs typeface="微软雅黑" charset="0"/>
+            </a:endParaRPr>
           </a:p>
           <a:p>
             <a:pPr algn="l"/>
-            <a:endParaRPr lang="zh-CN" altLang="en-US" sz="1400"/>
+            <a:endParaRPr lang="zh-CN" altLang="en-US" sz="1400">
+              <a:latin typeface="微软雅黑" charset="0"/>
+              <a:ea typeface="微软雅黑" charset="0"/>
+              <a:cs typeface="微软雅黑" charset="0"/>
+            </a:endParaRPr>
           </a:p>
           <a:p>
             <a:pPr algn="l"/>
             <a:r>
-              <a:rPr lang="zh-CN" altLang="en-US" sz="2000"/>
+              <a:rPr lang="zh-CN" altLang="en-US" sz="2000">
+                <a:latin typeface="微软雅黑" charset="0"/>
+                <a:ea typeface="微软雅黑" charset="0"/>
+                <a:cs typeface="微软雅黑" charset="0"/>
+              </a:rPr>
               <a:t>【提示】</a:t>
             </a:r>
-            <a:endParaRPr lang="zh-CN" altLang="en-US" sz="2000"/>
+            <a:endParaRPr lang="zh-CN" altLang="en-US" sz="2000">
+              <a:latin typeface="微软雅黑" charset="0"/>
+              <a:ea typeface="微软雅黑" charset="0"/>
+              <a:cs typeface="微软雅黑" charset="0"/>
+            </a:endParaRPr>
           </a:p>
           <a:p>
             <a:pPr algn="l"/>
             <a:r>
-              <a:rPr lang="zh-CN" altLang="en-US" sz="1400"/>
+              <a:rPr lang="zh-CN" altLang="en-US" sz="1400">
+                <a:latin typeface="微软雅黑" charset="0"/>
+                <a:ea typeface="微软雅黑" charset="0"/>
+                <a:cs typeface="微软雅黑" charset="0"/>
+              </a:rPr>
               <a:t>1. 分析过程可以参考模块2第5课的实战案例，但是不需要将分析过程一一列举出来。</a:t>
             </a:r>
-            <a:endParaRPr lang="zh-CN" altLang="en-US" sz="1400"/>
+            <a:endParaRPr lang="zh-CN" altLang="en-US" sz="1400">
+              <a:latin typeface="微软雅黑" charset="0"/>
+              <a:ea typeface="微软雅黑" charset="0"/>
+              <a:cs typeface="微软雅黑" charset="0"/>
+            </a:endParaRPr>
           </a:p>
           <a:p>
             <a:pPr algn="l"/>
             <a:r>
-              <a:rPr lang="zh-CN" altLang="en-US" sz="1400"/>
+              <a:rPr lang="zh-CN" altLang="en-US" sz="1400">
+                <a:latin typeface="微软雅黑" charset="0"/>
+                <a:ea typeface="微软雅黑" charset="0"/>
+                <a:cs typeface="微软雅黑" charset="0"/>
+              </a:rPr>
               <a:t>2. 如果某个地方被卡主了，请及时联系助教或者老师讨论。</a:t>
             </a:r>
-            <a:endParaRPr lang="zh-CN" altLang="en-US" sz="1400"/>
+            <a:endParaRPr lang="zh-CN" altLang="en-US" sz="1400">
+              <a:latin typeface="微软雅黑" charset="0"/>
+              <a:ea typeface="微软雅黑" charset="0"/>
+              <a:cs typeface="微软雅黑" charset="0"/>
+            </a:endParaRPr>
           </a:p>
         </p:txBody>
       </p:sp>
@@ -2930,6 +3015,14 @@
 <file path=ppt/slides/slide2.xml><?xml version="1.0" encoding="utf-8"?>
 <p:sld xmlns:a="http://schemas.openxmlformats.org/drawingml/2006/main" xmlns:r="http://schemas.openxmlformats.org/officeDocument/2006/relationships" xmlns:p="http://schemas.openxmlformats.org/presentationml/2006/main">
   <p:cSld>
+    <p:bg>
+      <p:bgPr>
+        <a:solidFill>
+          <a:schemeClr val="bg1"/>
+        </a:solidFill>
+        <a:effectLst/>
+      </p:bgPr>
+    </p:bg>
     <p:spTree>
       <p:nvGrpSpPr>
         <p:cNvPr id="1" name=""/>
@@ -2947,8 +3040,8 @@
         </p:nvSpPr>
         <p:spPr>
           <a:xfrm>
-            <a:off x="608330" y="372110"/>
-            <a:ext cx="9144000" cy="360045"/>
+            <a:off x="808990" y="339090"/>
+            <a:ext cx="9144000" cy="511810"/>
           </a:xfrm>
         </p:spPr>
         <p:txBody>
@@ -2958,10 +3051,16 @@
           <a:p>
             <a:pPr algn="l"/>
             <a:r>
-              <a:rPr lang="zh-CN" altLang="en-US" sz="2300"/>
+              <a:rPr lang="zh-CN" altLang="en-US" sz="3200">
+                <a:latin typeface="微软雅黑" charset="0"/>
+                <a:ea typeface="微软雅黑" charset="0"/>
+              </a:rPr>
               <a:t>总体分析</a:t>
             </a:r>
-            <a:endParaRPr lang="zh-CN" altLang="en-US" sz="2300"/>
+            <a:endParaRPr lang="zh-CN" altLang="en-US" sz="3200">
+              <a:latin typeface="微软雅黑" charset="0"/>
+              <a:ea typeface="微软雅黑" charset="0"/>
+            </a:endParaRPr>
           </a:p>
         </p:txBody>
       </p:sp>
@@ -2973,12 +3072,18 @@
         </p:nvSpPr>
         <p:spPr>
           <a:xfrm>
-            <a:off x="723265" y="1136650"/>
-            <a:ext cx="9144000" cy="1717040"/>
+            <a:off x="957580" y="1558290"/>
+            <a:ext cx="3926205" cy="4295775"/>
           </a:xfrm>
           <a:prstGeom prst="rect">
             <a:avLst/>
           </a:prstGeom>
+          <a:ln w="28575" cmpd="sng">
+            <a:solidFill>
+              <a:srgbClr val="C00000"/>
+            </a:solidFill>
+            <a:prstDash val="dashDot"/>
+          </a:ln>
         </p:spPr>
         <p:txBody>
           <a:bodyPr vert="horz" lIns="91440" tIns="45720" rIns="91440" bIns="45720" rtlCol="0">
@@ -2992,7 +3097,7 @@
               <a:spcBef>
                 <a:spcPts val="1000"/>
               </a:spcBef>
-              <a:buFont typeface="Arial" panose="02080604020202020204" pitchFamily="34" charset="0"/>
+              <a:buFont typeface="Arial" panose="020B0604020202090204" pitchFamily="34" charset="0"/>
               <a:buNone/>
               <a:defRPr sz="2400" kern="1200">
                 <a:solidFill>
@@ -3010,7 +3115,7 @@
               <a:spcBef>
                 <a:spcPts val="500"/>
               </a:spcBef>
-              <a:buFont typeface="Arial" panose="02080604020202020204" pitchFamily="34" charset="0"/>
+              <a:buFont typeface="Arial" panose="020B0604020202090204" pitchFamily="34" charset="0"/>
               <a:buNone/>
               <a:defRPr sz="2000" kern="1200">
                 <a:solidFill>
@@ -3028,7 +3133,7 @@
               <a:spcBef>
                 <a:spcPts val="500"/>
               </a:spcBef>
-              <a:buFont typeface="Arial" panose="02080604020202020204" pitchFamily="34" charset="0"/>
+              <a:buFont typeface="Arial" panose="020B0604020202090204" pitchFamily="34" charset="0"/>
               <a:buNone/>
               <a:defRPr sz="1800" kern="1200">
                 <a:solidFill>
@@ -3046,7 +3151,7 @@
               <a:spcBef>
                 <a:spcPts val="500"/>
               </a:spcBef>
-              <a:buFont typeface="Arial" panose="02080604020202020204" pitchFamily="34" charset="0"/>
+              <a:buFont typeface="Arial" panose="020B0604020202090204" pitchFamily="34" charset="0"/>
               <a:buNone/>
               <a:defRPr sz="1600" kern="1200">
                 <a:solidFill>
@@ -3064,7 +3169,7 @@
               <a:spcBef>
                 <a:spcPts val="500"/>
               </a:spcBef>
-              <a:buFont typeface="Arial" panose="02080604020202020204" pitchFamily="34" charset="0"/>
+              <a:buFont typeface="Arial" panose="020B0604020202090204" pitchFamily="34" charset="0"/>
               <a:buNone/>
               <a:defRPr sz="1600" kern="1200">
                 <a:solidFill>
@@ -3082,7 +3187,7 @@
               <a:spcBef>
                 <a:spcPts val="500"/>
               </a:spcBef>
-              <a:buFont typeface="Arial" panose="02080604020202020204" pitchFamily="34" charset="0"/>
+              <a:buFont typeface="Arial" panose="020B0604020202090204" pitchFamily="34" charset="0"/>
               <a:buNone/>
               <a:defRPr sz="1600" kern="1200">
                 <a:solidFill>
@@ -3100,7 +3205,7 @@
               <a:spcBef>
                 <a:spcPts val="500"/>
               </a:spcBef>
-              <a:buFont typeface="Arial" panose="02080604020202020204" pitchFamily="34" charset="0"/>
+              <a:buFont typeface="Arial" panose="020B0604020202090204" pitchFamily="34" charset="0"/>
               <a:buNone/>
               <a:defRPr sz="1600" kern="1200">
                 <a:solidFill>
@@ -3118,7 +3223,7 @@
               <a:spcBef>
                 <a:spcPts val="500"/>
               </a:spcBef>
-              <a:buFont typeface="Arial" panose="02080604020202020204" pitchFamily="34" charset="0"/>
+              <a:buFont typeface="Arial" panose="020B0604020202090204" pitchFamily="34" charset="0"/>
               <a:buNone/>
               <a:defRPr sz="1600" kern="1200">
                 <a:solidFill>
@@ -3136,7 +3241,7 @@
               <a:spcBef>
                 <a:spcPts val="500"/>
               </a:spcBef>
-              <a:buFont typeface="Arial" panose="02080604020202020204" pitchFamily="34" charset="0"/>
+              <a:buFont typeface="Arial" panose="020B0604020202090204" pitchFamily="34" charset="0"/>
               <a:buNone/>
               <a:defRPr sz="1600" kern="1200">
                 <a:solidFill>
@@ -3151,38 +3256,217 @@
           <a:p>
             <a:pPr algn="l"/>
             <a:r>
-              <a:rPr lang="zh-CN" altLang="en-US" sz="1400" b="1"/>
+              <a:rPr lang="zh-CN" altLang="en-US" sz="2000" b="1">
+                <a:latin typeface="微软雅黑" charset="0"/>
+                <a:ea typeface="微软雅黑" charset="0"/>
+                <a:cs typeface="微软雅黑" charset="0"/>
+              </a:rPr>
               <a:t>朋友圈业务指标</a:t>
             </a:r>
-            <a:endParaRPr lang="zh-CN" altLang="en-US" sz="1400" b="1"/>
+            <a:endParaRPr lang="zh-CN" altLang="en-US" sz="2000" b="1">
+              <a:latin typeface="微软雅黑" charset="0"/>
+              <a:ea typeface="微软雅黑" charset="0"/>
+              <a:cs typeface="微软雅黑" charset="0"/>
+            </a:endParaRPr>
           </a:p>
           <a:p>
             <a:pPr algn="l"/>
-            <a:r>
-              <a:rPr lang="zh-CN" altLang="en-US" sz="1400"/>
-              <a:t>每天有10.9亿用户打开微信，有3.3亿用户进行了视频通话，有3.6亿用户读公众号文章，有4亿用户使用小程序；每天有7.8亿用户进入朋友圈，有1.2亿用户发表朋友圈，其中照片6.7亿张，短视频1亿条；语音识别每天在微信翻译的语音条数都有5亿条以上。</a:t>
-            </a:r>
-            <a:endParaRPr lang="zh-CN" altLang="en-US" sz="1400"/>
+            <a:endParaRPr lang="zh-CN" altLang="en-US" sz="1400" b="1">
+              <a:latin typeface="微软雅黑" charset="0"/>
+              <a:ea typeface="微软雅黑" charset="0"/>
+              <a:cs typeface="微软雅黑" charset="0"/>
+            </a:endParaRPr>
           </a:p>
           <a:p>
             <a:pPr algn="l"/>
-            <a:endParaRPr lang="zh-CN" altLang="en-US" sz="1400"/>
+            <a:r>
+              <a:rPr lang="zh-CN" altLang="en-US" sz="1400">
+                <a:latin typeface="微软雅黑" charset="0"/>
+                <a:ea typeface="微软雅黑" charset="0"/>
+                <a:cs typeface="微软雅黑" charset="0"/>
+              </a:rPr>
+              <a:t>每天有10.9亿用户打开微信，</a:t>
+            </a:r>
+            <a:endParaRPr lang="zh-CN" altLang="en-US" sz="1400">
+              <a:latin typeface="微软雅黑" charset="0"/>
+              <a:ea typeface="微软雅黑" charset="0"/>
+              <a:cs typeface="微软雅黑" charset="0"/>
+            </a:endParaRPr>
           </a:p>
           <a:p>
             <a:pPr algn="l"/>
             <a:r>
               <a:rPr lang="zh-CN" altLang="en-US" sz="1400">
+                <a:latin typeface="微软雅黑" charset="0"/>
+                <a:ea typeface="微软雅黑" charset="0"/>
+                <a:cs typeface="微软雅黑" charset="0"/>
+              </a:rPr>
+              <a:t>有3.3亿用户进行了视频通话，</a:t>
+            </a:r>
+            <a:endParaRPr lang="zh-CN" altLang="en-US" sz="1400">
+              <a:latin typeface="微软雅黑" charset="0"/>
+              <a:ea typeface="微软雅黑" charset="0"/>
+              <a:cs typeface="微软雅黑" charset="0"/>
+            </a:endParaRPr>
+          </a:p>
+          <a:p>
+            <a:pPr algn="l"/>
+            <a:r>
+              <a:rPr lang="zh-CN" altLang="en-US" sz="1400">
+                <a:latin typeface="微软雅黑" charset="0"/>
+                <a:ea typeface="微软雅黑" charset="0"/>
+                <a:cs typeface="微软雅黑" charset="0"/>
+              </a:rPr>
+              <a:t>有3.6亿用户读公众号文章，</a:t>
+            </a:r>
+            <a:endParaRPr lang="zh-CN" altLang="en-US" sz="1400">
+              <a:latin typeface="微软雅黑" charset="0"/>
+              <a:ea typeface="微软雅黑" charset="0"/>
+              <a:cs typeface="微软雅黑" charset="0"/>
+            </a:endParaRPr>
+          </a:p>
+          <a:p>
+            <a:pPr algn="l"/>
+            <a:r>
+              <a:rPr lang="zh-CN" altLang="en-US" sz="1400">
+                <a:latin typeface="微软雅黑" charset="0"/>
+                <a:ea typeface="微软雅黑" charset="0"/>
+                <a:cs typeface="微软雅黑" charset="0"/>
+              </a:rPr>
+              <a:t>有4亿用户使用小程序；</a:t>
+            </a:r>
+            <a:endParaRPr lang="zh-CN" altLang="en-US" sz="1400">
+              <a:latin typeface="微软雅黑" charset="0"/>
+              <a:ea typeface="微软雅黑" charset="0"/>
+              <a:cs typeface="微软雅黑" charset="0"/>
+            </a:endParaRPr>
+          </a:p>
+          <a:p>
+            <a:pPr algn="l"/>
+            <a:r>
+              <a:rPr lang="zh-CN" altLang="en-US" sz="1400">
+                <a:latin typeface="微软雅黑" charset="0"/>
+                <a:ea typeface="微软雅黑" charset="0"/>
+                <a:cs typeface="微软雅黑" charset="0"/>
+              </a:rPr>
+              <a:t>每天有7.8亿用户进入朋友圈，</a:t>
+            </a:r>
+            <a:endParaRPr lang="zh-CN" altLang="en-US" sz="1400">
+              <a:latin typeface="微软雅黑" charset="0"/>
+              <a:ea typeface="微软雅黑" charset="0"/>
+              <a:cs typeface="微软雅黑" charset="0"/>
+            </a:endParaRPr>
+          </a:p>
+          <a:p>
+            <a:pPr algn="l"/>
+            <a:r>
+              <a:rPr lang="zh-CN" altLang="en-US" sz="1400">
+                <a:latin typeface="微软雅黑" charset="0"/>
+                <a:ea typeface="微软雅黑" charset="0"/>
+                <a:cs typeface="微软雅黑" charset="0"/>
+              </a:rPr>
+              <a:t>有1.2亿用户发表朋友圈，</a:t>
+            </a:r>
+            <a:endParaRPr lang="zh-CN" altLang="en-US" sz="1400">
+              <a:latin typeface="微软雅黑" charset="0"/>
+              <a:ea typeface="微软雅黑" charset="0"/>
+              <a:cs typeface="微软雅黑" charset="0"/>
+            </a:endParaRPr>
+          </a:p>
+          <a:p>
+            <a:pPr algn="l"/>
+            <a:r>
+              <a:rPr lang="zh-CN" altLang="en-US" sz="1400">
+                <a:latin typeface="微软雅黑" charset="0"/>
+                <a:ea typeface="微软雅黑" charset="0"/>
+                <a:cs typeface="微软雅黑" charset="0"/>
+              </a:rPr>
+              <a:t>其中照片6.7亿张，</a:t>
+            </a:r>
+            <a:endParaRPr lang="zh-CN" altLang="en-US" sz="1400">
+              <a:latin typeface="微软雅黑" charset="0"/>
+              <a:ea typeface="微软雅黑" charset="0"/>
+              <a:cs typeface="微软雅黑" charset="0"/>
+            </a:endParaRPr>
+          </a:p>
+          <a:p>
+            <a:pPr algn="l"/>
+            <a:r>
+              <a:rPr lang="zh-CN" altLang="en-US" sz="1400">
+                <a:latin typeface="微软雅黑" charset="0"/>
+                <a:ea typeface="微软雅黑" charset="0"/>
+                <a:cs typeface="微软雅黑" charset="0"/>
+              </a:rPr>
+              <a:t>短视频1亿条；</a:t>
+            </a:r>
+            <a:endParaRPr lang="zh-CN" altLang="en-US" sz="1400">
+              <a:latin typeface="微软雅黑" charset="0"/>
+              <a:ea typeface="微软雅黑" charset="0"/>
+              <a:cs typeface="微软雅黑" charset="0"/>
+            </a:endParaRPr>
+          </a:p>
+          <a:p>
+            <a:pPr algn="l"/>
+            <a:r>
+              <a:rPr lang="zh-CN" altLang="en-US" sz="1400">
+                <a:latin typeface="微软雅黑" charset="0"/>
+                <a:ea typeface="微软雅黑" charset="0"/>
+                <a:cs typeface="微软雅黑" charset="0"/>
+              </a:rPr>
+              <a:t>语音识别每天在微信翻译的语音条数都有5亿条以上。</a:t>
+            </a:r>
+            <a:endParaRPr lang="en-US" altLang="zh-CN" sz="1400">
+              <a:latin typeface="微软雅黑" charset="0"/>
+              <a:ea typeface="微软雅黑" charset="0"/>
+              <a:cs typeface="微软雅黑" charset="0"/>
+              <a:sym typeface="+mn-ea"/>
+            </a:endParaRPr>
+          </a:p>
+          <a:p>
+            <a:pPr algn="l"/>
+            <a:r>
+              <a:rPr lang="zh-CN" altLang="en-US" sz="1400">
+                <a:solidFill>
+                  <a:srgbClr val="00B0F0"/>
+                </a:solidFill>
+                <a:latin typeface="微软雅黑" charset="0"/>
+                <a:ea typeface="微软雅黑" charset="0"/>
+                <a:cs typeface="微软雅黑" charset="0"/>
                 <a:sym typeface="+mn-ea"/>
               </a:rPr>
-              <a:t>http://www.nbd.com.cn/articles/2021-01-20/1603931.htm</a:t>
+              <a:t>数据来源于</a:t>
             </a:r>
             <a:r>
               <a:rPr lang="en-US" altLang="zh-CN" sz="1400">
+                <a:solidFill>
+                  <a:srgbClr val="00B0F0"/>
+                </a:solidFill>
+                <a:latin typeface="微软雅黑" charset="0"/>
+                <a:ea typeface="微软雅黑" charset="0"/>
+                <a:cs typeface="微软雅黑" charset="0"/>
                 <a:sym typeface="+mn-ea"/>
               </a:rPr>
-              <a:t>l</a:t>
-            </a:r>
-            <a:endParaRPr lang="en-US" altLang="zh-CN" sz="1400">
+              <a:t>2021</a:t>
+            </a:r>
+            <a:r>
+              <a:rPr lang="zh-CN" altLang="en-US" sz="1400">
+                <a:solidFill>
+                  <a:srgbClr val="00B0F0"/>
+                </a:solidFill>
+                <a:latin typeface="微软雅黑" charset="0"/>
+                <a:ea typeface="微软雅黑" charset="0"/>
+                <a:cs typeface="微软雅黑" charset="0"/>
+                <a:sym typeface="+mn-ea"/>
+              </a:rPr>
+              <a:t>年微信公开课</a:t>
+            </a:r>
+            <a:endParaRPr lang="zh-CN" altLang="en-US" sz="1400">
+              <a:solidFill>
+                <a:srgbClr val="00B0F0"/>
+              </a:solidFill>
+              <a:latin typeface="微软雅黑" charset="0"/>
+              <a:ea typeface="微软雅黑" charset="0"/>
+              <a:cs typeface="微软雅黑" charset="0"/>
               <a:sym typeface="+mn-ea"/>
             </a:endParaRPr>
           </a:p>
@@ -3196,12 +3480,18 @@
         </p:nvSpPr>
         <p:spPr>
           <a:xfrm>
-            <a:off x="800735" y="3399790"/>
-            <a:ext cx="9144000" cy="1387475"/>
+            <a:off x="5438775" y="1558290"/>
+            <a:ext cx="6102350" cy="4295775"/>
           </a:xfrm>
           <a:prstGeom prst="rect">
             <a:avLst/>
           </a:prstGeom>
+          <a:ln w="28575" cmpd="sng">
+            <a:solidFill>
+              <a:srgbClr val="C00000"/>
+            </a:solidFill>
+            <a:prstDash val="dashDot"/>
+          </a:ln>
         </p:spPr>
         <p:txBody>
           <a:bodyPr vert="horz" lIns="91440" tIns="45720" rIns="91440" bIns="45720" rtlCol="0">
@@ -3215,7 +3505,7 @@
               <a:spcBef>
                 <a:spcPts val="1000"/>
               </a:spcBef>
-              <a:buFont typeface="Arial" panose="02080604020202020204" pitchFamily="34" charset="0"/>
+              <a:buFont typeface="Arial" panose="020B0604020202090204" pitchFamily="34" charset="0"/>
               <a:buNone/>
               <a:defRPr sz="2400" kern="1200">
                 <a:solidFill>
@@ -3233,7 +3523,7 @@
               <a:spcBef>
                 <a:spcPts val="500"/>
               </a:spcBef>
-              <a:buFont typeface="Arial" panose="02080604020202020204" pitchFamily="34" charset="0"/>
+              <a:buFont typeface="Arial" panose="020B0604020202090204" pitchFamily="34" charset="0"/>
               <a:buNone/>
               <a:defRPr sz="2000" kern="1200">
                 <a:solidFill>
@@ -3251,7 +3541,7 @@
               <a:spcBef>
                 <a:spcPts val="500"/>
               </a:spcBef>
-              <a:buFont typeface="Arial" panose="02080604020202020204" pitchFamily="34" charset="0"/>
+              <a:buFont typeface="Arial" panose="020B0604020202090204" pitchFamily="34" charset="0"/>
               <a:buNone/>
               <a:defRPr sz="1800" kern="1200">
                 <a:solidFill>
@@ -3269,7 +3559,7 @@
               <a:spcBef>
                 <a:spcPts val="500"/>
               </a:spcBef>
-              <a:buFont typeface="Arial" panose="02080604020202020204" pitchFamily="34" charset="0"/>
+              <a:buFont typeface="Arial" panose="020B0604020202090204" pitchFamily="34" charset="0"/>
               <a:buNone/>
               <a:defRPr sz="1600" kern="1200">
                 <a:solidFill>
@@ -3287,7 +3577,7 @@
               <a:spcBef>
                 <a:spcPts val="500"/>
               </a:spcBef>
-              <a:buFont typeface="Arial" panose="02080604020202020204" pitchFamily="34" charset="0"/>
+              <a:buFont typeface="Arial" panose="020B0604020202090204" pitchFamily="34" charset="0"/>
               <a:buNone/>
               <a:defRPr sz="1600" kern="1200">
                 <a:solidFill>
@@ -3305,7 +3595,7 @@
               <a:spcBef>
                 <a:spcPts val="500"/>
               </a:spcBef>
-              <a:buFont typeface="Arial" panose="02080604020202020204" pitchFamily="34" charset="0"/>
+              <a:buFont typeface="Arial" panose="020B0604020202090204" pitchFamily="34" charset="0"/>
               <a:buNone/>
               <a:defRPr sz="1600" kern="1200">
                 <a:solidFill>
@@ -3323,7 +3613,7 @@
               <a:spcBef>
                 <a:spcPts val="500"/>
               </a:spcBef>
-              <a:buFont typeface="Arial" panose="02080604020202020204" pitchFamily="34" charset="0"/>
+              <a:buFont typeface="Arial" panose="020B0604020202090204" pitchFamily="34" charset="0"/>
               <a:buNone/>
               <a:defRPr sz="1600" kern="1200">
                 <a:solidFill>
@@ -3341,7 +3631,7 @@
               <a:spcBef>
                 <a:spcPts val="500"/>
               </a:spcBef>
-              <a:buFont typeface="Arial" panose="02080604020202020204" pitchFamily="34" charset="0"/>
+              <a:buFont typeface="Arial" panose="020B0604020202090204" pitchFamily="34" charset="0"/>
               <a:buNone/>
               <a:defRPr sz="1600" kern="1200">
                 <a:solidFill>
@@ -3359,7 +3649,7 @@
               <a:spcBef>
                 <a:spcPts val="500"/>
               </a:spcBef>
-              <a:buFont typeface="Arial" panose="02080604020202020204" pitchFamily="34" charset="0"/>
+              <a:buFont typeface="Arial" panose="020B0604020202090204" pitchFamily="34" charset="0"/>
               <a:buNone/>
               <a:defRPr sz="1600" kern="1200">
                 <a:solidFill>
@@ -3374,32 +3664,473 @@
           <a:p>
             <a:pPr algn="l"/>
             <a:r>
-              <a:rPr lang="zh-CN" altLang="en-US" sz="1400" b="1"/>
-              <a:t>朋友圈功能</a:t>
-            </a:r>
-            <a:endParaRPr lang="zh-CN" altLang="en-US" sz="1400" b="1"/>
+              <a:rPr lang="zh-CN" altLang="en-US" sz="2000" b="1">
+                <a:latin typeface="微软雅黑" charset="0"/>
+                <a:ea typeface="微软雅黑" charset="0"/>
+              </a:rPr>
+              <a:t>朋友圈功能及性能估算</a:t>
+            </a:r>
+            <a:endParaRPr lang="zh-CN" altLang="en-US" b="1">
+              <a:latin typeface="微软雅黑" charset="0"/>
+              <a:ea typeface="微软雅黑" charset="0"/>
+            </a:endParaRPr>
           </a:p>
           <a:p>
             <a:pPr algn="l"/>
             <a:r>
-              <a:rPr lang="zh-CN" altLang="en-US" sz="1400">
+              <a:rPr lang="zh-CN" altLang="en-US" sz="1600">
+                <a:latin typeface="微软雅黑" charset="0"/>
+                <a:ea typeface="微软雅黑" charset="0"/>
+              </a:rPr>
+              <a:t>假设</a:t>
+            </a:r>
+            <a:r>
+              <a:rPr lang="en-US" altLang="zh-CN" sz="1600">
+                <a:latin typeface="微软雅黑" charset="0"/>
+                <a:ea typeface="微软雅黑" charset="0"/>
+              </a:rPr>
+              <a:t>95%</a:t>
+            </a:r>
+            <a:r>
+              <a:rPr lang="zh-CN" altLang="en-US" sz="1600">
+                <a:latin typeface="微软雅黑" charset="0"/>
+                <a:ea typeface="微软雅黑" charset="0"/>
+              </a:rPr>
+              <a:t>的人朋友圈操作的时间是</a:t>
+            </a:r>
+            <a:r>
+              <a:rPr lang="en-US" altLang="zh-CN" sz="1600">
+                <a:latin typeface="微软雅黑" charset="0"/>
+                <a:ea typeface="微软雅黑" charset="0"/>
+              </a:rPr>
+              <a:t>8:00-24:00</a:t>
+            </a:r>
+            <a:endParaRPr lang="zh-CN" altLang="en-US" sz="1600" b="1">
+              <a:latin typeface="微软雅黑" charset="0"/>
+              <a:ea typeface="微软雅黑" charset="0"/>
+            </a:endParaRPr>
+          </a:p>
+          <a:p>
+            <a:pPr marL="285750" indent="-285750" algn="l">
+              <a:buFont typeface="Arial" panose="020B0604020202090204" pitchFamily="34" charset="0"/>
+              <a:buChar char="•"/>
+            </a:pPr>
+            <a:r>
+              <a:rPr lang="zh-CN" altLang="en-US" sz="1600" b="1">
+                <a:latin typeface="微软雅黑" charset="0"/>
+                <a:ea typeface="微软雅黑" charset="0"/>
                 <a:sym typeface="+mn-ea"/>
               </a:rPr>
-              <a:t>发朋友圈，</a:t>
-            </a:r>
-            <a:r>
-              <a:rPr lang="zh-CN" altLang="en-US" sz="1400"/>
-              <a:t>评论，点赞</a:t>
-            </a:r>
-            <a:endParaRPr lang="zh-CN" altLang="en-US" sz="1400"/>
-          </a:p>
-          <a:p>
-            <a:pPr algn="l"/>
-            <a:r>
-              <a:rPr lang="zh-CN" altLang="en-US" sz="1400"/>
-              <a:t>浏览朋友圈</a:t>
-            </a:r>
-            <a:endParaRPr lang="zh-CN" altLang="en-US" sz="1400"/>
+              <a:t>发朋友圈</a:t>
+            </a:r>
+            <a:endParaRPr lang="zh-CN" altLang="en-US" sz="1600">
+              <a:latin typeface="微软雅黑" charset="0"/>
+              <a:ea typeface="微软雅黑" charset="0"/>
+              <a:sym typeface="+mn-ea"/>
+            </a:endParaRPr>
+          </a:p>
+          <a:p>
+            <a:pPr algn="l">
+              <a:buFont typeface="Arial" panose="020B0604020202090204" pitchFamily="34" charset="0"/>
+            </a:pPr>
+            <a:r>
+              <a:rPr lang="zh-CN" altLang="en-US" sz="1600">
+                <a:latin typeface="微软雅黑" charset="0"/>
+                <a:ea typeface="微软雅黑" charset="0"/>
+                <a:sym typeface="+mn-ea"/>
+              </a:rPr>
+              <a:t>    假设每人发</a:t>
+            </a:r>
+            <a:r>
+              <a:rPr lang="en-US" altLang="zh-CN" sz="1600">
+                <a:latin typeface="微软雅黑" charset="0"/>
+                <a:ea typeface="微软雅黑" charset="0"/>
+                <a:sym typeface="+mn-ea"/>
+              </a:rPr>
+              <a:t>1</a:t>
+            </a:r>
+            <a:r>
+              <a:rPr lang="zh-CN" altLang="en-US" sz="1600">
+                <a:latin typeface="微软雅黑" charset="0"/>
+                <a:ea typeface="微软雅黑" charset="0"/>
+                <a:sym typeface="+mn-ea"/>
+              </a:rPr>
+              <a:t>条</a:t>
+            </a:r>
+            <a:r>
+              <a:rPr lang="en-US" altLang="zh-CN" sz="1600">
+                <a:latin typeface="微软雅黑" charset="0"/>
+                <a:ea typeface="微软雅黑" charset="0"/>
+                <a:sym typeface="+mn-ea"/>
+              </a:rPr>
+              <a:t>: </a:t>
+            </a:r>
+            <a:r>
+              <a:rPr lang="zh-CN" altLang="en-US" sz="1600">
+                <a:latin typeface="微软雅黑" charset="0"/>
+                <a:ea typeface="微软雅黑" charset="0"/>
+                <a:sym typeface="+mn-ea"/>
+              </a:rPr>
+              <a:t>1.2 亿</a:t>
+            </a:r>
+            <a:r>
+              <a:rPr lang="en-US" altLang="zh-CN" sz="1600">
+                <a:latin typeface="微软雅黑" charset="0"/>
+                <a:ea typeface="微软雅黑" charset="0"/>
+                <a:sym typeface="+mn-ea"/>
+              </a:rPr>
+              <a:t>*0.95</a:t>
+            </a:r>
+            <a:r>
+              <a:rPr lang="zh-CN" altLang="en-US" sz="1600">
+                <a:latin typeface="微软雅黑" charset="0"/>
+                <a:ea typeface="微软雅黑" charset="0"/>
+                <a:sym typeface="+mn-ea"/>
+              </a:rPr>
+              <a:t>/</a:t>
+            </a:r>
+            <a:r>
+              <a:rPr lang="en-US" altLang="zh-CN" sz="1600">
+                <a:latin typeface="微软雅黑" charset="0"/>
+                <a:ea typeface="微软雅黑" charset="0"/>
+                <a:sym typeface="+mn-ea"/>
+              </a:rPr>
+              <a:t>648</a:t>
+            </a:r>
+            <a:r>
+              <a:rPr lang="zh-CN" altLang="en-US" sz="1600">
+                <a:latin typeface="微软雅黑" charset="0"/>
+                <a:ea typeface="微软雅黑" charset="0"/>
+                <a:sym typeface="+mn-ea"/>
+              </a:rPr>
+              <a:t>00</a:t>
+            </a:r>
+            <a:r>
+              <a:rPr lang="zh-CN" altLang="en-US" sz="1600">
+                <a:latin typeface="Arial" panose="020B0604020202090204" pitchFamily="34" charset="0"/>
+                <a:ea typeface="微软雅黑" charset="0"/>
+                <a:cs typeface="Arial" panose="020B0604020202090204" pitchFamily="34" charset="0"/>
+                <a:sym typeface="+mn-ea"/>
+              </a:rPr>
+              <a:t>≈</a:t>
+            </a:r>
+            <a:r>
+              <a:rPr lang="zh-CN" altLang="en-US" sz="1600">
+                <a:latin typeface="微软雅黑" charset="0"/>
+                <a:ea typeface="微软雅黑" charset="0"/>
+                <a:sym typeface="+mn-ea"/>
+              </a:rPr>
+              <a:t>1</a:t>
+            </a:r>
+            <a:r>
+              <a:rPr lang="en-US" altLang="zh-CN" sz="1600">
+                <a:latin typeface="微软雅黑" charset="0"/>
+                <a:ea typeface="微软雅黑" charset="0"/>
+                <a:sym typeface="+mn-ea"/>
+              </a:rPr>
+              <a:t>.8KTPS</a:t>
+            </a:r>
+            <a:endParaRPr lang="zh-CN" altLang="en-US" sz="1600">
+              <a:latin typeface="微软雅黑" charset="0"/>
+              <a:ea typeface="微软雅黑" charset="0"/>
+              <a:sym typeface="+mn-ea"/>
+            </a:endParaRPr>
+          </a:p>
+          <a:p>
+            <a:pPr marL="285750" indent="-285750" algn="l">
+              <a:buFont typeface="Arial" panose="020B0604020202090204" pitchFamily="34" charset="0"/>
+              <a:buChar char="•"/>
+            </a:pPr>
+            <a:r>
+              <a:rPr lang="zh-CN" altLang="en-US" sz="1600" b="1">
+                <a:latin typeface="微软雅黑" charset="0"/>
+                <a:ea typeface="微软雅黑" charset="0"/>
+              </a:rPr>
+              <a:t>评论</a:t>
+            </a:r>
+            <a:endParaRPr lang="zh-CN" altLang="en-US" sz="1600">
+              <a:latin typeface="微软雅黑" charset="0"/>
+              <a:ea typeface="微软雅黑" charset="0"/>
+            </a:endParaRPr>
+          </a:p>
+          <a:p>
+            <a:pPr algn="l">
+              <a:buFont typeface="Arial" panose="020B0604020202090204" pitchFamily="34" charset="0"/>
+            </a:pPr>
+            <a:r>
+              <a:rPr lang="zh-CN" altLang="en-US" sz="1600">
+                <a:latin typeface="微软雅黑" charset="0"/>
+                <a:ea typeface="微软雅黑" charset="0"/>
+              </a:rPr>
+              <a:t>    假设每个朋友圈有</a:t>
+            </a:r>
+            <a:r>
+              <a:rPr lang="en-US" altLang="zh-CN" sz="1600">
+                <a:latin typeface="微软雅黑" charset="0"/>
+                <a:ea typeface="微软雅黑" charset="0"/>
+              </a:rPr>
+              <a:t>5</a:t>
+            </a:r>
+            <a:r>
+              <a:rPr lang="zh-CN" altLang="en-US" sz="1600">
+                <a:latin typeface="微软雅黑" charset="0"/>
+                <a:ea typeface="微软雅黑" charset="0"/>
+              </a:rPr>
+              <a:t>条评论</a:t>
+            </a:r>
+            <a:r>
+              <a:rPr lang="en-US" altLang="zh-CN" sz="1600">
+                <a:latin typeface="微软雅黑" charset="0"/>
+                <a:ea typeface="微软雅黑" charset="0"/>
+              </a:rPr>
+              <a:t>: 1.2</a:t>
+            </a:r>
+            <a:r>
+              <a:rPr lang="zh-CN" altLang="en-US" sz="1600">
+                <a:latin typeface="微软雅黑" charset="0"/>
+                <a:ea typeface="微软雅黑" charset="0"/>
+              </a:rPr>
+              <a:t>亿</a:t>
+            </a:r>
+            <a:r>
+              <a:rPr lang="en-US" altLang="zh-CN" sz="1600">
+                <a:latin typeface="微软雅黑" charset="0"/>
+                <a:ea typeface="微软雅黑" charset="0"/>
+              </a:rPr>
+              <a:t>*0.95*5/64800</a:t>
+            </a:r>
+            <a:r>
+              <a:rPr lang="zh-CN" altLang="en-US" sz="1600">
+                <a:latin typeface="Arial" panose="020B0604020202090204" pitchFamily="34" charset="0"/>
+                <a:ea typeface="微软雅黑" charset="0"/>
+                <a:cs typeface="Arial" panose="020B0604020202090204" pitchFamily="34" charset="0"/>
+                <a:sym typeface="+mn-ea"/>
+              </a:rPr>
+              <a:t>≈</a:t>
+            </a:r>
+            <a:r>
+              <a:rPr lang="en-US" altLang="zh-CN" sz="1600">
+                <a:latin typeface="Arial" panose="020B0604020202090204" pitchFamily="34" charset="0"/>
+                <a:ea typeface="微软雅黑" charset="0"/>
+                <a:cs typeface="Arial" panose="020B0604020202090204" pitchFamily="34" charset="0"/>
+                <a:sym typeface="+mn-ea"/>
+              </a:rPr>
+              <a:t>8.9K TPS</a:t>
+            </a:r>
+            <a:endParaRPr lang="zh-CN" altLang="en-US" sz="1600">
+              <a:latin typeface="微软雅黑" charset="0"/>
+              <a:ea typeface="微软雅黑" charset="0"/>
+            </a:endParaRPr>
+          </a:p>
+          <a:p>
+            <a:pPr marL="285750" indent="-285750" algn="l">
+              <a:buFont typeface="Arial" panose="020B0604020202090204" pitchFamily="34" charset="0"/>
+              <a:buChar char="•"/>
+            </a:pPr>
+            <a:r>
+              <a:rPr lang="zh-CN" altLang="en-US" sz="1600" b="1">
+                <a:latin typeface="微软雅黑" charset="0"/>
+                <a:ea typeface="微软雅黑" charset="0"/>
+              </a:rPr>
+              <a:t>点赞</a:t>
+            </a:r>
+            <a:endParaRPr lang="zh-CN" altLang="en-US" sz="1600">
+              <a:latin typeface="微软雅黑" charset="0"/>
+              <a:ea typeface="微软雅黑" charset="0"/>
+            </a:endParaRPr>
+          </a:p>
+          <a:p>
+            <a:pPr algn="l">
+              <a:buFont typeface="Arial" panose="020B0604020202090204" pitchFamily="34" charset="0"/>
+            </a:pPr>
+            <a:r>
+              <a:rPr lang="zh-CN" altLang="en-US" sz="1600">
+                <a:latin typeface="微软雅黑" charset="0"/>
+                <a:ea typeface="微软雅黑" charset="0"/>
+                <a:sym typeface="+mn-ea"/>
+              </a:rPr>
+              <a:t>    假设每个朋友圈有</a:t>
+            </a:r>
+            <a:r>
+              <a:rPr lang="en-US" altLang="zh-CN" sz="1600">
+                <a:latin typeface="微软雅黑" charset="0"/>
+                <a:ea typeface="微软雅黑" charset="0"/>
+                <a:sym typeface="+mn-ea"/>
+              </a:rPr>
+              <a:t>5</a:t>
+            </a:r>
+            <a:r>
+              <a:rPr lang="zh-CN" altLang="en-US" sz="1600">
+                <a:latin typeface="微软雅黑" charset="0"/>
+                <a:ea typeface="微软雅黑" charset="0"/>
+                <a:sym typeface="+mn-ea"/>
+              </a:rPr>
+              <a:t>条点赞</a:t>
+            </a:r>
+            <a:r>
+              <a:rPr lang="en-US" altLang="zh-CN" sz="1600">
+                <a:latin typeface="微软雅黑" charset="0"/>
+                <a:ea typeface="微软雅黑" charset="0"/>
+                <a:sym typeface="+mn-ea"/>
+              </a:rPr>
+              <a:t>: 1.2</a:t>
+            </a:r>
+            <a:r>
+              <a:rPr lang="zh-CN" altLang="en-US" sz="1600">
+                <a:latin typeface="微软雅黑" charset="0"/>
+                <a:ea typeface="微软雅黑" charset="0"/>
+                <a:sym typeface="+mn-ea"/>
+              </a:rPr>
+              <a:t>亿</a:t>
+            </a:r>
+            <a:r>
+              <a:rPr lang="en-US" altLang="zh-CN" sz="1600">
+                <a:latin typeface="微软雅黑" charset="0"/>
+                <a:ea typeface="微软雅黑" charset="0"/>
+                <a:sym typeface="+mn-ea"/>
+              </a:rPr>
+              <a:t>*0.95*5/64800</a:t>
+            </a:r>
+            <a:r>
+              <a:rPr lang="zh-CN" altLang="en-US" sz="1600">
+                <a:latin typeface="Arial" panose="020B0604020202090204" pitchFamily="34" charset="0"/>
+                <a:ea typeface="微软雅黑" charset="0"/>
+                <a:cs typeface="Arial" panose="020B0604020202090204" pitchFamily="34" charset="0"/>
+                <a:sym typeface="+mn-ea"/>
+              </a:rPr>
+              <a:t>≈</a:t>
+            </a:r>
+            <a:r>
+              <a:rPr lang="en-US" altLang="zh-CN" sz="1600">
+                <a:latin typeface="Arial" panose="020B0604020202090204" pitchFamily="34" charset="0"/>
+                <a:ea typeface="微软雅黑" charset="0"/>
+                <a:cs typeface="Arial" panose="020B0604020202090204" pitchFamily="34" charset="0"/>
+                <a:sym typeface="+mn-ea"/>
+              </a:rPr>
+              <a:t>8.9K TPS</a:t>
+            </a:r>
+            <a:endParaRPr lang="zh-CN" altLang="en-US" sz="1600">
+              <a:latin typeface="微软雅黑" charset="0"/>
+              <a:ea typeface="微软雅黑" charset="0"/>
+            </a:endParaRPr>
+          </a:p>
+          <a:p>
+            <a:pPr marL="285750" indent="-285750" algn="l">
+              <a:buFont typeface="Arial" panose="020B0604020202090204" pitchFamily="34" charset="0"/>
+              <a:buChar char="•"/>
+            </a:pPr>
+            <a:r>
+              <a:rPr lang="zh-CN" altLang="en-US" sz="1600" b="1">
+                <a:latin typeface="微软雅黑" charset="0"/>
+                <a:ea typeface="微软雅黑" charset="0"/>
+              </a:rPr>
+              <a:t>浏览</a:t>
+            </a:r>
+            <a:endParaRPr lang="zh-CN" altLang="en-US" sz="1600" b="1">
+              <a:latin typeface="微软雅黑" charset="0"/>
+              <a:ea typeface="微软雅黑" charset="0"/>
+            </a:endParaRPr>
+          </a:p>
+          <a:p>
+            <a:pPr algn="l">
+              <a:buFont typeface="Arial" panose="020B0604020202090204" pitchFamily="34" charset="0"/>
+            </a:pPr>
+            <a:r>
+              <a:rPr lang="zh-CN" altLang="en-US" sz="1600" b="1">
+                <a:latin typeface="微软雅黑" charset="0"/>
+                <a:ea typeface="微软雅黑" charset="0"/>
+              </a:rPr>
+              <a:t>    </a:t>
+            </a:r>
+            <a:r>
+              <a:rPr lang="zh-CN" altLang="en-US" sz="1600">
+                <a:latin typeface="微软雅黑" charset="0"/>
+                <a:ea typeface="微软雅黑" charset="0"/>
+              </a:rPr>
+              <a:t>假设每人浏览</a:t>
+            </a:r>
+            <a:r>
+              <a:rPr lang="en-US" altLang="zh-CN" sz="1600">
+                <a:latin typeface="微软雅黑" charset="0"/>
+                <a:ea typeface="微软雅黑" charset="0"/>
+              </a:rPr>
+              <a:t>5</a:t>
+            </a:r>
+            <a:r>
+              <a:rPr lang="zh-CN" altLang="en-US" sz="1600">
+                <a:latin typeface="微软雅黑" charset="0"/>
+                <a:ea typeface="微软雅黑" charset="0"/>
+              </a:rPr>
+              <a:t>次：7.8 亿</a:t>
+            </a:r>
+            <a:r>
+              <a:rPr lang="en-US" altLang="zh-CN" sz="1600">
+                <a:latin typeface="微软雅黑" charset="0"/>
+                <a:ea typeface="微软雅黑" charset="0"/>
+              </a:rPr>
+              <a:t>*0.95*5</a:t>
+            </a:r>
+            <a:r>
+              <a:rPr lang="zh-CN" altLang="en-US" sz="1600">
+                <a:latin typeface="微软雅黑" charset="0"/>
+                <a:ea typeface="微软雅黑" charset="0"/>
+              </a:rPr>
+              <a:t>/</a:t>
+            </a:r>
+            <a:r>
+              <a:rPr lang="en-US" altLang="zh-CN" sz="1600">
+                <a:latin typeface="微软雅黑" charset="0"/>
+                <a:ea typeface="微软雅黑" charset="0"/>
+              </a:rPr>
+              <a:t>648</a:t>
+            </a:r>
+            <a:r>
+              <a:rPr lang="zh-CN" altLang="en-US" sz="1600">
+                <a:latin typeface="微软雅黑" charset="0"/>
+                <a:ea typeface="微软雅黑" charset="0"/>
+              </a:rPr>
+              <a:t>00 </a:t>
+            </a:r>
+            <a:r>
+              <a:rPr lang="zh-CN" altLang="en-US" sz="1600">
+                <a:latin typeface="Arial" panose="020B0604020202090204" pitchFamily="34" charset="0"/>
+                <a:ea typeface="微软雅黑" charset="0"/>
+                <a:cs typeface="Arial" panose="020B0604020202090204" pitchFamily="34" charset="0"/>
+              </a:rPr>
+              <a:t>≈</a:t>
+            </a:r>
+            <a:r>
+              <a:rPr lang="zh-CN" altLang="en-US" sz="1600">
+                <a:latin typeface="微软雅黑" charset="0"/>
+                <a:ea typeface="微软雅黑" charset="0"/>
+              </a:rPr>
+              <a:t> </a:t>
+            </a:r>
+            <a:r>
+              <a:rPr lang="en-US" altLang="zh-CN" sz="1600">
+                <a:latin typeface="微软雅黑" charset="0"/>
+                <a:ea typeface="微软雅黑" charset="0"/>
+              </a:rPr>
+              <a:t>57K</a:t>
+            </a:r>
+            <a:r>
+              <a:rPr lang="zh-CN" altLang="en-US" sz="1600">
+                <a:latin typeface="微软雅黑" charset="0"/>
+                <a:ea typeface="微软雅黑" charset="0"/>
+              </a:rPr>
+              <a:t> </a:t>
+            </a:r>
+            <a:r>
+              <a:rPr lang="en-US" altLang="zh-CN" sz="1600">
+                <a:latin typeface="微软雅黑" charset="0"/>
+                <a:ea typeface="微软雅黑" charset="0"/>
+              </a:rPr>
+              <a:t>QPS</a:t>
+            </a:r>
+            <a:endParaRPr lang="en-US" altLang="zh-CN" sz="1600">
+              <a:latin typeface="微软雅黑" charset="0"/>
+              <a:ea typeface="微软雅黑" charset="0"/>
+            </a:endParaRPr>
           </a:p>
         </p:txBody>
       </p:sp>
@@ -3431,8 +4162,8 @@
         </p:nvSpPr>
         <p:spPr>
           <a:xfrm>
-            <a:off x="608330" y="372110"/>
-            <a:ext cx="9144000" cy="360045"/>
+            <a:off x="796290" y="512445"/>
+            <a:ext cx="9144000" cy="513080"/>
           </a:xfrm>
         </p:spPr>
         <p:txBody>
@@ -3442,37 +4173,1598 @@
           <a:p>
             <a:pPr algn="l"/>
             <a:r>
-              <a:rPr lang="zh-CN" altLang="en-US" sz="2300"/>
+              <a:rPr lang="zh-CN" altLang="en-US" sz="3200">
+                <a:latin typeface="微软雅黑" charset="0"/>
+                <a:ea typeface="微软雅黑" charset="0"/>
+              </a:rPr>
               <a:t>总体分析</a:t>
             </a:r>
-            <a:endParaRPr lang="zh-CN" altLang="en-US" sz="2300"/>
-          </a:p>
-        </p:txBody>
-      </p:sp>
-      <p:pic>
-        <p:nvPicPr>
-          <p:cNvPr id="4" name="Picture 3"/>
-          <p:cNvPicPr>
-            <a:picLocks noChangeAspect="1"/>
-          </p:cNvPicPr>
-          <p:nvPr/>
-        </p:nvPicPr>
-        <p:blipFill>
-          <a:blip r:embed="rId1"/>
-          <a:stretch>
-            <a:fillRect/>
-          </a:stretch>
-        </p:blipFill>
-        <p:spPr>
-          <a:xfrm>
-            <a:off x="1459865" y="1284605"/>
-            <a:ext cx="7440930" cy="4721860"/>
+            <a:endParaRPr lang="zh-CN" altLang="en-US" sz="3200">
+              <a:latin typeface="微软雅黑" charset="0"/>
+              <a:ea typeface="微软雅黑" charset="0"/>
+            </a:endParaRPr>
+          </a:p>
+        </p:txBody>
+      </p:sp>
+      <p:sp>
+        <p:nvSpPr>
+          <p:cNvPr id="3" name="圆角矩形 2"/>
+          <p:cNvSpPr/>
+          <p:nvPr/>
+        </p:nvSpPr>
+        <p:spPr>
+          <a:xfrm>
+            <a:off x="796290" y="2077085"/>
+            <a:ext cx="1651000" cy="3455035"/>
+          </a:xfrm>
+          <a:prstGeom prst="roundRect">
+            <a:avLst/>
+          </a:prstGeom>
+          <a:solidFill>
+            <a:schemeClr val="accent6"/>
+          </a:solidFill>
+        </p:spPr>
+        <p:style>
+          <a:lnRef idx="2">
+            <a:schemeClr val="accent6"/>
+          </a:lnRef>
+          <a:fillRef idx="1">
+            <a:schemeClr val="lt1"/>
+          </a:fillRef>
+          <a:effectRef idx="0">
+            <a:schemeClr val="accent6"/>
+          </a:effectRef>
+          <a:fontRef idx="minor">
+            <a:schemeClr val="dk1"/>
+          </a:fontRef>
+        </p:style>
+        <p:txBody>
+          <a:bodyPr rtlCol="0" anchor="ctr"/>
+          <a:p>
+            <a:pPr algn="ctr"/>
+            <a:endParaRPr lang="zh-CN" altLang="en-US">
+              <a:latin typeface="微软雅黑" charset="0"/>
+              <a:ea typeface="微软雅黑" charset="0"/>
+            </a:endParaRPr>
+          </a:p>
+        </p:txBody>
+      </p:sp>
+      <p:sp>
+        <p:nvSpPr>
+          <p:cNvPr id="5" name="圆角矩形 4"/>
+          <p:cNvSpPr/>
+          <p:nvPr/>
+        </p:nvSpPr>
+        <p:spPr>
+          <a:xfrm>
+            <a:off x="2867025" y="4653280"/>
+            <a:ext cx="1421130" cy="655320"/>
+          </a:xfrm>
+          <a:prstGeom prst="roundRect">
+            <a:avLst/>
+          </a:prstGeom>
+          <a:solidFill>
+            <a:schemeClr val="accent6">
+              <a:lumMod val="60000"/>
+              <a:lumOff val="40000"/>
+            </a:schemeClr>
+          </a:solidFill>
+        </p:spPr>
+        <p:style>
+          <a:lnRef idx="2">
+            <a:schemeClr val="accent6"/>
+          </a:lnRef>
+          <a:fillRef idx="1">
+            <a:schemeClr val="lt1"/>
+          </a:fillRef>
+          <a:effectRef idx="0">
+            <a:schemeClr val="accent6"/>
+          </a:effectRef>
+          <a:fontRef idx="minor">
+            <a:schemeClr val="dk1"/>
+          </a:fontRef>
+        </p:style>
+        <p:txBody>
+          <a:bodyPr rtlCol="0" anchor="ctr"/>
+          <a:p>
+            <a:pPr algn="ctr"/>
+            <a:r>
+              <a:rPr lang="zh-CN" altLang="en-US">
+                <a:latin typeface="微软雅黑" charset="0"/>
+                <a:ea typeface="微软雅黑" charset="0"/>
+              </a:rPr>
+              <a:t>集群</a:t>
+            </a:r>
+            <a:endParaRPr lang="zh-CN" altLang="en-US">
+              <a:latin typeface="微软雅黑" charset="0"/>
+              <a:ea typeface="微软雅黑" charset="0"/>
+            </a:endParaRPr>
+          </a:p>
+        </p:txBody>
+      </p:sp>
+      <p:sp>
+        <p:nvSpPr>
+          <p:cNvPr id="9" name="圆角矩形 8"/>
+          <p:cNvSpPr/>
+          <p:nvPr/>
+        </p:nvSpPr>
+        <p:spPr>
+          <a:xfrm>
+            <a:off x="4848225" y="4211320"/>
+            <a:ext cx="1421130" cy="655320"/>
+          </a:xfrm>
+          <a:prstGeom prst="roundRect">
+            <a:avLst/>
+          </a:prstGeom>
+          <a:solidFill>
+            <a:schemeClr val="accent6">
+              <a:lumMod val="40000"/>
+              <a:lumOff val="60000"/>
+            </a:schemeClr>
+          </a:solidFill>
+        </p:spPr>
+        <p:style>
+          <a:lnRef idx="2">
+            <a:schemeClr val="accent6"/>
+          </a:lnRef>
+          <a:fillRef idx="1">
+            <a:schemeClr val="lt1"/>
+          </a:fillRef>
+          <a:effectRef idx="0">
+            <a:schemeClr val="accent6"/>
+          </a:effectRef>
+          <a:fontRef idx="minor">
+            <a:schemeClr val="dk1"/>
+          </a:fontRef>
+        </p:style>
+        <p:txBody>
+          <a:bodyPr rtlCol="0" anchor="ctr"/>
+          <a:p>
+            <a:pPr algn="ctr"/>
+            <a:r>
+              <a:rPr lang="zh-CN" altLang="en-US">
+                <a:latin typeface="微软雅黑" charset="0"/>
+                <a:ea typeface="微软雅黑" charset="0"/>
+              </a:rPr>
+              <a:t>计算高性能</a:t>
+            </a:r>
+            <a:endParaRPr lang="zh-CN" altLang="en-US">
+              <a:latin typeface="微软雅黑" charset="0"/>
+              <a:ea typeface="微软雅黑" charset="0"/>
+            </a:endParaRPr>
+          </a:p>
+        </p:txBody>
+      </p:sp>
+      <p:sp>
+        <p:nvSpPr>
+          <p:cNvPr id="10" name="圆角矩形 9"/>
+          <p:cNvSpPr/>
+          <p:nvPr/>
+        </p:nvSpPr>
+        <p:spPr>
+          <a:xfrm>
+            <a:off x="4848225" y="5217795"/>
+            <a:ext cx="1421130" cy="655320"/>
+          </a:xfrm>
+          <a:prstGeom prst="roundRect">
+            <a:avLst/>
+          </a:prstGeom>
+          <a:solidFill>
+            <a:schemeClr val="accent6">
+              <a:lumMod val="40000"/>
+              <a:lumOff val="60000"/>
+            </a:schemeClr>
+          </a:solidFill>
+        </p:spPr>
+        <p:style>
+          <a:lnRef idx="2">
+            <a:schemeClr val="accent6"/>
+          </a:lnRef>
+          <a:fillRef idx="1">
+            <a:schemeClr val="lt1"/>
+          </a:fillRef>
+          <a:effectRef idx="0">
+            <a:schemeClr val="accent6"/>
+          </a:effectRef>
+          <a:fontRef idx="minor">
+            <a:schemeClr val="dk1"/>
+          </a:fontRef>
+        </p:style>
+        <p:txBody>
+          <a:bodyPr rtlCol="0" anchor="ctr"/>
+          <a:p>
+            <a:pPr algn="ctr"/>
+            <a:r>
+              <a:rPr lang="zh-CN" altLang="en-US">
+                <a:latin typeface="微软雅黑" charset="0"/>
+                <a:ea typeface="微软雅黑" charset="0"/>
+              </a:rPr>
+              <a:t>存储高性能</a:t>
+            </a:r>
+            <a:endParaRPr lang="zh-CN" altLang="en-US">
+              <a:latin typeface="微软雅黑" charset="0"/>
+              <a:ea typeface="微软雅黑" charset="0"/>
+            </a:endParaRPr>
+          </a:p>
+        </p:txBody>
+      </p:sp>
+      <p:sp>
+        <p:nvSpPr>
+          <p:cNvPr id="11" name="圆角矩形 10"/>
+          <p:cNvSpPr/>
+          <p:nvPr/>
+        </p:nvSpPr>
+        <p:spPr>
+          <a:xfrm>
+            <a:off x="2867025" y="2375535"/>
+            <a:ext cx="1421130" cy="655320"/>
+          </a:xfrm>
+          <a:prstGeom prst="roundRect">
+            <a:avLst/>
+          </a:prstGeom>
+          <a:solidFill>
+            <a:schemeClr val="accent6">
+              <a:lumMod val="60000"/>
+              <a:lumOff val="40000"/>
+            </a:schemeClr>
+          </a:solidFill>
+        </p:spPr>
+        <p:style>
+          <a:lnRef idx="2">
+            <a:schemeClr val="accent6"/>
+          </a:lnRef>
+          <a:fillRef idx="1">
+            <a:schemeClr val="lt1"/>
+          </a:fillRef>
+          <a:effectRef idx="0">
+            <a:schemeClr val="accent6"/>
+          </a:effectRef>
+          <a:fontRef idx="minor">
+            <a:schemeClr val="dk1"/>
+          </a:fontRef>
+        </p:style>
+        <p:txBody>
+          <a:bodyPr rtlCol="0" anchor="ctr"/>
+          <a:p>
+            <a:pPr algn="ctr"/>
+            <a:r>
+              <a:rPr lang="zh-CN" altLang="en-US">
+                <a:latin typeface="微软雅黑" charset="0"/>
+                <a:ea typeface="微软雅黑" charset="0"/>
+              </a:rPr>
+              <a:t>单机</a:t>
+            </a:r>
+            <a:endParaRPr lang="zh-CN" altLang="en-US">
+              <a:latin typeface="微软雅黑" charset="0"/>
+              <a:ea typeface="微软雅黑" charset="0"/>
+            </a:endParaRPr>
+          </a:p>
+        </p:txBody>
+      </p:sp>
+      <p:sp>
+        <p:nvSpPr>
+          <p:cNvPr id="12" name="圆角矩形 11"/>
+          <p:cNvSpPr/>
+          <p:nvPr/>
+        </p:nvSpPr>
+        <p:spPr>
+          <a:xfrm>
+            <a:off x="911225" y="2387600"/>
+            <a:ext cx="1421130" cy="513080"/>
+          </a:xfrm>
+          <a:prstGeom prst="roundRect">
+            <a:avLst/>
+          </a:prstGeom>
+        </p:spPr>
+        <p:style>
+          <a:lnRef idx="2">
+            <a:schemeClr val="accent6"/>
+          </a:lnRef>
+          <a:fillRef idx="1">
+            <a:schemeClr val="lt1"/>
+          </a:fillRef>
+          <a:effectRef idx="0">
+            <a:schemeClr val="accent6"/>
+          </a:effectRef>
+          <a:fontRef idx="minor">
+            <a:schemeClr val="dk1"/>
+          </a:fontRef>
+        </p:style>
+        <p:txBody>
+          <a:bodyPr rtlCol="0" anchor="ctr"/>
+          <a:p>
+            <a:pPr algn="ctr"/>
+            <a:r>
+              <a:rPr lang="zh-CN" altLang="en-US">
+                <a:latin typeface="微软雅黑" charset="0"/>
+                <a:ea typeface="微软雅黑" charset="0"/>
+              </a:rPr>
+              <a:t>发朋友圈</a:t>
+            </a:r>
+            <a:endParaRPr lang="zh-CN" altLang="en-US">
+              <a:latin typeface="微软雅黑" charset="0"/>
+              <a:ea typeface="微软雅黑" charset="0"/>
+            </a:endParaRPr>
+          </a:p>
+        </p:txBody>
+      </p:sp>
+      <p:sp>
+        <p:nvSpPr>
+          <p:cNvPr id="14" name="圆角矩形 13"/>
+          <p:cNvSpPr/>
+          <p:nvPr/>
+        </p:nvSpPr>
+        <p:spPr>
+          <a:xfrm>
+            <a:off x="911225" y="3147695"/>
+            <a:ext cx="1421130" cy="513080"/>
+          </a:xfrm>
+          <a:prstGeom prst="roundRect">
+            <a:avLst/>
+          </a:prstGeom>
+        </p:spPr>
+        <p:style>
+          <a:lnRef idx="2">
+            <a:schemeClr val="accent6"/>
+          </a:lnRef>
+          <a:fillRef idx="1">
+            <a:schemeClr val="lt1"/>
+          </a:fillRef>
+          <a:effectRef idx="0">
+            <a:schemeClr val="accent6"/>
+          </a:effectRef>
+          <a:fontRef idx="minor">
+            <a:schemeClr val="dk1"/>
+          </a:fontRef>
+        </p:style>
+        <p:txBody>
+          <a:bodyPr rtlCol="0" anchor="ctr"/>
+          <a:p>
+            <a:pPr algn="ctr"/>
+            <a:r>
+              <a:rPr lang="zh-CN" altLang="en-US">
+                <a:latin typeface="微软雅黑" charset="0"/>
+                <a:ea typeface="微软雅黑" charset="0"/>
+              </a:rPr>
+              <a:t>评论</a:t>
+            </a:r>
+            <a:endParaRPr lang="zh-CN" altLang="en-US">
+              <a:latin typeface="微软雅黑" charset="0"/>
+              <a:ea typeface="微软雅黑" charset="0"/>
+            </a:endParaRPr>
+          </a:p>
+        </p:txBody>
+      </p:sp>
+      <p:sp>
+        <p:nvSpPr>
+          <p:cNvPr id="15" name="圆角矩形 14"/>
+          <p:cNvSpPr/>
+          <p:nvPr/>
+        </p:nvSpPr>
+        <p:spPr>
+          <a:xfrm>
+            <a:off x="911225" y="3929380"/>
+            <a:ext cx="1421130" cy="513080"/>
+          </a:xfrm>
+          <a:prstGeom prst="roundRect">
+            <a:avLst/>
+          </a:prstGeom>
+        </p:spPr>
+        <p:style>
+          <a:lnRef idx="2">
+            <a:schemeClr val="accent6"/>
+          </a:lnRef>
+          <a:fillRef idx="1">
+            <a:schemeClr val="lt1"/>
+          </a:fillRef>
+          <a:effectRef idx="0">
+            <a:schemeClr val="accent6"/>
+          </a:effectRef>
+          <a:fontRef idx="minor">
+            <a:schemeClr val="dk1"/>
+          </a:fontRef>
+        </p:style>
+        <p:txBody>
+          <a:bodyPr rtlCol="0" anchor="ctr"/>
+          <a:p>
+            <a:pPr algn="ctr"/>
+            <a:r>
+              <a:rPr lang="zh-CN" altLang="en-US">
+                <a:latin typeface="微软雅黑" charset="0"/>
+                <a:ea typeface="微软雅黑" charset="0"/>
+              </a:rPr>
+              <a:t>点赞</a:t>
+            </a:r>
+            <a:endParaRPr lang="zh-CN" altLang="en-US">
+              <a:latin typeface="微软雅黑" charset="0"/>
+              <a:ea typeface="微软雅黑" charset="0"/>
+            </a:endParaRPr>
+          </a:p>
+        </p:txBody>
+      </p:sp>
+      <p:sp>
+        <p:nvSpPr>
+          <p:cNvPr id="16" name="圆角矩形 15"/>
+          <p:cNvSpPr/>
+          <p:nvPr/>
+        </p:nvSpPr>
+        <p:spPr>
+          <a:xfrm>
+            <a:off x="911225" y="4747895"/>
+            <a:ext cx="1421130" cy="513080"/>
+          </a:xfrm>
+          <a:prstGeom prst="roundRect">
+            <a:avLst/>
+          </a:prstGeom>
+        </p:spPr>
+        <p:style>
+          <a:lnRef idx="2">
+            <a:schemeClr val="accent6"/>
+          </a:lnRef>
+          <a:fillRef idx="1">
+            <a:schemeClr val="lt1"/>
+          </a:fillRef>
+          <a:effectRef idx="0">
+            <a:schemeClr val="accent6"/>
+          </a:effectRef>
+          <a:fontRef idx="minor">
+            <a:schemeClr val="dk1"/>
+          </a:fontRef>
+        </p:style>
+        <p:txBody>
+          <a:bodyPr rtlCol="0" anchor="ctr"/>
+          <a:p>
+            <a:pPr algn="ctr"/>
+            <a:r>
+              <a:rPr lang="zh-CN" altLang="en-US">
+                <a:latin typeface="微软雅黑" charset="0"/>
+                <a:ea typeface="微软雅黑" charset="0"/>
+              </a:rPr>
+              <a:t>浏览</a:t>
+            </a:r>
+            <a:endParaRPr lang="zh-CN" altLang="en-US">
+              <a:latin typeface="微软雅黑" charset="0"/>
+              <a:ea typeface="微软雅黑" charset="0"/>
+            </a:endParaRPr>
+          </a:p>
+        </p:txBody>
+      </p:sp>
+      <p:sp>
+        <p:nvSpPr>
+          <p:cNvPr id="17" name="圆角矩形 16"/>
+          <p:cNvSpPr/>
+          <p:nvPr/>
+        </p:nvSpPr>
+        <p:spPr>
+          <a:xfrm>
+            <a:off x="4848225" y="1632585"/>
+            <a:ext cx="1421130" cy="655320"/>
+          </a:xfrm>
+          <a:prstGeom prst="roundRect">
+            <a:avLst/>
+          </a:prstGeom>
+          <a:solidFill>
+            <a:schemeClr val="accent6">
+              <a:lumMod val="40000"/>
+              <a:lumOff val="60000"/>
+            </a:schemeClr>
+          </a:solidFill>
+        </p:spPr>
+        <p:style>
+          <a:lnRef idx="2">
+            <a:schemeClr val="accent6"/>
+          </a:lnRef>
+          <a:fillRef idx="1">
+            <a:schemeClr val="lt1"/>
+          </a:fillRef>
+          <a:effectRef idx="0">
+            <a:schemeClr val="accent6"/>
+          </a:effectRef>
+          <a:fontRef idx="minor">
+            <a:schemeClr val="dk1"/>
+          </a:fontRef>
+        </p:style>
+        <p:txBody>
+          <a:bodyPr rtlCol="0" anchor="ctr"/>
+          <a:p>
+            <a:pPr algn="ctr"/>
+            <a:r>
+              <a:rPr lang="zh-CN" altLang="en-US">
+                <a:latin typeface="微软雅黑" charset="0"/>
+                <a:ea typeface="微软雅黑" charset="0"/>
+              </a:rPr>
+              <a:t>计算高性能</a:t>
+            </a:r>
+            <a:endParaRPr lang="zh-CN" altLang="en-US">
+              <a:latin typeface="微软雅黑" charset="0"/>
+              <a:ea typeface="微软雅黑" charset="0"/>
+            </a:endParaRPr>
+          </a:p>
+        </p:txBody>
+      </p:sp>
+      <p:sp>
+        <p:nvSpPr>
+          <p:cNvPr id="18" name="圆角矩形 17"/>
+          <p:cNvSpPr/>
+          <p:nvPr/>
+        </p:nvSpPr>
+        <p:spPr>
+          <a:xfrm>
+            <a:off x="4848225" y="3076575"/>
+            <a:ext cx="1421130" cy="655320"/>
+          </a:xfrm>
+          <a:prstGeom prst="roundRect">
+            <a:avLst/>
+          </a:prstGeom>
+          <a:solidFill>
+            <a:schemeClr val="accent6">
+              <a:lumMod val="40000"/>
+              <a:lumOff val="60000"/>
+            </a:schemeClr>
+          </a:solidFill>
+        </p:spPr>
+        <p:style>
+          <a:lnRef idx="2">
+            <a:schemeClr val="accent6"/>
+          </a:lnRef>
+          <a:fillRef idx="1">
+            <a:schemeClr val="lt1"/>
+          </a:fillRef>
+          <a:effectRef idx="0">
+            <a:schemeClr val="accent6"/>
+          </a:effectRef>
+          <a:fontRef idx="minor">
+            <a:schemeClr val="dk1"/>
+          </a:fontRef>
+        </p:style>
+        <p:txBody>
+          <a:bodyPr rtlCol="0" anchor="ctr"/>
+          <a:p>
+            <a:pPr algn="ctr"/>
+            <a:r>
+              <a:rPr lang="zh-CN" altLang="en-US">
+                <a:latin typeface="微软雅黑" charset="0"/>
+                <a:ea typeface="微软雅黑" charset="0"/>
+              </a:rPr>
+              <a:t>存储高性能</a:t>
+            </a:r>
+            <a:endParaRPr lang="zh-CN" altLang="en-US">
+              <a:latin typeface="微软雅黑" charset="0"/>
+              <a:ea typeface="微软雅黑" charset="0"/>
+            </a:endParaRPr>
+          </a:p>
+        </p:txBody>
+      </p:sp>
+      <p:sp>
+        <p:nvSpPr>
+          <p:cNvPr id="19" name="圆角矩形 18"/>
+          <p:cNvSpPr/>
+          <p:nvPr/>
+        </p:nvSpPr>
+        <p:spPr>
+          <a:xfrm>
+            <a:off x="7162165" y="1025525"/>
+            <a:ext cx="1421130" cy="513080"/>
+          </a:xfrm>
+          <a:prstGeom prst="roundRect">
+            <a:avLst/>
+          </a:prstGeom>
+          <a:solidFill>
+            <a:schemeClr val="accent6">
+              <a:lumMod val="20000"/>
+              <a:lumOff val="80000"/>
+            </a:schemeClr>
+          </a:solidFill>
+        </p:spPr>
+        <p:style>
+          <a:lnRef idx="2">
+            <a:schemeClr val="accent6"/>
+          </a:lnRef>
+          <a:fillRef idx="1">
+            <a:schemeClr val="lt1"/>
+          </a:fillRef>
+          <a:effectRef idx="0">
+            <a:schemeClr val="accent6"/>
+          </a:effectRef>
+          <a:fontRef idx="minor">
+            <a:schemeClr val="dk1"/>
+          </a:fontRef>
+        </p:style>
+        <p:txBody>
+          <a:bodyPr rtlCol="0" anchor="ctr"/>
+          <a:p>
+            <a:pPr algn="ctr"/>
+            <a:r>
+              <a:rPr lang="zh-CN" altLang="en-US">
+                <a:latin typeface="微软雅黑" charset="0"/>
+                <a:ea typeface="微软雅黑" charset="0"/>
+              </a:rPr>
+              <a:t>进程模型</a:t>
+            </a:r>
+            <a:endParaRPr lang="zh-CN" altLang="en-US">
+              <a:latin typeface="微软雅黑" charset="0"/>
+              <a:ea typeface="微软雅黑" charset="0"/>
+            </a:endParaRPr>
+          </a:p>
+        </p:txBody>
+      </p:sp>
+      <p:sp>
+        <p:nvSpPr>
+          <p:cNvPr id="20" name="圆角矩形 19"/>
+          <p:cNvSpPr/>
+          <p:nvPr/>
+        </p:nvSpPr>
+        <p:spPr>
+          <a:xfrm>
+            <a:off x="7172325" y="1701800"/>
+            <a:ext cx="1421130" cy="513080"/>
+          </a:xfrm>
+          <a:prstGeom prst="roundRect">
+            <a:avLst/>
+          </a:prstGeom>
+          <a:solidFill>
+            <a:schemeClr val="accent6">
+              <a:lumMod val="20000"/>
+              <a:lumOff val="80000"/>
+            </a:schemeClr>
+          </a:solidFill>
+        </p:spPr>
+        <p:style>
+          <a:lnRef idx="2">
+            <a:schemeClr val="accent6"/>
+          </a:lnRef>
+          <a:fillRef idx="1">
+            <a:schemeClr val="lt1"/>
+          </a:fillRef>
+          <a:effectRef idx="0">
+            <a:schemeClr val="accent6"/>
+          </a:effectRef>
+          <a:fontRef idx="minor">
+            <a:schemeClr val="dk1"/>
+          </a:fontRef>
+        </p:style>
+        <p:txBody>
+          <a:bodyPr rtlCol="0" anchor="ctr"/>
+          <a:p>
+            <a:pPr algn="ctr"/>
+            <a:r>
+              <a:rPr lang="zh-CN" altLang="en-US">
+                <a:latin typeface="微软雅黑" charset="0"/>
+                <a:ea typeface="微软雅黑" charset="0"/>
+              </a:rPr>
+              <a:t>网络模型</a:t>
+            </a:r>
+            <a:endParaRPr lang="zh-CN" altLang="en-US">
+              <a:latin typeface="微软雅黑" charset="0"/>
+              <a:ea typeface="微软雅黑" charset="0"/>
+            </a:endParaRPr>
+          </a:p>
+        </p:txBody>
+      </p:sp>
+      <p:sp>
+        <p:nvSpPr>
+          <p:cNvPr id="21" name="圆角矩形 20"/>
+          <p:cNvSpPr/>
+          <p:nvPr/>
+        </p:nvSpPr>
+        <p:spPr>
+          <a:xfrm>
+            <a:off x="7162165" y="2442845"/>
+            <a:ext cx="1421130" cy="513080"/>
+          </a:xfrm>
+          <a:prstGeom prst="roundRect">
+            <a:avLst/>
+          </a:prstGeom>
+          <a:solidFill>
+            <a:schemeClr val="accent6">
+              <a:lumMod val="20000"/>
+              <a:lumOff val="80000"/>
+            </a:schemeClr>
+          </a:solidFill>
+        </p:spPr>
+        <p:style>
+          <a:lnRef idx="2">
+            <a:schemeClr val="accent6"/>
+          </a:lnRef>
+          <a:fillRef idx="1">
+            <a:schemeClr val="lt1"/>
+          </a:fillRef>
+          <a:effectRef idx="0">
+            <a:schemeClr val="accent6"/>
+          </a:effectRef>
+          <a:fontRef idx="minor">
+            <a:schemeClr val="dk1"/>
+          </a:fontRef>
+        </p:style>
+        <p:txBody>
+          <a:bodyPr rtlCol="0" anchor="ctr"/>
+          <a:p>
+            <a:pPr algn="ctr"/>
+            <a:r>
+              <a:rPr lang="zh-CN" altLang="en-US">
+                <a:latin typeface="微软雅黑" charset="0"/>
+                <a:ea typeface="微软雅黑" charset="0"/>
+              </a:rPr>
+              <a:t>缓存模型</a:t>
+            </a:r>
+            <a:endParaRPr lang="zh-CN" altLang="en-US">
+              <a:latin typeface="微软雅黑" charset="0"/>
+              <a:ea typeface="微软雅黑" charset="0"/>
+            </a:endParaRPr>
+          </a:p>
+        </p:txBody>
+      </p:sp>
+      <p:sp>
+        <p:nvSpPr>
+          <p:cNvPr id="22" name="圆角矩形 21"/>
+          <p:cNvSpPr/>
+          <p:nvPr/>
+        </p:nvSpPr>
+        <p:spPr>
+          <a:xfrm>
+            <a:off x="7162165" y="3145155"/>
+            <a:ext cx="1421130" cy="513080"/>
+          </a:xfrm>
+          <a:prstGeom prst="roundRect">
+            <a:avLst/>
+          </a:prstGeom>
+          <a:solidFill>
+            <a:schemeClr val="accent6">
+              <a:lumMod val="20000"/>
+              <a:lumOff val="80000"/>
+            </a:schemeClr>
+          </a:solidFill>
+        </p:spPr>
+        <p:style>
+          <a:lnRef idx="2">
+            <a:schemeClr val="accent6"/>
+          </a:lnRef>
+          <a:fillRef idx="1">
+            <a:schemeClr val="lt1"/>
+          </a:fillRef>
+          <a:effectRef idx="0">
+            <a:schemeClr val="accent6"/>
+          </a:effectRef>
+          <a:fontRef idx="minor">
+            <a:schemeClr val="dk1"/>
+          </a:fontRef>
+        </p:style>
+        <p:txBody>
+          <a:bodyPr rtlCol="0" anchor="ctr"/>
+          <a:p>
+            <a:pPr algn="ctr"/>
+            <a:r>
+              <a:rPr lang="zh-CN" altLang="en-US">
+                <a:latin typeface="微软雅黑" charset="0"/>
+                <a:ea typeface="微软雅黑" charset="0"/>
+              </a:rPr>
+              <a:t>存储模型</a:t>
+            </a:r>
+            <a:endParaRPr lang="zh-CN" altLang="en-US">
+              <a:latin typeface="微软雅黑" charset="0"/>
+              <a:ea typeface="微软雅黑" charset="0"/>
+            </a:endParaRPr>
+          </a:p>
+        </p:txBody>
+      </p:sp>
+      <p:sp>
+        <p:nvSpPr>
+          <p:cNvPr id="23" name="圆角矩形 22"/>
+          <p:cNvSpPr/>
+          <p:nvPr/>
+        </p:nvSpPr>
+        <p:spPr>
+          <a:xfrm>
+            <a:off x="7162165" y="4286885"/>
+            <a:ext cx="1421130" cy="513080"/>
+          </a:xfrm>
+          <a:prstGeom prst="roundRect">
+            <a:avLst/>
+          </a:prstGeom>
+          <a:solidFill>
+            <a:schemeClr val="accent6">
+              <a:lumMod val="20000"/>
+              <a:lumOff val="80000"/>
+            </a:schemeClr>
+          </a:solidFill>
+        </p:spPr>
+        <p:style>
+          <a:lnRef idx="2">
+            <a:schemeClr val="accent6"/>
+          </a:lnRef>
+          <a:fillRef idx="1">
+            <a:schemeClr val="lt1"/>
+          </a:fillRef>
+          <a:effectRef idx="0">
+            <a:schemeClr val="accent6"/>
+          </a:effectRef>
+          <a:fontRef idx="minor">
+            <a:schemeClr val="dk1"/>
+          </a:fontRef>
+        </p:style>
+        <p:txBody>
+          <a:bodyPr rtlCol="0" anchor="ctr"/>
+          <a:p>
+            <a:pPr algn="ctr"/>
+            <a:r>
+              <a:rPr lang="zh-CN" altLang="en-US">
+                <a:latin typeface="微软雅黑" charset="0"/>
+                <a:ea typeface="微软雅黑" charset="0"/>
+              </a:rPr>
+              <a:t>任务分配</a:t>
+            </a:r>
+            <a:endParaRPr lang="zh-CN" altLang="en-US">
+              <a:latin typeface="微软雅黑" charset="0"/>
+              <a:ea typeface="微软雅黑" charset="0"/>
+            </a:endParaRPr>
+          </a:p>
+        </p:txBody>
+      </p:sp>
+      <p:sp>
+        <p:nvSpPr>
+          <p:cNvPr id="24" name="圆角矩形 23"/>
+          <p:cNvSpPr/>
+          <p:nvPr/>
+        </p:nvSpPr>
+        <p:spPr>
+          <a:xfrm>
+            <a:off x="7162165" y="5283835"/>
+            <a:ext cx="1421130" cy="513080"/>
+          </a:xfrm>
+          <a:prstGeom prst="roundRect">
+            <a:avLst/>
+          </a:prstGeom>
+          <a:solidFill>
+            <a:schemeClr val="accent6">
+              <a:lumMod val="20000"/>
+              <a:lumOff val="80000"/>
+            </a:schemeClr>
+          </a:solidFill>
+        </p:spPr>
+        <p:style>
+          <a:lnRef idx="2">
+            <a:schemeClr val="accent6"/>
+          </a:lnRef>
+          <a:fillRef idx="1">
+            <a:schemeClr val="lt1"/>
+          </a:fillRef>
+          <a:effectRef idx="0">
+            <a:schemeClr val="accent6"/>
+          </a:effectRef>
+          <a:fontRef idx="minor">
+            <a:schemeClr val="dk1"/>
+          </a:fontRef>
+        </p:style>
+        <p:txBody>
+          <a:bodyPr rtlCol="0" anchor="ctr"/>
+          <a:p>
+            <a:pPr algn="ctr"/>
+            <a:r>
+              <a:rPr lang="zh-CN" altLang="en-US">
+                <a:latin typeface="微软雅黑" charset="0"/>
+                <a:ea typeface="微软雅黑" charset="0"/>
+              </a:rPr>
+              <a:t>任务分解</a:t>
+            </a:r>
+            <a:endParaRPr lang="zh-CN" altLang="en-US">
+              <a:latin typeface="微软雅黑" charset="0"/>
+              <a:ea typeface="微软雅黑" charset="0"/>
+            </a:endParaRPr>
+          </a:p>
+        </p:txBody>
+      </p:sp>
+      <p:cxnSp>
+        <p:nvCxnSpPr>
+          <p:cNvPr id="26" name="肘形连接符 25"/>
+          <p:cNvCxnSpPr>
+            <a:stCxn id="3" idx="3"/>
+            <a:endCxn id="11" idx="1"/>
+          </p:cNvCxnSpPr>
+          <p:nvPr/>
+        </p:nvCxnSpPr>
+        <p:spPr>
+          <a:xfrm flipV="1">
+            <a:off x="2447290" y="2703195"/>
+            <a:ext cx="419735" cy="1101725"/>
+          </a:xfrm>
+          <a:prstGeom prst="bentConnector3">
+            <a:avLst>
+              <a:gd name="adj1" fmla="val 50076"/>
+            </a:avLst>
+          </a:prstGeom>
+        </p:spPr>
+        <p:style>
+          <a:lnRef idx="1">
+            <a:schemeClr val="accent1"/>
+          </a:lnRef>
+          <a:fillRef idx="0">
+            <a:schemeClr val="accent1"/>
+          </a:fillRef>
+          <a:effectRef idx="0">
+            <a:schemeClr val="accent1"/>
+          </a:effectRef>
+          <a:fontRef idx="minor">
+            <a:schemeClr val="tx1"/>
+          </a:fontRef>
+        </p:style>
+      </p:cxnSp>
+      <p:cxnSp>
+        <p:nvCxnSpPr>
+          <p:cNvPr id="28" name="肘形连接符 27"/>
+          <p:cNvCxnSpPr>
+            <a:stCxn id="3" idx="3"/>
+            <a:endCxn id="5" idx="1"/>
+          </p:cNvCxnSpPr>
+          <p:nvPr/>
+        </p:nvCxnSpPr>
+        <p:spPr>
+          <a:xfrm>
+            <a:off x="2447290" y="3804920"/>
+            <a:ext cx="419735" cy="1176020"/>
+          </a:xfrm>
+          <a:prstGeom prst="bentConnector3">
+            <a:avLst>
+              <a:gd name="adj1" fmla="val 50076"/>
+            </a:avLst>
+          </a:prstGeom>
+        </p:spPr>
+        <p:style>
+          <a:lnRef idx="1">
+            <a:schemeClr val="accent1"/>
+          </a:lnRef>
+          <a:fillRef idx="0">
+            <a:schemeClr val="accent1"/>
+          </a:fillRef>
+          <a:effectRef idx="0">
+            <a:schemeClr val="accent1"/>
+          </a:effectRef>
+          <a:fontRef idx="minor">
+            <a:schemeClr val="tx1"/>
+          </a:fontRef>
+        </p:style>
+      </p:cxnSp>
+      <p:cxnSp>
+        <p:nvCxnSpPr>
+          <p:cNvPr id="29" name="肘形连接符 28"/>
+          <p:cNvCxnSpPr>
+            <a:stCxn id="11" idx="3"/>
+            <a:endCxn id="17" idx="1"/>
+          </p:cNvCxnSpPr>
+          <p:nvPr/>
+        </p:nvCxnSpPr>
+        <p:spPr>
+          <a:xfrm flipV="1">
+            <a:off x="4288155" y="1960245"/>
+            <a:ext cx="560070" cy="742950"/>
+          </a:xfrm>
+          <a:prstGeom prst="bentConnector3">
+            <a:avLst>
+              <a:gd name="adj1" fmla="val 50000"/>
+            </a:avLst>
+          </a:prstGeom>
+        </p:spPr>
+        <p:style>
+          <a:lnRef idx="1">
+            <a:schemeClr val="accent1"/>
+          </a:lnRef>
+          <a:fillRef idx="0">
+            <a:schemeClr val="accent1"/>
+          </a:fillRef>
+          <a:effectRef idx="0">
+            <a:schemeClr val="accent1"/>
+          </a:effectRef>
+          <a:fontRef idx="minor">
+            <a:schemeClr val="tx1"/>
+          </a:fontRef>
+        </p:style>
+      </p:cxnSp>
+      <p:cxnSp>
+        <p:nvCxnSpPr>
+          <p:cNvPr id="30" name="肘形连接符 29"/>
+          <p:cNvCxnSpPr>
+            <a:stCxn id="11" idx="3"/>
+            <a:endCxn id="18" idx="1"/>
+          </p:cNvCxnSpPr>
+          <p:nvPr/>
+        </p:nvCxnSpPr>
+        <p:spPr>
+          <a:xfrm>
+            <a:off x="4288155" y="2703195"/>
+            <a:ext cx="560070" cy="701040"/>
+          </a:xfrm>
+          <a:prstGeom prst="bentConnector3">
+            <a:avLst>
+              <a:gd name="adj1" fmla="val 50000"/>
+            </a:avLst>
+          </a:prstGeom>
+        </p:spPr>
+        <p:style>
+          <a:lnRef idx="1">
+            <a:schemeClr val="accent1"/>
+          </a:lnRef>
+          <a:fillRef idx="0">
+            <a:schemeClr val="accent1"/>
+          </a:fillRef>
+          <a:effectRef idx="0">
+            <a:schemeClr val="accent1"/>
+          </a:effectRef>
+          <a:fontRef idx="minor">
+            <a:schemeClr val="tx1"/>
+          </a:fontRef>
+        </p:style>
+      </p:cxnSp>
+      <p:cxnSp>
+        <p:nvCxnSpPr>
+          <p:cNvPr id="31" name="肘形连接符 30"/>
+          <p:cNvCxnSpPr>
+            <a:stCxn id="5" idx="3"/>
+            <a:endCxn id="9" idx="1"/>
+          </p:cNvCxnSpPr>
+          <p:nvPr/>
+        </p:nvCxnSpPr>
+        <p:spPr>
+          <a:xfrm flipV="1">
+            <a:off x="4288155" y="4538980"/>
+            <a:ext cx="560070" cy="441960"/>
+          </a:xfrm>
+          <a:prstGeom prst="bentConnector3">
+            <a:avLst>
+              <a:gd name="adj1" fmla="val 50000"/>
+            </a:avLst>
+          </a:prstGeom>
+        </p:spPr>
+        <p:style>
+          <a:lnRef idx="1">
+            <a:schemeClr val="accent1"/>
+          </a:lnRef>
+          <a:fillRef idx="0">
+            <a:schemeClr val="accent1"/>
+          </a:fillRef>
+          <a:effectRef idx="0">
+            <a:schemeClr val="accent1"/>
+          </a:effectRef>
+          <a:fontRef idx="minor">
+            <a:schemeClr val="tx1"/>
+          </a:fontRef>
+        </p:style>
+      </p:cxnSp>
+      <p:cxnSp>
+        <p:nvCxnSpPr>
+          <p:cNvPr id="32" name="肘形连接符 31"/>
+          <p:cNvCxnSpPr>
+            <a:stCxn id="5" idx="3"/>
+            <a:endCxn id="10" idx="1"/>
+          </p:cNvCxnSpPr>
+          <p:nvPr/>
+        </p:nvCxnSpPr>
+        <p:spPr>
+          <a:xfrm>
+            <a:off x="4288155" y="4980940"/>
+            <a:ext cx="560070" cy="564515"/>
+          </a:xfrm>
+          <a:prstGeom prst="bentConnector3">
+            <a:avLst>
+              <a:gd name="adj1" fmla="val 50000"/>
+            </a:avLst>
+          </a:prstGeom>
+        </p:spPr>
+        <p:style>
+          <a:lnRef idx="1">
+            <a:schemeClr val="accent1"/>
+          </a:lnRef>
+          <a:fillRef idx="0">
+            <a:schemeClr val="accent1"/>
+          </a:fillRef>
+          <a:effectRef idx="0">
+            <a:schemeClr val="accent1"/>
+          </a:effectRef>
+          <a:fontRef idx="minor">
+            <a:schemeClr val="tx1"/>
+          </a:fontRef>
+        </p:style>
+      </p:cxnSp>
+      <p:cxnSp>
+        <p:nvCxnSpPr>
+          <p:cNvPr id="33" name="肘形连接符 32"/>
+          <p:cNvCxnSpPr>
+            <a:stCxn id="17" idx="3"/>
+            <a:endCxn id="19" idx="1"/>
+          </p:cNvCxnSpPr>
+          <p:nvPr/>
+        </p:nvCxnSpPr>
+        <p:spPr>
+          <a:xfrm flipV="1">
+            <a:off x="6269355" y="1282065"/>
+            <a:ext cx="892810" cy="678180"/>
+          </a:xfrm>
+          <a:prstGeom prst="bentConnector3">
+            <a:avLst>
+              <a:gd name="adj1" fmla="val 50000"/>
+            </a:avLst>
+          </a:prstGeom>
+        </p:spPr>
+        <p:style>
+          <a:lnRef idx="1">
+            <a:schemeClr val="accent1"/>
+          </a:lnRef>
+          <a:fillRef idx="0">
+            <a:schemeClr val="accent1"/>
+          </a:fillRef>
+          <a:effectRef idx="0">
+            <a:schemeClr val="accent1"/>
+          </a:effectRef>
+          <a:fontRef idx="minor">
+            <a:schemeClr val="tx1"/>
+          </a:fontRef>
+        </p:style>
+      </p:cxnSp>
+      <p:cxnSp>
+        <p:nvCxnSpPr>
+          <p:cNvPr id="34" name="肘形连接符 33"/>
+          <p:cNvCxnSpPr>
+            <a:stCxn id="17" idx="3"/>
+            <a:endCxn id="20" idx="1"/>
+          </p:cNvCxnSpPr>
+          <p:nvPr/>
+        </p:nvCxnSpPr>
+        <p:spPr>
+          <a:xfrm flipV="1">
+            <a:off x="6269355" y="1958340"/>
+            <a:ext cx="902970" cy="1905"/>
+          </a:xfrm>
+          <a:prstGeom prst="bentConnector3">
+            <a:avLst>
+              <a:gd name="adj1" fmla="val 50000"/>
+            </a:avLst>
+          </a:prstGeom>
+        </p:spPr>
+        <p:style>
+          <a:lnRef idx="1">
+            <a:schemeClr val="accent1"/>
+          </a:lnRef>
+          <a:fillRef idx="0">
+            <a:schemeClr val="accent1"/>
+          </a:fillRef>
+          <a:effectRef idx="0">
+            <a:schemeClr val="accent1"/>
+          </a:effectRef>
+          <a:fontRef idx="minor">
+            <a:schemeClr val="tx1"/>
+          </a:fontRef>
+        </p:style>
+      </p:cxnSp>
+      <p:cxnSp>
+        <p:nvCxnSpPr>
+          <p:cNvPr id="35" name="肘形连接符 34"/>
+          <p:cNvCxnSpPr>
+            <a:stCxn id="17" idx="3"/>
+            <a:endCxn id="21" idx="1"/>
+          </p:cNvCxnSpPr>
+          <p:nvPr/>
+        </p:nvCxnSpPr>
+        <p:spPr>
+          <a:xfrm>
+            <a:off x="6269355" y="1960245"/>
+            <a:ext cx="892810" cy="739140"/>
+          </a:xfrm>
+          <a:prstGeom prst="bentConnector3">
+            <a:avLst>
+              <a:gd name="adj1" fmla="val 50000"/>
+            </a:avLst>
+          </a:prstGeom>
+        </p:spPr>
+        <p:style>
+          <a:lnRef idx="1">
+            <a:schemeClr val="accent1"/>
+          </a:lnRef>
+          <a:fillRef idx="0">
+            <a:schemeClr val="accent1"/>
+          </a:fillRef>
+          <a:effectRef idx="0">
+            <a:schemeClr val="accent1"/>
+          </a:effectRef>
+          <a:fontRef idx="minor">
+            <a:schemeClr val="tx1"/>
+          </a:fontRef>
+        </p:style>
+      </p:cxnSp>
+      <p:cxnSp>
+        <p:nvCxnSpPr>
+          <p:cNvPr id="36" name="肘形连接符 35"/>
+          <p:cNvCxnSpPr>
+            <a:stCxn id="18" idx="3"/>
+            <a:endCxn id="22" idx="1"/>
+          </p:cNvCxnSpPr>
+          <p:nvPr/>
+        </p:nvCxnSpPr>
+        <p:spPr>
+          <a:xfrm flipV="1">
+            <a:off x="6269355" y="3401695"/>
+            <a:ext cx="892810" cy="2540"/>
+          </a:xfrm>
+          <a:prstGeom prst="bentConnector3">
+            <a:avLst>
+              <a:gd name="adj1" fmla="val 50000"/>
+            </a:avLst>
+          </a:prstGeom>
+        </p:spPr>
+        <p:style>
+          <a:lnRef idx="1">
+            <a:schemeClr val="accent1"/>
+          </a:lnRef>
+          <a:fillRef idx="0">
+            <a:schemeClr val="accent1"/>
+          </a:fillRef>
+          <a:effectRef idx="0">
+            <a:schemeClr val="accent1"/>
+          </a:effectRef>
+          <a:fontRef idx="minor">
+            <a:schemeClr val="tx1"/>
+          </a:fontRef>
+        </p:style>
+      </p:cxnSp>
+      <p:cxnSp>
+        <p:nvCxnSpPr>
+          <p:cNvPr id="37" name="肘形连接符 36"/>
+          <p:cNvCxnSpPr>
+            <a:stCxn id="9" idx="3"/>
+            <a:endCxn id="23" idx="1"/>
+          </p:cNvCxnSpPr>
+          <p:nvPr/>
+        </p:nvCxnSpPr>
+        <p:spPr>
+          <a:xfrm>
+            <a:off x="6269355" y="4538980"/>
+            <a:ext cx="892810" cy="4445"/>
+          </a:xfrm>
+          <a:prstGeom prst="bentConnector3">
+            <a:avLst>
+              <a:gd name="adj1" fmla="val 50000"/>
+            </a:avLst>
+          </a:prstGeom>
+        </p:spPr>
+        <p:style>
+          <a:lnRef idx="1">
+            <a:schemeClr val="accent1"/>
+          </a:lnRef>
+          <a:fillRef idx="0">
+            <a:schemeClr val="accent1"/>
+          </a:fillRef>
+          <a:effectRef idx="0">
+            <a:schemeClr val="accent1"/>
+          </a:effectRef>
+          <a:fontRef idx="minor">
+            <a:schemeClr val="tx1"/>
+          </a:fontRef>
+        </p:style>
+      </p:cxnSp>
+      <p:cxnSp>
+        <p:nvCxnSpPr>
+          <p:cNvPr id="38" name="肘形连接符 37"/>
+          <p:cNvCxnSpPr>
+            <a:stCxn id="10" idx="3"/>
+            <a:endCxn id="24" idx="1"/>
+          </p:cNvCxnSpPr>
+          <p:nvPr/>
+        </p:nvCxnSpPr>
+        <p:spPr>
+          <a:xfrm flipV="1">
+            <a:off x="6269355" y="5540375"/>
+            <a:ext cx="892810" cy="5080"/>
+          </a:xfrm>
+          <a:prstGeom prst="bentConnector3">
+            <a:avLst>
+              <a:gd name="adj1" fmla="val 50000"/>
+            </a:avLst>
+          </a:prstGeom>
+        </p:spPr>
+        <p:style>
+          <a:lnRef idx="1">
+            <a:schemeClr val="accent1"/>
+          </a:lnRef>
+          <a:fillRef idx="0">
+            <a:schemeClr val="accent1"/>
+          </a:fillRef>
+          <a:effectRef idx="0">
+            <a:schemeClr val="accent1"/>
+          </a:effectRef>
+          <a:fontRef idx="minor">
+            <a:schemeClr val="tx1"/>
+          </a:fontRef>
+        </p:style>
+      </p:cxnSp>
+      <p:sp>
+        <p:nvSpPr>
+          <p:cNvPr id="39" name="文本框 38"/>
+          <p:cNvSpPr txBox="1"/>
+          <p:nvPr/>
+        </p:nvSpPr>
+        <p:spPr>
+          <a:xfrm>
+            <a:off x="8838565" y="1097915"/>
+            <a:ext cx="1420495" cy="306705"/>
           </a:xfrm>
           <a:prstGeom prst="rect">
             <a:avLst/>
           </a:prstGeom>
-        </p:spPr>
-      </p:pic>
+          <a:noFill/>
+        </p:spPr>
+        <p:txBody>
+          <a:bodyPr wrap="square" rtlCol="0">
+            <a:spAutoFit/>
+          </a:bodyPr>
+          <a:p>
+            <a:r>
+              <a:rPr lang="zh-CN" altLang="en-US" sz="1400">
+                <a:latin typeface="微软雅黑" charset="0"/>
+                <a:ea typeface="微软雅黑" charset="0"/>
+              </a:rPr>
+              <a:t>无需考虑</a:t>
+            </a:r>
+            <a:endParaRPr lang="zh-CN" altLang="en-US" sz="1400">
+              <a:latin typeface="微软雅黑" charset="0"/>
+              <a:ea typeface="微软雅黑" charset="0"/>
+            </a:endParaRPr>
+          </a:p>
+        </p:txBody>
+      </p:sp>
+      <p:sp>
+        <p:nvSpPr>
+          <p:cNvPr id="40" name="文本框 39"/>
+          <p:cNvSpPr txBox="1"/>
+          <p:nvPr/>
+        </p:nvSpPr>
+        <p:spPr>
+          <a:xfrm>
+            <a:off x="8838565" y="1770380"/>
+            <a:ext cx="1420495" cy="306705"/>
+          </a:xfrm>
+          <a:prstGeom prst="rect">
+            <a:avLst/>
+          </a:prstGeom>
+          <a:noFill/>
+        </p:spPr>
+        <p:txBody>
+          <a:bodyPr wrap="square" rtlCol="0">
+            <a:spAutoFit/>
+          </a:bodyPr>
+          <a:p>
+            <a:r>
+              <a:rPr lang="zh-CN" altLang="en-US" sz="1400">
+                <a:latin typeface="微软雅黑" charset="0"/>
+                <a:ea typeface="微软雅黑" charset="0"/>
+              </a:rPr>
+              <a:t>无需考虑</a:t>
+            </a:r>
+            <a:endParaRPr lang="zh-CN" altLang="en-US" sz="1400">
+              <a:latin typeface="微软雅黑" charset="0"/>
+              <a:ea typeface="微软雅黑" charset="0"/>
+            </a:endParaRPr>
+          </a:p>
+        </p:txBody>
+      </p:sp>
+      <p:sp>
+        <p:nvSpPr>
+          <p:cNvPr id="41" name="文本框 40"/>
+          <p:cNvSpPr txBox="1"/>
+          <p:nvPr/>
+        </p:nvSpPr>
+        <p:spPr>
+          <a:xfrm>
+            <a:off x="8838565" y="2491105"/>
+            <a:ext cx="1420495" cy="306705"/>
+          </a:xfrm>
+          <a:prstGeom prst="rect">
+            <a:avLst/>
+          </a:prstGeom>
+          <a:noFill/>
+        </p:spPr>
+        <p:txBody>
+          <a:bodyPr wrap="square" rtlCol="0">
+            <a:spAutoFit/>
+          </a:bodyPr>
+          <a:p>
+            <a:r>
+              <a:rPr lang="zh-CN" altLang="en-US" sz="1400">
+                <a:latin typeface="微软雅黑" charset="0"/>
+                <a:ea typeface="微软雅黑" charset="0"/>
+              </a:rPr>
+              <a:t>无需考虑</a:t>
+            </a:r>
+            <a:endParaRPr lang="zh-CN" altLang="en-US" sz="1400">
+              <a:latin typeface="微软雅黑" charset="0"/>
+              <a:ea typeface="微软雅黑" charset="0"/>
+            </a:endParaRPr>
+          </a:p>
+        </p:txBody>
+      </p:sp>
+      <p:sp>
+        <p:nvSpPr>
+          <p:cNvPr id="42" name="文本框 41"/>
+          <p:cNvSpPr txBox="1"/>
+          <p:nvPr/>
+        </p:nvSpPr>
+        <p:spPr>
+          <a:xfrm>
+            <a:off x="8838565" y="3211830"/>
+            <a:ext cx="1584325" cy="521970"/>
+          </a:xfrm>
+          <a:prstGeom prst="rect">
+            <a:avLst/>
+          </a:prstGeom>
+          <a:noFill/>
+        </p:spPr>
+        <p:txBody>
+          <a:bodyPr wrap="square" rtlCol="0">
+            <a:spAutoFit/>
+          </a:bodyPr>
+          <a:p>
+            <a:r>
+              <a:rPr lang="zh-CN" altLang="en-US" sz="1400">
+                <a:latin typeface="微软雅黑" charset="0"/>
+                <a:ea typeface="微软雅黑" charset="0"/>
+              </a:rPr>
+              <a:t>优先从缓存读，再从数据库读取</a:t>
+            </a:r>
+            <a:endParaRPr lang="zh-CN" altLang="en-US" sz="1400">
+              <a:latin typeface="微软雅黑" charset="0"/>
+              <a:ea typeface="微软雅黑" charset="0"/>
+            </a:endParaRPr>
+          </a:p>
+        </p:txBody>
+      </p:sp>
+      <p:sp>
+        <p:nvSpPr>
+          <p:cNvPr id="43" name="文本框 42"/>
+          <p:cNvSpPr txBox="1"/>
+          <p:nvPr/>
+        </p:nvSpPr>
+        <p:spPr>
+          <a:xfrm>
+            <a:off x="8938895" y="4386580"/>
+            <a:ext cx="1584325" cy="306705"/>
+          </a:xfrm>
+          <a:prstGeom prst="rect">
+            <a:avLst/>
+          </a:prstGeom>
+          <a:noFill/>
+        </p:spPr>
+        <p:txBody>
+          <a:bodyPr wrap="square" rtlCol="0">
+            <a:spAutoFit/>
+          </a:bodyPr>
+          <a:p>
+            <a:r>
+              <a:rPr lang="zh-CN" altLang="en-US" sz="1400">
+                <a:latin typeface="微软雅黑" charset="0"/>
+                <a:ea typeface="微软雅黑" charset="0"/>
+              </a:rPr>
+              <a:t>负载均衡</a:t>
+            </a:r>
+            <a:endParaRPr lang="zh-CN" altLang="en-US" sz="1400">
+              <a:latin typeface="微软雅黑" charset="0"/>
+              <a:ea typeface="微软雅黑" charset="0"/>
+            </a:endParaRPr>
+          </a:p>
+        </p:txBody>
+      </p:sp>
+      <p:cxnSp>
+        <p:nvCxnSpPr>
+          <p:cNvPr id="44" name="肘形连接符 43"/>
+          <p:cNvCxnSpPr>
+            <a:stCxn id="9" idx="3"/>
+            <a:endCxn id="24" idx="1"/>
+          </p:cNvCxnSpPr>
+          <p:nvPr/>
+        </p:nvCxnSpPr>
+        <p:spPr>
+          <a:xfrm>
+            <a:off x="6269355" y="4538980"/>
+            <a:ext cx="892810" cy="1001395"/>
+          </a:xfrm>
+          <a:prstGeom prst="bentConnector3">
+            <a:avLst>
+              <a:gd name="adj1" fmla="val 50000"/>
+            </a:avLst>
+          </a:prstGeom>
+        </p:spPr>
+        <p:style>
+          <a:lnRef idx="1">
+            <a:schemeClr val="accent1"/>
+          </a:lnRef>
+          <a:fillRef idx="0">
+            <a:schemeClr val="accent1"/>
+          </a:fillRef>
+          <a:effectRef idx="0">
+            <a:schemeClr val="accent1"/>
+          </a:effectRef>
+          <a:fontRef idx="minor">
+            <a:schemeClr val="tx1"/>
+          </a:fontRef>
+        </p:style>
+      </p:cxnSp>
+      <p:sp>
+        <p:nvSpPr>
+          <p:cNvPr id="45" name="文本框 44"/>
+          <p:cNvSpPr txBox="1"/>
+          <p:nvPr/>
+        </p:nvSpPr>
+        <p:spPr>
+          <a:xfrm>
+            <a:off x="8838565" y="5167630"/>
+            <a:ext cx="1993265" cy="1168400"/>
+          </a:xfrm>
+          <a:prstGeom prst="rect">
+            <a:avLst/>
+          </a:prstGeom>
+          <a:noFill/>
+        </p:spPr>
+        <p:txBody>
+          <a:bodyPr wrap="square" rtlCol="0">
+            <a:spAutoFit/>
+          </a:bodyPr>
+          <a:p>
+            <a:r>
+              <a:rPr lang="zh-CN" altLang="en-US" sz="1400">
+                <a:latin typeface="微软雅黑" charset="0"/>
+                <a:ea typeface="微软雅黑" charset="0"/>
+              </a:rPr>
+              <a:t>朋友圈，相册，评论采用分布式</a:t>
+            </a:r>
+            <a:r>
+              <a:rPr lang="en-US" altLang="zh-CN" sz="1400">
+                <a:latin typeface="微软雅黑" charset="0"/>
+                <a:ea typeface="微软雅黑" charset="0"/>
+              </a:rPr>
+              <a:t>kv</a:t>
+            </a:r>
+            <a:r>
+              <a:rPr lang="zh-CN" altLang="en-US" sz="1400">
+                <a:latin typeface="微软雅黑" charset="0"/>
+                <a:ea typeface="微软雅黑" charset="0"/>
+              </a:rPr>
+              <a:t>数据库</a:t>
+            </a:r>
+            <a:endParaRPr lang="zh-CN" altLang="en-US" sz="1400">
+              <a:latin typeface="微软雅黑" charset="0"/>
+              <a:ea typeface="微软雅黑" charset="0"/>
+            </a:endParaRPr>
+          </a:p>
+          <a:p>
+            <a:endParaRPr lang="zh-CN" altLang="en-US" sz="1400">
+              <a:latin typeface="微软雅黑" charset="0"/>
+              <a:ea typeface="微软雅黑" charset="0"/>
+            </a:endParaRPr>
+          </a:p>
+          <a:p>
+            <a:r>
+              <a:rPr lang="zh-CN" altLang="en-US" sz="1400">
+                <a:latin typeface="微软雅黑" charset="0"/>
+                <a:ea typeface="微软雅黑" charset="0"/>
+              </a:rPr>
+              <a:t>图片视频等采用</a:t>
+            </a:r>
+            <a:r>
+              <a:rPr lang="en-US" altLang="zh-CN" sz="1400">
+                <a:latin typeface="微软雅黑" charset="0"/>
+                <a:ea typeface="微软雅黑" charset="0"/>
+              </a:rPr>
+              <a:t>CDN</a:t>
+            </a:r>
+            <a:r>
+              <a:rPr lang="zh-CN" altLang="en-US" sz="1400">
+                <a:latin typeface="微软雅黑" charset="0"/>
+                <a:ea typeface="微软雅黑" charset="0"/>
+              </a:rPr>
+              <a:t>集群</a:t>
+            </a:r>
+            <a:endParaRPr lang="zh-CN" altLang="en-US" sz="1400">
+              <a:latin typeface="微软雅黑" charset="0"/>
+              <a:ea typeface="微软雅黑" charset="0"/>
+            </a:endParaRPr>
+          </a:p>
+        </p:txBody>
+      </p:sp>
     </p:spTree>
   </p:cSld>
   <p:clrMapOvr>
@@ -3484,6 +5776,14 @@
 <file path=ppt/slides/slide4.xml><?xml version="1.0" encoding="utf-8"?>
 <p:sld xmlns:a="http://schemas.openxmlformats.org/drawingml/2006/main" xmlns:r="http://schemas.openxmlformats.org/officeDocument/2006/relationships" xmlns:p="http://schemas.openxmlformats.org/presentationml/2006/main">
   <p:cSld>
+    <p:bg>
+      <p:bgPr>
+        <a:solidFill>
+          <a:schemeClr val="bg1"/>
+        </a:solidFill>
+        <a:effectLst/>
+      </p:bgPr>
+    </p:bg>
     <p:spTree>
       <p:nvGrpSpPr>
         <p:cNvPr id="1" name=""/>
@@ -3501,8 +5801,8 @@
         </p:nvSpPr>
         <p:spPr>
           <a:xfrm>
-            <a:off x="608330" y="372110"/>
-            <a:ext cx="9144000" cy="360045"/>
+            <a:off x="808990" y="339090"/>
+            <a:ext cx="9144000" cy="511810"/>
           </a:xfrm>
         </p:spPr>
         <p:txBody>
@@ -3512,18 +5812,377 @@
           <a:p>
             <a:pPr algn="l"/>
             <a:r>
-              <a:rPr lang="zh-CN" altLang="en-US" sz="2300"/>
+              <a:rPr lang="zh-CN" altLang="en-US" sz="3200">
+                <a:latin typeface="微软雅黑" charset="0"/>
+                <a:ea typeface="微软雅黑" charset="0"/>
+              </a:rPr>
               <a:t>架构设计</a:t>
             </a:r>
-            <a:r>
-              <a:rPr lang="en-US" altLang="zh-CN" sz="2300"/>
-              <a:t>--</a:t>
-            </a:r>
-            <a:r>
-              <a:rPr lang="zh-CN" altLang="en-US" sz="2300"/>
-              <a:t>计算复杂度</a:t>
-            </a:r>
-            <a:endParaRPr lang="zh-CN" altLang="en-US" sz="2300"/>
+            <a:endParaRPr lang="zh-CN" altLang="en-US" sz="3200">
+              <a:latin typeface="微软雅黑" charset="0"/>
+              <a:ea typeface="微软雅黑" charset="0"/>
+            </a:endParaRPr>
+          </a:p>
+        </p:txBody>
+      </p:sp>
+      <p:sp>
+        <p:nvSpPr>
+          <p:cNvPr id="3" name="Subtitle 1"/>
+          <p:cNvSpPr/>
+          <p:nvPr/>
+        </p:nvSpPr>
+        <p:spPr>
+          <a:xfrm>
+            <a:off x="957580" y="1558290"/>
+            <a:ext cx="8394065" cy="4295775"/>
+          </a:xfrm>
+          <a:prstGeom prst="rect">
+            <a:avLst/>
+          </a:prstGeom>
+          <a:ln w="28575" cmpd="sng">
+            <a:solidFill>
+              <a:srgbClr val="C00000"/>
+            </a:solidFill>
+            <a:prstDash val="dashDot"/>
+          </a:ln>
+        </p:spPr>
+        <p:txBody>
+          <a:bodyPr vert="horz" lIns="91440" tIns="45720" rIns="91440" bIns="45720" rtlCol="0">
+            <a:noAutofit/>
+          </a:bodyPr>
+          <a:lstStyle>
+            <a:lvl1pPr marL="0" indent="0" algn="ctr" defTabSz="914400" rtl="0" eaLnBrk="1" latinLnBrk="0" hangingPunct="1">
+              <a:lnSpc>
+                <a:spcPct val="90000"/>
+              </a:lnSpc>
+              <a:spcBef>
+                <a:spcPts val="1000"/>
+              </a:spcBef>
+              <a:buFont typeface="Arial" panose="020B0604020202090204" pitchFamily="34" charset="0"/>
+              <a:buNone/>
+              <a:defRPr sz="2400" kern="1200">
+                <a:solidFill>
+                  <a:schemeClr val="tx1"/>
+                </a:solidFill>
+                <a:latin typeface="+mn-lt"/>
+                <a:ea typeface="+mn-ea"/>
+                <a:cs typeface="+mn-cs"/>
+              </a:defRPr>
+            </a:lvl1pPr>
+            <a:lvl2pPr marL="457200" indent="0" algn="ctr" defTabSz="914400" rtl="0" eaLnBrk="1" latinLnBrk="0" hangingPunct="1">
+              <a:lnSpc>
+                <a:spcPct val="90000"/>
+              </a:lnSpc>
+              <a:spcBef>
+                <a:spcPts val="500"/>
+              </a:spcBef>
+              <a:buFont typeface="Arial" panose="020B0604020202090204" pitchFamily="34" charset="0"/>
+              <a:buNone/>
+              <a:defRPr sz="2000" kern="1200">
+                <a:solidFill>
+                  <a:schemeClr val="tx1"/>
+                </a:solidFill>
+                <a:latin typeface="+mn-lt"/>
+                <a:ea typeface="+mn-ea"/>
+                <a:cs typeface="+mn-cs"/>
+              </a:defRPr>
+            </a:lvl2pPr>
+            <a:lvl3pPr marL="914400" indent="0" algn="ctr" defTabSz="914400" rtl="0" eaLnBrk="1" latinLnBrk="0" hangingPunct="1">
+              <a:lnSpc>
+                <a:spcPct val="90000"/>
+              </a:lnSpc>
+              <a:spcBef>
+                <a:spcPts val="500"/>
+              </a:spcBef>
+              <a:buFont typeface="Arial" panose="020B0604020202090204" pitchFamily="34" charset="0"/>
+              <a:buNone/>
+              <a:defRPr sz="1800" kern="1200">
+                <a:solidFill>
+                  <a:schemeClr val="tx1"/>
+                </a:solidFill>
+                <a:latin typeface="+mn-lt"/>
+                <a:ea typeface="+mn-ea"/>
+                <a:cs typeface="+mn-cs"/>
+              </a:defRPr>
+            </a:lvl3pPr>
+            <a:lvl4pPr marL="1371600" indent="0" algn="ctr" defTabSz="914400" rtl="0" eaLnBrk="1" latinLnBrk="0" hangingPunct="1">
+              <a:lnSpc>
+                <a:spcPct val="90000"/>
+              </a:lnSpc>
+              <a:spcBef>
+                <a:spcPts val="500"/>
+              </a:spcBef>
+              <a:buFont typeface="Arial" panose="020B0604020202090204" pitchFamily="34" charset="0"/>
+              <a:buNone/>
+              <a:defRPr sz="1600" kern="1200">
+                <a:solidFill>
+                  <a:schemeClr val="tx1"/>
+                </a:solidFill>
+                <a:latin typeface="+mn-lt"/>
+                <a:ea typeface="+mn-ea"/>
+                <a:cs typeface="+mn-cs"/>
+              </a:defRPr>
+            </a:lvl4pPr>
+            <a:lvl5pPr marL="1828800" indent="0" algn="ctr" defTabSz="914400" rtl="0" eaLnBrk="1" latinLnBrk="0" hangingPunct="1">
+              <a:lnSpc>
+                <a:spcPct val="90000"/>
+              </a:lnSpc>
+              <a:spcBef>
+                <a:spcPts val="500"/>
+              </a:spcBef>
+              <a:buFont typeface="Arial" panose="020B0604020202090204" pitchFamily="34" charset="0"/>
+              <a:buNone/>
+              <a:defRPr sz="1600" kern="1200">
+                <a:solidFill>
+                  <a:schemeClr val="tx1"/>
+                </a:solidFill>
+                <a:latin typeface="+mn-lt"/>
+                <a:ea typeface="+mn-ea"/>
+                <a:cs typeface="+mn-cs"/>
+              </a:defRPr>
+            </a:lvl5pPr>
+            <a:lvl6pPr marL="2286000" indent="0" algn="ctr" defTabSz="914400" rtl="0" eaLnBrk="1" latinLnBrk="0" hangingPunct="1">
+              <a:lnSpc>
+                <a:spcPct val="90000"/>
+              </a:lnSpc>
+              <a:spcBef>
+                <a:spcPts val="500"/>
+              </a:spcBef>
+              <a:buFont typeface="Arial" panose="020B0604020202090204" pitchFamily="34" charset="0"/>
+              <a:buNone/>
+              <a:defRPr sz="1600" kern="1200">
+                <a:solidFill>
+                  <a:schemeClr val="tx1"/>
+                </a:solidFill>
+                <a:latin typeface="+mn-lt"/>
+                <a:ea typeface="+mn-ea"/>
+                <a:cs typeface="+mn-cs"/>
+              </a:defRPr>
+            </a:lvl6pPr>
+            <a:lvl7pPr marL="2743200" indent="0" algn="ctr" defTabSz="914400" rtl="0" eaLnBrk="1" latinLnBrk="0" hangingPunct="1">
+              <a:lnSpc>
+                <a:spcPct val="90000"/>
+              </a:lnSpc>
+              <a:spcBef>
+                <a:spcPts val="500"/>
+              </a:spcBef>
+              <a:buFont typeface="Arial" panose="020B0604020202090204" pitchFamily="34" charset="0"/>
+              <a:buNone/>
+              <a:defRPr sz="1600" kern="1200">
+                <a:solidFill>
+                  <a:schemeClr val="tx1"/>
+                </a:solidFill>
+                <a:latin typeface="+mn-lt"/>
+                <a:ea typeface="+mn-ea"/>
+                <a:cs typeface="+mn-cs"/>
+              </a:defRPr>
+            </a:lvl7pPr>
+            <a:lvl8pPr marL="3200400" indent="0" algn="ctr" defTabSz="914400" rtl="0" eaLnBrk="1" latinLnBrk="0" hangingPunct="1">
+              <a:lnSpc>
+                <a:spcPct val="90000"/>
+              </a:lnSpc>
+              <a:spcBef>
+                <a:spcPts val="500"/>
+              </a:spcBef>
+              <a:buFont typeface="Arial" panose="020B0604020202090204" pitchFamily="34" charset="0"/>
+              <a:buNone/>
+              <a:defRPr sz="1600" kern="1200">
+                <a:solidFill>
+                  <a:schemeClr val="tx1"/>
+                </a:solidFill>
+                <a:latin typeface="+mn-lt"/>
+                <a:ea typeface="+mn-ea"/>
+                <a:cs typeface="+mn-cs"/>
+              </a:defRPr>
+            </a:lvl8pPr>
+            <a:lvl9pPr marL="3657600" indent="0" algn="ctr" defTabSz="914400" rtl="0" eaLnBrk="1" latinLnBrk="0" hangingPunct="1">
+              <a:lnSpc>
+                <a:spcPct val="90000"/>
+              </a:lnSpc>
+              <a:spcBef>
+                <a:spcPts val="500"/>
+              </a:spcBef>
+              <a:buFont typeface="Arial" panose="020B0604020202090204" pitchFamily="34" charset="0"/>
+              <a:buNone/>
+              <a:defRPr sz="1600" kern="1200">
+                <a:solidFill>
+                  <a:schemeClr val="tx1"/>
+                </a:solidFill>
+                <a:latin typeface="+mn-lt"/>
+                <a:ea typeface="+mn-ea"/>
+                <a:cs typeface="+mn-cs"/>
+              </a:defRPr>
+            </a:lvl9pPr>
+          </a:lstStyle>
+          <a:p>
+            <a:pPr algn="l"/>
+            <a:r>
+              <a:rPr lang="zh-CN" altLang="en-US" sz="2000" b="1">
+                <a:latin typeface="微软雅黑" charset="0"/>
+                <a:ea typeface="微软雅黑" charset="0"/>
+                <a:cs typeface="微软雅黑" charset="0"/>
+              </a:rPr>
+              <a:t>朋友圈数据的有四个核心的表</a:t>
+            </a:r>
+            <a:endParaRPr lang="zh-CN" altLang="en-US" sz="2000" b="1">
+              <a:latin typeface="微软雅黑" charset="0"/>
+              <a:ea typeface="微软雅黑" charset="0"/>
+              <a:cs typeface="微软雅黑" charset="0"/>
+            </a:endParaRPr>
+          </a:p>
+          <a:p>
+            <a:pPr algn="l"/>
+            <a:endParaRPr lang="zh-CN" altLang="en-US" sz="1400" b="1">
+              <a:latin typeface="微软雅黑" charset="0"/>
+              <a:ea typeface="微软雅黑" charset="0"/>
+              <a:cs typeface="微软雅黑" charset="0"/>
+            </a:endParaRPr>
+          </a:p>
+          <a:p>
+            <a:pPr marL="285750" indent="-285750" algn="l">
+              <a:buFont typeface="Arial" panose="020B0604020202090204" pitchFamily="34" charset="0"/>
+              <a:buChar char="•"/>
+            </a:pPr>
+            <a:r>
+              <a:rPr lang="zh-CN" altLang="en-US" sz="1800" b="1">
+                <a:latin typeface="微软雅黑" charset="0"/>
+                <a:ea typeface="微软雅黑" charset="0"/>
+                <a:cs typeface="微软雅黑" charset="0"/>
+              </a:rPr>
+              <a:t>一个是发布</a:t>
+            </a:r>
+            <a:endParaRPr lang="zh-CN" altLang="en-US" sz="1400">
+              <a:latin typeface="微软雅黑" charset="0"/>
+              <a:ea typeface="微软雅黑" charset="0"/>
+              <a:cs typeface="微软雅黑" charset="0"/>
+            </a:endParaRPr>
+          </a:p>
+          <a:p>
+            <a:pPr algn="l"/>
+            <a:r>
+              <a:rPr lang="zh-CN" altLang="en-US" sz="1400">
+                <a:latin typeface="微软雅黑" charset="0"/>
+                <a:ea typeface="微软雅黑" charset="0"/>
+                <a:cs typeface="微软雅黑" charset="0"/>
+              </a:rPr>
+              <a:t>      发布数据记录了来自所有用户所有的feed，比如一个用户发布了几张图片，每张图片的URL是什么，    在CDN里的URL是什么，它有哪些元属性，谁可以看，谁不可以看等等。</a:t>
+            </a:r>
+            <a:endParaRPr lang="zh-CN" altLang="en-US" sz="1400">
+              <a:latin typeface="微软雅黑" charset="0"/>
+              <a:ea typeface="微软雅黑" charset="0"/>
+              <a:cs typeface="微软雅黑" charset="0"/>
+            </a:endParaRPr>
+          </a:p>
+          <a:p>
+            <a:pPr marL="285750" indent="-285750" algn="l">
+              <a:buFont typeface="Arial" panose="020B0604020202090204" pitchFamily="34" charset="0"/>
+              <a:buChar char="•"/>
+            </a:pPr>
+            <a:r>
+              <a:rPr lang="zh-CN" altLang="en-US" sz="1800" b="1">
+                <a:latin typeface="微软雅黑" charset="0"/>
+                <a:ea typeface="微软雅黑" charset="0"/>
+                <a:cs typeface="微软雅黑" charset="0"/>
+              </a:rPr>
+              <a:t>一个是相册</a:t>
+            </a:r>
+            <a:endParaRPr lang="zh-CN" altLang="en-US" sz="1400">
+              <a:latin typeface="微软雅黑" charset="0"/>
+              <a:ea typeface="微软雅黑" charset="0"/>
+              <a:cs typeface="微软雅黑" charset="0"/>
+            </a:endParaRPr>
+          </a:p>
+          <a:p>
+            <a:pPr algn="l">
+              <a:buFont typeface="Arial" panose="020B0604020202090204" pitchFamily="34" charset="0"/>
+            </a:pPr>
+            <a:r>
+              <a:rPr lang="zh-CN" altLang="en-US" sz="1400">
+                <a:latin typeface="微软雅黑" charset="0"/>
+                <a:ea typeface="微软雅黑" charset="0"/>
+                <a:cs typeface="微软雅黑" charset="0"/>
+              </a:rPr>
+              <a:t>     相册是每个用户独立的，记录了该用户所发布的所有内容。</a:t>
+            </a:r>
+            <a:endParaRPr lang="zh-CN" altLang="en-US" sz="1400">
+              <a:latin typeface="微软雅黑" charset="0"/>
+              <a:ea typeface="微软雅黑" charset="0"/>
+              <a:cs typeface="微软雅黑" charset="0"/>
+            </a:endParaRPr>
+          </a:p>
+          <a:p>
+            <a:pPr marL="285750" indent="-285750" algn="l">
+              <a:buFont typeface="Arial" panose="020B0604020202090204" pitchFamily="34" charset="0"/>
+              <a:buChar char="•"/>
+            </a:pPr>
+            <a:r>
+              <a:rPr lang="zh-CN" altLang="en-US" sz="1800" b="1">
+                <a:latin typeface="微软雅黑" charset="0"/>
+                <a:ea typeface="微软雅黑" charset="0"/>
+                <a:cs typeface="微软雅黑" charset="0"/>
+              </a:rPr>
+              <a:t>一个是评论</a:t>
+            </a:r>
+            <a:endParaRPr lang="zh-CN" altLang="en-US" sz="1400">
+              <a:latin typeface="微软雅黑" charset="0"/>
+              <a:ea typeface="微软雅黑" charset="0"/>
+              <a:cs typeface="微软雅黑" charset="0"/>
+            </a:endParaRPr>
+          </a:p>
+          <a:p>
+            <a:pPr algn="l">
+              <a:buFont typeface="Arial" panose="020B0604020202090204" pitchFamily="34" charset="0"/>
+            </a:pPr>
+            <a:r>
+              <a:rPr lang="zh-CN" altLang="en-US" sz="1400">
+                <a:latin typeface="微软雅黑" charset="0"/>
+                <a:ea typeface="微软雅黑" charset="0"/>
+                <a:cs typeface="微软雅黑" charset="0"/>
+              </a:rPr>
+              <a:t>     评论就是针对某个具体发布的朋友评论和点赞操作。</a:t>
+            </a:r>
+            <a:endParaRPr lang="zh-CN" altLang="en-US" sz="1400">
+              <a:latin typeface="微软雅黑" charset="0"/>
+              <a:ea typeface="微软雅黑" charset="0"/>
+              <a:cs typeface="微软雅黑" charset="0"/>
+            </a:endParaRPr>
+          </a:p>
+          <a:p>
+            <a:pPr marL="285750" indent="-285750" algn="l">
+              <a:buFont typeface="Arial" panose="020B0604020202090204" pitchFamily="34" charset="0"/>
+              <a:buChar char="•"/>
+            </a:pPr>
+            <a:r>
+              <a:rPr lang="zh-CN" altLang="en-US" sz="1800" b="1">
+                <a:latin typeface="微软雅黑" charset="0"/>
+                <a:ea typeface="微软雅黑" charset="0"/>
+                <a:cs typeface="微软雅黑" charset="0"/>
+              </a:rPr>
+              <a:t>一个是时间线</a:t>
+            </a:r>
+            <a:endParaRPr lang="zh-CN" altLang="en-US" sz="1400">
+              <a:latin typeface="微软雅黑" charset="0"/>
+              <a:ea typeface="微软雅黑" charset="0"/>
+              <a:cs typeface="微软雅黑" charset="0"/>
+            </a:endParaRPr>
+          </a:p>
+          <a:p>
+            <a:pPr algn="l">
+              <a:buFont typeface="Arial" panose="020B0604020202090204" pitchFamily="34" charset="0"/>
+            </a:pPr>
+            <a:r>
+              <a:rPr lang="zh-CN" altLang="en-US" sz="1400">
+                <a:latin typeface="微软雅黑" charset="0"/>
+                <a:ea typeface="微软雅黑" charset="0"/>
+                <a:cs typeface="微软雅黑" charset="0"/>
+              </a:rPr>
+              <a:t>     所谓“刷朋友圈”，就是刷时间线，就是一个用户所有朋友的发布内容。</a:t>
+            </a:r>
+            <a:endParaRPr lang="zh-CN" altLang="en-US" sz="1400">
+              <a:latin typeface="微软雅黑" charset="0"/>
+              <a:ea typeface="微软雅黑" charset="0"/>
+              <a:cs typeface="微软雅黑" charset="0"/>
+            </a:endParaRPr>
           </a:p>
         </p:txBody>
       </p:sp>
@@ -3547,7 +6206,207 @@
       <p:grpSpPr/>
       <p:sp>
         <p:nvSpPr>
-          <p:cNvPr id="2" name="Subtitle 1"/>
+          <p:cNvPr id="21" name="矩形 20"/>
+          <p:cNvSpPr/>
+          <p:nvPr/>
+        </p:nvSpPr>
+        <p:spPr>
+          <a:xfrm>
+            <a:off x="2930525" y="5052695"/>
+            <a:ext cx="4642485" cy="799465"/>
+          </a:xfrm>
+          <a:prstGeom prst="rect">
+            <a:avLst/>
+          </a:prstGeom>
+          <a:solidFill>
+            <a:srgbClr val="78F7F6">
+              <a:alpha val="27000"/>
+            </a:srgbClr>
+          </a:solidFill>
+          <a:ln w="19050" cmpd="sng">
+            <a:solidFill>
+              <a:srgbClr val="FF0000"/>
+            </a:solidFill>
+            <a:prstDash val="dashDot"/>
+          </a:ln>
+        </p:spPr>
+        <p:style>
+          <a:lnRef idx="2">
+            <a:schemeClr val="accent1">
+              <a:shade val="50000"/>
+            </a:schemeClr>
+          </a:lnRef>
+          <a:fillRef idx="1">
+            <a:schemeClr val="accent1"/>
+          </a:fillRef>
+          <a:effectRef idx="0">
+            <a:schemeClr val="accent1"/>
+          </a:effectRef>
+          <a:fontRef idx="minor">
+            <a:schemeClr val="lt1"/>
+          </a:fontRef>
+        </p:style>
+        <p:txBody>
+          <a:bodyPr rtlCol="0" anchor="ctr"/>
+          <a:p>
+            <a:pPr algn="ctr"/>
+            <a:endParaRPr lang="zh-CN" altLang="en-US"/>
+          </a:p>
+        </p:txBody>
+      </p:sp>
+      <p:sp>
+        <p:nvSpPr>
+          <p:cNvPr id="18" name="矩形 17"/>
+          <p:cNvSpPr/>
+          <p:nvPr/>
+        </p:nvSpPr>
+        <p:spPr>
+          <a:xfrm>
+            <a:off x="2931160" y="3806825"/>
+            <a:ext cx="4642485" cy="1247140"/>
+          </a:xfrm>
+          <a:prstGeom prst="rect">
+            <a:avLst/>
+          </a:prstGeom>
+          <a:solidFill>
+            <a:srgbClr val="78F7F6"/>
+          </a:solidFill>
+          <a:ln w="19050" cmpd="sng">
+            <a:solidFill>
+              <a:srgbClr val="FF0000"/>
+            </a:solidFill>
+            <a:prstDash val="dashDot"/>
+          </a:ln>
+        </p:spPr>
+        <p:style>
+          <a:lnRef idx="2">
+            <a:schemeClr val="accent1">
+              <a:shade val="50000"/>
+            </a:schemeClr>
+          </a:lnRef>
+          <a:fillRef idx="1">
+            <a:schemeClr val="accent1"/>
+          </a:fillRef>
+          <a:effectRef idx="0">
+            <a:schemeClr val="accent1"/>
+          </a:effectRef>
+          <a:fontRef idx="minor">
+            <a:schemeClr val="lt1"/>
+          </a:fontRef>
+        </p:style>
+        <p:txBody>
+          <a:bodyPr vertOverflow="overflow" horzOverflow="overflow" vert="horz" wrap="square" numCol="1" spcCol="0" rtlCol="0" fromWordArt="0" anchor="ctr" anchorCtr="0" forceAA="0" compatLnSpc="1">
+            <a:noAutofit/>
+          </a:bodyPr>
+          <a:p>
+            <a:pPr lvl="0" algn="ctr"/>
+            <a:endParaRPr lang="zh-CN" altLang="en-US">
+              <a:sym typeface="+mn-ea"/>
+            </a:endParaRPr>
+          </a:p>
+        </p:txBody>
+      </p:sp>
+      <p:sp>
+        <p:nvSpPr>
+          <p:cNvPr id="20" name="矩形 19"/>
+          <p:cNvSpPr/>
+          <p:nvPr/>
+        </p:nvSpPr>
+        <p:spPr>
+          <a:xfrm>
+            <a:off x="2930525" y="3009265"/>
+            <a:ext cx="4642485" cy="799465"/>
+          </a:xfrm>
+          <a:prstGeom prst="rect">
+            <a:avLst/>
+          </a:prstGeom>
+          <a:solidFill>
+            <a:srgbClr val="78F7F6">
+              <a:alpha val="27000"/>
+            </a:srgbClr>
+          </a:solidFill>
+          <a:ln w="19050" cmpd="sng">
+            <a:solidFill>
+              <a:srgbClr val="FF0000"/>
+            </a:solidFill>
+            <a:prstDash val="dashDot"/>
+          </a:ln>
+        </p:spPr>
+        <p:style>
+          <a:lnRef idx="2">
+            <a:schemeClr val="accent1">
+              <a:shade val="50000"/>
+            </a:schemeClr>
+          </a:lnRef>
+          <a:fillRef idx="1">
+            <a:schemeClr val="accent1"/>
+          </a:fillRef>
+          <a:effectRef idx="0">
+            <a:schemeClr val="accent1"/>
+          </a:effectRef>
+          <a:fontRef idx="minor">
+            <a:schemeClr val="lt1"/>
+          </a:fontRef>
+        </p:style>
+        <p:txBody>
+          <a:bodyPr rtlCol="0" anchor="ctr"/>
+          <a:p>
+            <a:pPr algn="ctr"/>
+            <a:endParaRPr lang="zh-CN" altLang="en-US"/>
+          </a:p>
+        </p:txBody>
+      </p:sp>
+      <p:sp>
+        <p:nvSpPr>
+          <p:cNvPr id="15" name="矩形 14"/>
+          <p:cNvSpPr/>
+          <p:nvPr/>
+        </p:nvSpPr>
+        <p:spPr>
+          <a:xfrm>
+            <a:off x="2930525" y="2216150"/>
+            <a:ext cx="4642485" cy="799465"/>
+          </a:xfrm>
+          <a:prstGeom prst="rect">
+            <a:avLst/>
+          </a:prstGeom>
+          <a:solidFill>
+            <a:srgbClr val="78F7F6"/>
+          </a:solidFill>
+          <a:ln w="19050" cmpd="sng">
+            <a:solidFill>
+              <a:srgbClr val="FF0000"/>
+            </a:solidFill>
+            <a:prstDash val="dashDot"/>
+          </a:ln>
+        </p:spPr>
+        <p:style>
+          <a:lnRef idx="2">
+            <a:schemeClr val="accent1">
+              <a:shade val="50000"/>
+            </a:schemeClr>
+          </a:lnRef>
+          <a:fillRef idx="1">
+            <a:schemeClr val="accent1"/>
+          </a:fillRef>
+          <a:effectRef idx="0">
+            <a:schemeClr val="accent1"/>
+          </a:effectRef>
+          <a:fontRef idx="minor">
+            <a:schemeClr val="lt1"/>
+          </a:fontRef>
+        </p:style>
+        <p:txBody>
+          <a:bodyPr rtlCol="0" anchor="ctr"/>
+          <a:p>
+            <a:pPr algn="ctr"/>
+            <a:endParaRPr lang="zh-CN" altLang="en-US"/>
+          </a:p>
+        </p:txBody>
+      </p:sp>
+      <p:sp>
+        <p:nvSpPr>
+          <p:cNvPr id="4" name="Subtitle 1"/>
           <p:cNvSpPr/>
           <p:nvPr>
             <p:ph type="subTitle" idx="1"/>
@@ -3555,8 +6414,8 @@
         </p:nvSpPr>
         <p:spPr>
           <a:xfrm>
-            <a:off x="608330" y="372110"/>
-            <a:ext cx="9144000" cy="360045"/>
+            <a:off x="808990" y="339090"/>
+            <a:ext cx="9144000" cy="511810"/>
           </a:xfrm>
         </p:spPr>
         <p:txBody>
@@ -3566,18 +6425,464 @@
           <a:p>
             <a:pPr algn="l"/>
             <a:r>
-              <a:rPr lang="zh-CN" altLang="en-US" sz="2300"/>
+              <a:rPr lang="zh-CN" altLang="en-US" sz="3200">
+                <a:latin typeface="微软雅黑" charset="0"/>
+                <a:ea typeface="微软雅黑" charset="0"/>
+              </a:rPr>
               <a:t>架构设计</a:t>
             </a:r>
-            <a:r>
-              <a:rPr lang="en-US" altLang="zh-CN" sz="2300"/>
-              <a:t>--</a:t>
-            </a:r>
-            <a:r>
-              <a:rPr lang="zh-CN" altLang="en-US" sz="2300"/>
-              <a:t>存储复杂度</a:t>
-            </a:r>
-            <a:endParaRPr lang="zh-CN" altLang="en-US" sz="2300"/>
+            <a:endParaRPr lang="zh-CN" altLang="en-US" sz="3200">
+              <a:latin typeface="微软雅黑" charset="0"/>
+              <a:ea typeface="微软雅黑" charset="0"/>
+            </a:endParaRPr>
+          </a:p>
+        </p:txBody>
+      </p:sp>
+      <p:sp>
+        <p:nvSpPr>
+          <p:cNvPr id="5" name="矩形 4"/>
+          <p:cNvSpPr/>
+          <p:nvPr/>
+        </p:nvSpPr>
+        <p:spPr>
+          <a:xfrm>
+            <a:off x="4519295" y="1464310"/>
+            <a:ext cx="1465580" cy="409575"/>
+          </a:xfrm>
+          <a:prstGeom prst="rect">
+            <a:avLst/>
+          </a:prstGeom>
+          <a:ln>
+            <a:solidFill>
+              <a:schemeClr val="accent6">
+                <a:lumMod val="75000"/>
+              </a:schemeClr>
+            </a:solidFill>
+          </a:ln>
+        </p:spPr>
+        <p:style>
+          <a:lnRef idx="2">
+            <a:schemeClr val="accent6"/>
+          </a:lnRef>
+          <a:fillRef idx="1">
+            <a:schemeClr val="lt1"/>
+          </a:fillRef>
+          <a:effectRef idx="0">
+            <a:schemeClr val="accent6"/>
+          </a:effectRef>
+          <a:fontRef idx="minor">
+            <a:schemeClr val="dk1"/>
+          </a:fontRef>
+        </p:style>
+        <p:txBody>
+          <a:bodyPr rtlCol="0" anchor="ctr"/>
+          <a:p>
+            <a:pPr algn="ctr"/>
+            <a:r>
+              <a:rPr lang="zh-CN" altLang="en-US">
+                <a:latin typeface="微软雅黑" charset="0"/>
+                <a:ea typeface="微软雅黑" charset="0"/>
+              </a:rPr>
+              <a:t>客户端</a:t>
+            </a:r>
+            <a:endParaRPr lang="zh-CN" altLang="en-US">
+              <a:latin typeface="微软雅黑" charset="0"/>
+              <a:ea typeface="微软雅黑" charset="0"/>
+            </a:endParaRPr>
+          </a:p>
+        </p:txBody>
+      </p:sp>
+      <p:sp>
+        <p:nvSpPr>
+          <p:cNvPr id="6" name="矩形 5"/>
+          <p:cNvSpPr/>
+          <p:nvPr/>
+        </p:nvSpPr>
+        <p:spPr>
+          <a:xfrm>
+            <a:off x="4519295" y="2458720"/>
+            <a:ext cx="1465580" cy="409575"/>
+          </a:xfrm>
+          <a:prstGeom prst="rect">
+            <a:avLst/>
+          </a:prstGeom>
+        </p:spPr>
+        <p:style>
+          <a:lnRef idx="2">
+            <a:schemeClr val="accent6"/>
+          </a:lnRef>
+          <a:fillRef idx="1">
+            <a:schemeClr val="lt1"/>
+          </a:fillRef>
+          <a:effectRef idx="0">
+            <a:schemeClr val="accent6"/>
+          </a:effectRef>
+          <a:fontRef idx="minor">
+            <a:schemeClr val="dk1"/>
+          </a:fontRef>
+        </p:style>
+        <p:txBody>
+          <a:bodyPr rtlCol="0" anchor="ctr"/>
+          <a:p>
+            <a:pPr algn="ctr"/>
+            <a:r>
+              <a:rPr lang="zh-CN" altLang="en-US">
+                <a:latin typeface="微软雅黑" charset="0"/>
+                <a:ea typeface="微软雅黑" charset="0"/>
+              </a:rPr>
+              <a:t>接入服务器</a:t>
+            </a:r>
+            <a:endParaRPr lang="zh-CN" altLang="en-US">
+              <a:latin typeface="微软雅黑" charset="0"/>
+              <a:ea typeface="微软雅黑" charset="0"/>
+            </a:endParaRPr>
+          </a:p>
+        </p:txBody>
+      </p:sp>
+      <p:sp>
+        <p:nvSpPr>
+          <p:cNvPr id="7" name="矩形 6"/>
+          <p:cNvSpPr/>
+          <p:nvPr/>
+        </p:nvSpPr>
+        <p:spPr>
+          <a:xfrm>
+            <a:off x="4519295" y="3223895"/>
+            <a:ext cx="1465580" cy="409575"/>
+          </a:xfrm>
+          <a:prstGeom prst="rect">
+            <a:avLst/>
+          </a:prstGeom>
+        </p:spPr>
+        <p:style>
+          <a:lnRef idx="2">
+            <a:schemeClr val="accent6"/>
+          </a:lnRef>
+          <a:fillRef idx="1">
+            <a:schemeClr val="lt1"/>
+          </a:fillRef>
+          <a:effectRef idx="0">
+            <a:schemeClr val="accent6"/>
+          </a:effectRef>
+          <a:fontRef idx="minor">
+            <a:schemeClr val="dk1"/>
+          </a:fontRef>
+        </p:style>
+        <p:txBody>
+          <a:bodyPr rtlCol="0" anchor="ctr"/>
+          <a:p>
+            <a:pPr algn="ctr"/>
+            <a:r>
+              <a:rPr lang="zh-CN" altLang="en-US">
+                <a:latin typeface="微软雅黑" charset="0"/>
+                <a:ea typeface="微软雅黑" charset="0"/>
+              </a:rPr>
+              <a:t>朋友圈</a:t>
+            </a:r>
+            <a:endParaRPr lang="zh-CN" altLang="en-US">
+              <a:latin typeface="微软雅黑" charset="0"/>
+              <a:ea typeface="微软雅黑" charset="0"/>
+            </a:endParaRPr>
+          </a:p>
+        </p:txBody>
+      </p:sp>
+      <p:sp>
+        <p:nvSpPr>
+          <p:cNvPr id="8" name="矩形 7"/>
+          <p:cNvSpPr/>
+          <p:nvPr/>
+        </p:nvSpPr>
+        <p:spPr>
+          <a:xfrm>
+            <a:off x="3615055" y="3978910"/>
+            <a:ext cx="1465580" cy="409575"/>
+          </a:xfrm>
+          <a:prstGeom prst="rect">
+            <a:avLst/>
+          </a:prstGeom>
+        </p:spPr>
+        <p:style>
+          <a:lnRef idx="2">
+            <a:schemeClr val="accent6"/>
+          </a:lnRef>
+          <a:fillRef idx="1">
+            <a:schemeClr val="lt1"/>
+          </a:fillRef>
+          <a:effectRef idx="0">
+            <a:schemeClr val="accent6"/>
+          </a:effectRef>
+          <a:fontRef idx="minor">
+            <a:schemeClr val="dk1"/>
+          </a:fontRef>
+        </p:style>
+        <p:txBody>
+          <a:bodyPr rtlCol="0" anchor="ctr"/>
+          <a:p>
+            <a:pPr algn="ctr"/>
+            <a:r>
+              <a:rPr lang="zh-CN" altLang="en-US">
+                <a:latin typeface="微软雅黑" charset="0"/>
+                <a:ea typeface="微软雅黑" charset="0"/>
+              </a:rPr>
+              <a:t>发表</a:t>
+            </a:r>
+            <a:endParaRPr lang="zh-CN" altLang="en-US">
+              <a:latin typeface="微软雅黑" charset="0"/>
+              <a:ea typeface="微软雅黑" charset="0"/>
+            </a:endParaRPr>
+          </a:p>
+        </p:txBody>
+      </p:sp>
+      <p:sp>
+        <p:nvSpPr>
+          <p:cNvPr id="9" name="矩形 8"/>
+          <p:cNvSpPr/>
+          <p:nvPr/>
+        </p:nvSpPr>
+        <p:spPr>
+          <a:xfrm>
+            <a:off x="5299710" y="3989070"/>
+            <a:ext cx="1465580" cy="409575"/>
+          </a:xfrm>
+          <a:prstGeom prst="rect">
+            <a:avLst/>
+          </a:prstGeom>
+        </p:spPr>
+        <p:style>
+          <a:lnRef idx="2">
+            <a:schemeClr val="accent6"/>
+          </a:lnRef>
+          <a:fillRef idx="1">
+            <a:schemeClr val="lt1"/>
+          </a:fillRef>
+          <a:effectRef idx="0">
+            <a:schemeClr val="accent6"/>
+          </a:effectRef>
+          <a:fontRef idx="minor">
+            <a:schemeClr val="dk1"/>
+          </a:fontRef>
+        </p:style>
+        <p:txBody>
+          <a:bodyPr rtlCol="0" anchor="ctr"/>
+          <a:p>
+            <a:pPr algn="ctr"/>
+            <a:r>
+              <a:rPr lang="zh-CN" altLang="en-US">
+                <a:latin typeface="微软雅黑" charset="0"/>
+                <a:ea typeface="微软雅黑" charset="0"/>
+                <a:cs typeface="微软雅黑" charset="0"/>
+              </a:rPr>
+              <a:t>评论</a:t>
+            </a:r>
+            <a:r>
+              <a:rPr lang="en-US" altLang="zh-CN">
+                <a:latin typeface="微软雅黑" charset="0"/>
+                <a:ea typeface="微软雅黑" charset="0"/>
+                <a:cs typeface="微软雅黑" charset="0"/>
+              </a:rPr>
+              <a:t>/</a:t>
+            </a:r>
+            <a:r>
+              <a:rPr lang="zh-CN" altLang="en-US">
+                <a:latin typeface="微软雅黑" charset="0"/>
+                <a:ea typeface="微软雅黑" charset="0"/>
+                <a:cs typeface="微软雅黑" charset="0"/>
+              </a:rPr>
+              <a:t>点赞</a:t>
+            </a:r>
+            <a:endParaRPr lang="zh-CN" altLang="en-US">
+              <a:latin typeface="微软雅黑" charset="0"/>
+              <a:ea typeface="微软雅黑" charset="0"/>
+              <a:cs typeface="微软雅黑" charset="0"/>
+            </a:endParaRPr>
+          </a:p>
+        </p:txBody>
+      </p:sp>
+      <p:sp>
+        <p:nvSpPr>
+          <p:cNvPr id="10" name="矩形 9"/>
+          <p:cNvSpPr/>
+          <p:nvPr/>
+        </p:nvSpPr>
+        <p:spPr>
+          <a:xfrm>
+            <a:off x="3615055" y="4542155"/>
+            <a:ext cx="1465580" cy="409575"/>
+          </a:xfrm>
+          <a:prstGeom prst="rect">
+            <a:avLst/>
+          </a:prstGeom>
+        </p:spPr>
+        <p:style>
+          <a:lnRef idx="2">
+            <a:schemeClr val="accent6"/>
+          </a:lnRef>
+          <a:fillRef idx="1">
+            <a:schemeClr val="lt1"/>
+          </a:fillRef>
+          <a:effectRef idx="0">
+            <a:schemeClr val="accent6"/>
+          </a:effectRef>
+          <a:fontRef idx="minor">
+            <a:schemeClr val="dk1"/>
+          </a:fontRef>
+        </p:style>
+        <p:txBody>
+          <a:bodyPr rtlCol="0" anchor="ctr"/>
+          <a:p>
+            <a:pPr algn="ctr"/>
+            <a:r>
+              <a:rPr lang="zh-CN" altLang="en-US">
+                <a:latin typeface="微软雅黑" charset="0"/>
+                <a:ea typeface="微软雅黑" charset="0"/>
+              </a:rPr>
+              <a:t>相册</a:t>
+            </a:r>
+            <a:endParaRPr lang="zh-CN" altLang="en-US">
+              <a:latin typeface="微软雅黑" charset="0"/>
+              <a:ea typeface="微软雅黑" charset="0"/>
+            </a:endParaRPr>
+          </a:p>
+        </p:txBody>
+      </p:sp>
+      <p:sp>
+        <p:nvSpPr>
+          <p:cNvPr id="11" name="矩形 10"/>
+          <p:cNvSpPr/>
+          <p:nvPr/>
+        </p:nvSpPr>
+        <p:spPr>
+          <a:xfrm>
+            <a:off x="5299710" y="4533900"/>
+            <a:ext cx="1465580" cy="409575"/>
+          </a:xfrm>
+          <a:prstGeom prst="rect">
+            <a:avLst/>
+          </a:prstGeom>
+        </p:spPr>
+        <p:style>
+          <a:lnRef idx="2">
+            <a:schemeClr val="accent6"/>
+          </a:lnRef>
+          <a:fillRef idx="1">
+            <a:schemeClr val="lt1"/>
+          </a:fillRef>
+          <a:effectRef idx="0">
+            <a:schemeClr val="accent6"/>
+          </a:effectRef>
+          <a:fontRef idx="minor">
+            <a:schemeClr val="dk1"/>
+          </a:fontRef>
+        </p:style>
+        <p:txBody>
+          <a:bodyPr rtlCol="0" anchor="ctr"/>
+          <a:p>
+            <a:pPr algn="ctr"/>
+            <a:r>
+              <a:rPr lang="zh-CN" altLang="en-US">
+                <a:latin typeface="微软雅黑" charset="0"/>
+                <a:ea typeface="微软雅黑" charset="0"/>
+              </a:rPr>
+              <a:t>时间线</a:t>
+            </a:r>
+            <a:endParaRPr lang="zh-CN" altLang="en-US">
+              <a:latin typeface="微软雅黑" charset="0"/>
+              <a:ea typeface="微软雅黑" charset="0"/>
+            </a:endParaRPr>
+          </a:p>
+        </p:txBody>
+      </p:sp>
+      <p:sp>
+        <p:nvSpPr>
+          <p:cNvPr id="12" name="矩形 11"/>
+          <p:cNvSpPr/>
+          <p:nvPr/>
+        </p:nvSpPr>
+        <p:spPr>
+          <a:xfrm>
+            <a:off x="4519295" y="5264150"/>
+            <a:ext cx="1465580" cy="409575"/>
+          </a:xfrm>
+          <a:prstGeom prst="rect">
+            <a:avLst/>
+          </a:prstGeom>
+        </p:spPr>
+        <p:style>
+          <a:lnRef idx="2">
+            <a:schemeClr val="accent6"/>
+          </a:lnRef>
+          <a:fillRef idx="1">
+            <a:schemeClr val="lt1"/>
+          </a:fillRef>
+          <a:effectRef idx="0">
+            <a:schemeClr val="accent6"/>
+          </a:effectRef>
+          <a:fontRef idx="minor">
+            <a:schemeClr val="dk1"/>
+          </a:fontRef>
+        </p:style>
+        <p:txBody>
+          <a:bodyPr rtlCol="0" anchor="ctr"/>
+          <a:p>
+            <a:pPr algn="ctr"/>
+            <a:r>
+              <a:rPr lang="zh-CN" altLang="en-US">
+                <a:latin typeface="微软雅黑" charset="0"/>
+                <a:ea typeface="微软雅黑" charset="0"/>
+              </a:rPr>
+              <a:t>键值对存储</a:t>
+            </a:r>
+            <a:endParaRPr lang="zh-CN" altLang="en-US">
+              <a:latin typeface="微软雅黑" charset="0"/>
+              <a:ea typeface="微软雅黑" charset="0"/>
+            </a:endParaRPr>
+          </a:p>
+        </p:txBody>
+      </p:sp>
+      <p:sp>
+        <p:nvSpPr>
+          <p:cNvPr id="13" name="矩形 12"/>
+          <p:cNvSpPr/>
+          <p:nvPr/>
+        </p:nvSpPr>
+        <p:spPr>
+          <a:xfrm>
+            <a:off x="7905115" y="3224530"/>
+            <a:ext cx="1465580" cy="409575"/>
+          </a:xfrm>
+          <a:prstGeom prst="rect">
+            <a:avLst/>
+          </a:prstGeom>
+        </p:spPr>
+        <p:style>
+          <a:lnRef idx="2">
+            <a:schemeClr val="accent6"/>
+          </a:lnRef>
+          <a:fillRef idx="1">
+            <a:schemeClr val="lt1"/>
+          </a:fillRef>
+          <a:effectRef idx="0">
+            <a:schemeClr val="accent6"/>
+          </a:effectRef>
+          <a:fontRef idx="minor">
+            <a:schemeClr val="dk1"/>
+          </a:fontRef>
+        </p:style>
+        <p:txBody>
+          <a:bodyPr rtlCol="0" anchor="ctr"/>
+          <a:p>
+            <a:pPr algn="ctr"/>
+            <a:r>
+              <a:rPr lang="en-US" altLang="zh-CN">
+                <a:latin typeface="微软雅黑" charset="0"/>
+                <a:ea typeface="微软雅黑" charset="0"/>
+              </a:rPr>
+              <a:t>CDN</a:t>
+            </a:r>
+            <a:endParaRPr lang="en-US" altLang="zh-CN">
+              <a:latin typeface="微软雅黑" charset="0"/>
+              <a:ea typeface="微软雅黑" charset="0"/>
+            </a:endParaRPr>
           </a:p>
         </p:txBody>
       </p:sp>
@@ -3601,83 +6906,1958 @@
       <p:grpSpPr/>
       <p:sp>
         <p:nvSpPr>
-          <p:cNvPr id="2" name="Subtitle 1"/>
+          <p:cNvPr id="4" name="Subtitle 1"/>
           <p:cNvSpPr/>
-          <p:nvPr>
-            <p:ph type="subTitle" idx="1"/>
-          </p:nvPr>
-        </p:nvSpPr>
-        <p:spPr>
-          <a:xfrm>
-            <a:off x="608330" y="372110"/>
-            <a:ext cx="9144000" cy="360045"/>
-          </a:xfrm>
-        </p:spPr>
-        <p:txBody>
-          <a:bodyPr>
+          <p:nvPr/>
+        </p:nvSpPr>
+        <p:spPr>
+          <a:xfrm>
+            <a:off x="808990" y="339090"/>
+            <a:ext cx="9144000" cy="511810"/>
+          </a:xfrm>
+          <a:prstGeom prst="rect">
+            <a:avLst/>
+          </a:prstGeom>
+        </p:spPr>
+        <p:txBody>
+          <a:bodyPr vert="horz" lIns="91440" tIns="45720" rIns="91440" bIns="45720" rtlCol="0">
             <a:noAutofit/>
           </a:bodyPr>
+          <a:lstStyle>
+            <a:lvl1pPr marL="0" indent="0" algn="ctr" defTabSz="914400" rtl="0" eaLnBrk="1" latinLnBrk="0" hangingPunct="1">
+              <a:lnSpc>
+                <a:spcPct val="90000"/>
+              </a:lnSpc>
+              <a:spcBef>
+                <a:spcPts val="1000"/>
+              </a:spcBef>
+              <a:buFont typeface="Arial" panose="020B0604020202090204" pitchFamily="34" charset="0"/>
+              <a:buNone/>
+              <a:defRPr sz="2400" kern="1200">
+                <a:solidFill>
+                  <a:schemeClr val="tx1"/>
+                </a:solidFill>
+                <a:latin typeface="+mn-lt"/>
+                <a:ea typeface="+mn-ea"/>
+                <a:cs typeface="+mn-cs"/>
+              </a:defRPr>
+            </a:lvl1pPr>
+            <a:lvl2pPr marL="457200" indent="0" algn="ctr" defTabSz="914400" rtl="0" eaLnBrk="1" latinLnBrk="0" hangingPunct="1">
+              <a:lnSpc>
+                <a:spcPct val="90000"/>
+              </a:lnSpc>
+              <a:spcBef>
+                <a:spcPts val="500"/>
+              </a:spcBef>
+              <a:buFont typeface="Arial" panose="020B0604020202090204" pitchFamily="34" charset="0"/>
+              <a:buNone/>
+              <a:defRPr sz="2000" kern="1200">
+                <a:solidFill>
+                  <a:schemeClr val="tx1"/>
+                </a:solidFill>
+                <a:latin typeface="+mn-lt"/>
+                <a:ea typeface="+mn-ea"/>
+                <a:cs typeface="+mn-cs"/>
+              </a:defRPr>
+            </a:lvl2pPr>
+            <a:lvl3pPr marL="914400" indent="0" algn="ctr" defTabSz="914400" rtl="0" eaLnBrk="1" latinLnBrk="0" hangingPunct="1">
+              <a:lnSpc>
+                <a:spcPct val="90000"/>
+              </a:lnSpc>
+              <a:spcBef>
+                <a:spcPts val="500"/>
+              </a:spcBef>
+              <a:buFont typeface="Arial" panose="020B0604020202090204" pitchFamily="34" charset="0"/>
+              <a:buNone/>
+              <a:defRPr sz="1800" kern="1200">
+                <a:solidFill>
+                  <a:schemeClr val="tx1"/>
+                </a:solidFill>
+                <a:latin typeface="+mn-lt"/>
+                <a:ea typeface="+mn-ea"/>
+                <a:cs typeface="+mn-cs"/>
+              </a:defRPr>
+            </a:lvl3pPr>
+            <a:lvl4pPr marL="1371600" indent="0" algn="ctr" defTabSz="914400" rtl="0" eaLnBrk="1" latinLnBrk="0" hangingPunct="1">
+              <a:lnSpc>
+                <a:spcPct val="90000"/>
+              </a:lnSpc>
+              <a:spcBef>
+                <a:spcPts val="500"/>
+              </a:spcBef>
+              <a:buFont typeface="Arial" panose="020B0604020202090204" pitchFamily="34" charset="0"/>
+              <a:buNone/>
+              <a:defRPr sz="1600" kern="1200">
+                <a:solidFill>
+                  <a:schemeClr val="tx1"/>
+                </a:solidFill>
+                <a:latin typeface="+mn-lt"/>
+                <a:ea typeface="+mn-ea"/>
+                <a:cs typeface="+mn-cs"/>
+              </a:defRPr>
+            </a:lvl4pPr>
+            <a:lvl5pPr marL="1828800" indent="0" algn="ctr" defTabSz="914400" rtl="0" eaLnBrk="1" latinLnBrk="0" hangingPunct="1">
+              <a:lnSpc>
+                <a:spcPct val="90000"/>
+              </a:lnSpc>
+              <a:spcBef>
+                <a:spcPts val="500"/>
+              </a:spcBef>
+              <a:buFont typeface="Arial" panose="020B0604020202090204" pitchFamily="34" charset="0"/>
+              <a:buNone/>
+              <a:defRPr sz="1600" kern="1200">
+                <a:solidFill>
+                  <a:schemeClr val="tx1"/>
+                </a:solidFill>
+                <a:latin typeface="+mn-lt"/>
+                <a:ea typeface="+mn-ea"/>
+                <a:cs typeface="+mn-cs"/>
+              </a:defRPr>
+            </a:lvl5pPr>
+            <a:lvl6pPr marL="2286000" indent="0" algn="ctr" defTabSz="914400" rtl="0" eaLnBrk="1" latinLnBrk="0" hangingPunct="1">
+              <a:lnSpc>
+                <a:spcPct val="90000"/>
+              </a:lnSpc>
+              <a:spcBef>
+                <a:spcPts val="500"/>
+              </a:spcBef>
+              <a:buFont typeface="Arial" panose="020B0604020202090204" pitchFamily="34" charset="0"/>
+              <a:buNone/>
+              <a:defRPr sz="1600" kern="1200">
+                <a:solidFill>
+                  <a:schemeClr val="tx1"/>
+                </a:solidFill>
+                <a:latin typeface="+mn-lt"/>
+                <a:ea typeface="+mn-ea"/>
+                <a:cs typeface="+mn-cs"/>
+              </a:defRPr>
+            </a:lvl6pPr>
+            <a:lvl7pPr marL="2743200" indent="0" algn="ctr" defTabSz="914400" rtl="0" eaLnBrk="1" latinLnBrk="0" hangingPunct="1">
+              <a:lnSpc>
+                <a:spcPct val="90000"/>
+              </a:lnSpc>
+              <a:spcBef>
+                <a:spcPts val="500"/>
+              </a:spcBef>
+              <a:buFont typeface="Arial" panose="020B0604020202090204" pitchFamily="34" charset="0"/>
+              <a:buNone/>
+              <a:defRPr sz="1600" kern="1200">
+                <a:solidFill>
+                  <a:schemeClr val="tx1"/>
+                </a:solidFill>
+                <a:latin typeface="+mn-lt"/>
+                <a:ea typeface="+mn-ea"/>
+                <a:cs typeface="+mn-cs"/>
+              </a:defRPr>
+            </a:lvl7pPr>
+            <a:lvl8pPr marL="3200400" indent="0" algn="ctr" defTabSz="914400" rtl="0" eaLnBrk="1" latinLnBrk="0" hangingPunct="1">
+              <a:lnSpc>
+                <a:spcPct val="90000"/>
+              </a:lnSpc>
+              <a:spcBef>
+                <a:spcPts val="500"/>
+              </a:spcBef>
+              <a:buFont typeface="Arial" panose="020B0604020202090204" pitchFamily="34" charset="0"/>
+              <a:buNone/>
+              <a:defRPr sz="1600" kern="1200">
+                <a:solidFill>
+                  <a:schemeClr val="tx1"/>
+                </a:solidFill>
+                <a:latin typeface="+mn-lt"/>
+                <a:ea typeface="+mn-ea"/>
+                <a:cs typeface="+mn-cs"/>
+              </a:defRPr>
+            </a:lvl8pPr>
+            <a:lvl9pPr marL="3657600" indent="0" algn="ctr" defTabSz="914400" rtl="0" eaLnBrk="1" latinLnBrk="0" hangingPunct="1">
+              <a:lnSpc>
+                <a:spcPct val="90000"/>
+              </a:lnSpc>
+              <a:spcBef>
+                <a:spcPts val="500"/>
+              </a:spcBef>
+              <a:buFont typeface="Arial" panose="020B0604020202090204" pitchFamily="34" charset="0"/>
+              <a:buNone/>
+              <a:defRPr sz="1600" kern="1200">
+                <a:solidFill>
+                  <a:schemeClr val="tx1"/>
+                </a:solidFill>
+                <a:latin typeface="+mn-lt"/>
+                <a:ea typeface="+mn-ea"/>
+                <a:cs typeface="+mn-cs"/>
+              </a:defRPr>
+            </a:lvl9pPr>
+          </a:lstStyle>
           <a:p>
             <a:pPr algn="l"/>
             <a:r>
-              <a:rPr lang="zh-CN" altLang="en-US" sz="2300"/>
+              <a:rPr lang="zh-CN" altLang="en-US" sz="3200">
+                <a:latin typeface="微软雅黑" charset="0"/>
+                <a:ea typeface="微软雅黑" charset="0"/>
+              </a:rPr>
               <a:t>架构设计</a:t>
             </a:r>
-            <a:r>
-              <a:rPr lang="en-US" altLang="zh-CN" sz="2300"/>
-              <a:t>--</a:t>
-            </a:r>
-            <a:r>
-              <a:rPr lang="zh-CN" altLang="en-US" sz="2300"/>
-              <a:t>整体设计</a:t>
-            </a:r>
-            <a:endParaRPr lang="zh-CN" altLang="en-US" sz="2300"/>
-          </a:p>
-        </p:txBody>
-      </p:sp>
-    </p:spTree>
-  </p:cSld>
-  <p:clrMapOvr>
-    <a:masterClrMapping/>
-  </p:clrMapOvr>
-</p:sld>
-</file>
-
-<file path=ppt/slides/slide7.xml><?xml version="1.0" encoding="utf-8"?>
-<p:sld xmlns:a="http://schemas.openxmlformats.org/drawingml/2006/main" xmlns:r="http://schemas.openxmlformats.org/officeDocument/2006/relationships" xmlns:p="http://schemas.openxmlformats.org/presentationml/2006/main">
-  <p:cSld>
-    <p:spTree>
-      <p:nvGrpSpPr>
-        <p:cNvPr id="1" name=""/>
-        <p:cNvGrpSpPr/>
-        <p:nvPr/>
-      </p:nvGrpSpPr>
-      <p:grpSpPr/>
-      <p:sp>
-        <p:nvSpPr>
-          <p:cNvPr id="2" name="Subtitle 1"/>
+            <a:endParaRPr lang="zh-CN" altLang="en-US" sz="3200">
+              <a:latin typeface="微软雅黑" charset="0"/>
+              <a:ea typeface="微软雅黑" charset="0"/>
+            </a:endParaRPr>
+          </a:p>
+        </p:txBody>
+      </p:sp>
+      <p:pic>
+        <p:nvPicPr>
+          <p:cNvPr id="5" name="图片 4" descr="通用服务器"/>
+          <p:cNvPicPr>
+            <a:picLocks noChangeAspect="1"/>
+          </p:cNvPicPr>
+          <p:nvPr/>
+        </p:nvPicPr>
+        <p:blipFill>
+          <a:blip r:embed="rId1"/>
+          <a:stretch>
+            <a:fillRect/>
+          </a:stretch>
+        </p:blipFill>
+        <p:spPr>
+          <a:xfrm>
+            <a:off x="4361180" y="824230"/>
+            <a:ext cx="434901" cy="603250"/>
+          </a:xfrm>
+          <a:prstGeom prst="rect">
+            <a:avLst/>
+          </a:prstGeom>
+        </p:spPr>
+      </p:pic>
+      <p:pic>
+        <p:nvPicPr>
+          <p:cNvPr id="6" name="图片 5" descr="通用服务器"/>
+          <p:cNvPicPr>
+            <a:picLocks noChangeAspect="1"/>
+          </p:cNvPicPr>
+          <p:nvPr/>
+        </p:nvPicPr>
+        <p:blipFill>
+          <a:blip r:embed="rId1"/>
+          <a:stretch>
+            <a:fillRect/>
+          </a:stretch>
+        </p:blipFill>
+        <p:spPr>
+          <a:xfrm>
+            <a:off x="3266440" y="3253740"/>
+            <a:ext cx="434901" cy="603250"/>
+          </a:xfrm>
+          <a:prstGeom prst="rect">
+            <a:avLst/>
+          </a:prstGeom>
+        </p:spPr>
+      </p:pic>
+      <p:pic>
+        <p:nvPicPr>
+          <p:cNvPr id="8" name="图片 7" descr="通用服务器"/>
+          <p:cNvPicPr>
+            <a:picLocks noChangeAspect="1"/>
+          </p:cNvPicPr>
+          <p:nvPr/>
+        </p:nvPicPr>
+        <p:blipFill>
+          <a:blip r:embed="rId1"/>
+          <a:stretch>
+            <a:fillRect/>
+          </a:stretch>
+        </p:blipFill>
+        <p:spPr>
+          <a:xfrm>
+            <a:off x="4192905" y="3253740"/>
+            <a:ext cx="434901" cy="603250"/>
+          </a:xfrm>
+          <a:prstGeom prst="rect">
+            <a:avLst/>
+          </a:prstGeom>
+        </p:spPr>
+      </p:pic>
+      <p:pic>
+        <p:nvPicPr>
+          <p:cNvPr id="9" name="图片 8" descr="通用服务器"/>
+          <p:cNvPicPr>
+            <a:picLocks noChangeAspect="1"/>
+          </p:cNvPicPr>
+          <p:nvPr/>
+        </p:nvPicPr>
+        <p:blipFill>
+          <a:blip r:embed="rId1"/>
+          <a:stretch>
+            <a:fillRect/>
+          </a:stretch>
+        </p:blipFill>
+        <p:spPr>
+          <a:xfrm>
+            <a:off x="5119370" y="3253740"/>
+            <a:ext cx="434901" cy="603250"/>
+          </a:xfrm>
+          <a:prstGeom prst="rect">
+            <a:avLst/>
+          </a:prstGeom>
+        </p:spPr>
+      </p:pic>
+      <p:pic>
+        <p:nvPicPr>
+          <p:cNvPr id="15" name="图片 14" descr="数据库服务器"/>
+          <p:cNvPicPr>
+            <a:picLocks noChangeAspect="1"/>
+          </p:cNvPicPr>
+          <p:nvPr/>
+        </p:nvPicPr>
+        <p:blipFill>
+          <a:blip r:embed="rId2"/>
+          <a:stretch>
+            <a:fillRect/>
+          </a:stretch>
+        </p:blipFill>
+        <p:spPr>
+          <a:xfrm>
+            <a:off x="661035" y="4646930"/>
+            <a:ext cx="434975" cy="603250"/>
+          </a:xfrm>
+          <a:prstGeom prst="rect">
+            <a:avLst/>
+          </a:prstGeom>
+        </p:spPr>
+      </p:pic>
+      <p:pic>
+        <p:nvPicPr>
+          <p:cNvPr id="16" name="图片 15" descr="数据库服务器"/>
+          <p:cNvPicPr>
+            <a:picLocks noChangeAspect="1"/>
+          </p:cNvPicPr>
+          <p:nvPr/>
+        </p:nvPicPr>
+        <p:blipFill>
+          <a:blip r:embed="rId2"/>
+          <a:stretch>
+            <a:fillRect/>
+          </a:stretch>
+        </p:blipFill>
+        <p:spPr>
+          <a:xfrm>
+            <a:off x="1464310" y="4646930"/>
+            <a:ext cx="434975" cy="603250"/>
+          </a:xfrm>
+          <a:prstGeom prst="rect">
+            <a:avLst/>
+          </a:prstGeom>
+        </p:spPr>
+      </p:pic>
+      <p:pic>
+        <p:nvPicPr>
+          <p:cNvPr id="17" name="图片 16" descr="数据库服务器"/>
+          <p:cNvPicPr>
+            <a:picLocks noChangeAspect="1"/>
+          </p:cNvPicPr>
+          <p:nvPr/>
+        </p:nvPicPr>
+        <p:blipFill>
+          <a:blip r:embed="rId2"/>
+          <a:stretch>
+            <a:fillRect/>
+          </a:stretch>
+        </p:blipFill>
+        <p:spPr>
+          <a:xfrm>
+            <a:off x="2267585" y="4646930"/>
+            <a:ext cx="434975" cy="603250"/>
+          </a:xfrm>
+          <a:prstGeom prst="rect">
+            <a:avLst/>
+          </a:prstGeom>
+        </p:spPr>
+      </p:pic>
+      <p:pic>
+        <p:nvPicPr>
+          <p:cNvPr id="18" name="图片 17" descr="数据库服务器"/>
+          <p:cNvPicPr>
+            <a:picLocks noChangeAspect="1"/>
+          </p:cNvPicPr>
+          <p:nvPr/>
+        </p:nvPicPr>
+        <p:blipFill>
+          <a:blip r:embed="rId2"/>
+          <a:stretch>
+            <a:fillRect/>
+          </a:stretch>
+        </p:blipFill>
+        <p:spPr>
+          <a:xfrm>
+            <a:off x="3244850" y="4646930"/>
+            <a:ext cx="434975" cy="603250"/>
+          </a:xfrm>
+          <a:prstGeom prst="rect">
+            <a:avLst/>
+          </a:prstGeom>
+        </p:spPr>
+      </p:pic>
+      <p:pic>
+        <p:nvPicPr>
+          <p:cNvPr id="19" name="图片 18" descr="数据库服务器"/>
+          <p:cNvPicPr>
+            <a:picLocks noChangeAspect="1"/>
+          </p:cNvPicPr>
+          <p:nvPr/>
+        </p:nvPicPr>
+        <p:blipFill>
+          <a:blip r:embed="rId2"/>
+          <a:stretch>
+            <a:fillRect/>
+          </a:stretch>
+        </p:blipFill>
+        <p:spPr>
+          <a:xfrm>
+            <a:off x="4048125" y="4646930"/>
+            <a:ext cx="434975" cy="603250"/>
+          </a:xfrm>
+          <a:prstGeom prst="rect">
+            <a:avLst/>
+          </a:prstGeom>
+        </p:spPr>
+      </p:pic>
+      <p:pic>
+        <p:nvPicPr>
+          <p:cNvPr id="20" name="图片 19" descr="数据库服务器"/>
+          <p:cNvPicPr>
+            <a:picLocks noChangeAspect="1"/>
+          </p:cNvPicPr>
+          <p:nvPr/>
+        </p:nvPicPr>
+        <p:blipFill>
+          <a:blip r:embed="rId2"/>
+          <a:stretch>
+            <a:fillRect/>
+          </a:stretch>
+        </p:blipFill>
+        <p:spPr>
+          <a:xfrm>
+            <a:off x="4851400" y="4646930"/>
+            <a:ext cx="434975" cy="603250"/>
+          </a:xfrm>
+          <a:prstGeom prst="rect">
+            <a:avLst/>
+          </a:prstGeom>
+        </p:spPr>
+      </p:pic>
+      <p:pic>
+        <p:nvPicPr>
+          <p:cNvPr id="21" name="图片 20" descr="内容管理服务器"/>
+          <p:cNvPicPr>
+            <a:picLocks noChangeAspect="1"/>
+          </p:cNvPicPr>
+          <p:nvPr/>
+        </p:nvPicPr>
+        <p:blipFill>
+          <a:blip r:embed="rId3"/>
+          <a:stretch>
+            <a:fillRect/>
+          </a:stretch>
+        </p:blipFill>
+        <p:spPr>
+          <a:xfrm>
+            <a:off x="7811770" y="2016125"/>
+            <a:ext cx="434975" cy="603250"/>
+          </a:xfrm>
+          <a:prstGeom prst="rect">
+            <a:avLst/>
+          </a:prstGeom>
+        </p:spPr>
+      </p:pic>
+      <p:pic>
+        <p:nvPicPr>
+          <p:cNvPr id="22" name="图片 21" descr="内容管理服务器"/>
+          <p:cNvPicPr>
+            <a:picLocks noChangeAspect="1"/>
+          </p:cNvPicPr>
+          <p:nvPr/>
+        </p:nvPicPr>
+        <p:blipFill>
+          <a:blip r:embed="rId3"/>
+          <a:stretch>
+            <a:fillRect/>
+          </a:stretch>
+        </p:blipFill>
+        <p:spPr>
+          <a:xfrm>
+            <a:off x="8533130" y="2016125"/>
+            <a:ext cx="434975" cy="603250"/>
+          </a:xfrm>
+          <a:prstGeom prst="rect">
+            <a:avLst/>
+          </a:prstGeom>
+        </p:spPr>
+      </p:pic>
+      <p:pic>
+        <p:nvPicPr>
+          <p:cNvPr id="23" name="图片 22" descr="内容管理服务器"/>
+          <p:cNvPicPr>
+            <a:picLocks noChangeAspect="1"/>
+          </p:cNvPicPr>
+          <p:nvPr/>
+        </p:nvPicPr>
+        <p:blipFill>
+          <a:blip r:embed="rId3"/>
+          <a:stretch>
+            <a:fillRect/>
+          </a:stretch>
+        </p:blipFill>
+        <p:spPr>
+          <a:xfrm>
+            <a:off x="9254490" y="2016125"/>
+            <a:ext cx="434975" cy="603250"/>
+          </a:xfrm>
+          <a:prstGeom prst="rect">
+            <a:avLst/>
+          </a:prstGeom>
+        </p:spPr>
+      </p:pic>
+      <p:pic>
+        <p:nvPicPr>
+          <p:cNvPr id="24" name="图片 23" descr="通用服务器"/>
+          <p:cNvPicPr>
+            <a:picLocks noChangeAspect="1"/>
+          </p:cNvPicPr>
+          <p:nvPr/>
+        </p:nvPicPr>
+        <p:blipFill>
+          <a:blip r:embed="rId1"/>
+          <a:stretch>
+            <a:fillRect/>
+          </a:stretch>
+        </p:blipFill>
+        <p:spPr>
+          <a:xfrm>
+            <a:off x="3773170" y="1922780"/>
+            <a:ext cx="434901" cy="603250"/>
+          </a:xfrm>
+          <a:prstGeom prst="rect">
+            <a:avLst/>
+          </a:prstGeom>
+        </p:spPr>
+      </p:pic>
+      <p:pic>
+        <p:nvPicPr>
+          <p:cNvPr id="25" name="图片 24" descr="通用服务器"/>
+          <p:cNvPicPr>
+            <a:picLocks noChangeAspect="1"/>
+          </p:cNvPicPr>
+          <p:nvPr/>
+        </p:nvPicPr>
+        <p:blipFill>
+          <a:blip r:embed="rId1"/>
+          <a:stretch>
+            <a:fillRect/>
+          </a:stretch>
+        </p:blipFill>
+        <p:spPr>
+          <a:xfrm>
+            <a:off x="4668520" y="1922780"/>
+            <a:ext cx="434901" cy="603250"/>
+          </a:xfrm>
+          <a:prstGeom prst="rect">
+            <a:avLst/>
+          </a:prstGeom>
+        </p:spPr>
+      </p:pic>
+      <p:sp>
+        <p:nvSpPr>
+          <p:cNvPr id="26" name="矩形 25"/>
           <p:cNvSpPr/>
-          <p:nvPr>
-            <p:ph type="subTitle" idx="1"/>
-          </p:nvPr>
-        </p:nvSpPr>
-        <p:spPr>
-          <a:xfrm>
-            <a:off x="608330" y="372110"/>
-            <a:ext cx="9144000" cy="360045"/>
-          </a:xfrm>
-        </p:spPr>
-        <p:txBody>
-          <a:bodyPr>
+          <p:nvPr/>
+        </p:nvSpPr>
+        <p:spPr>
+          <a:xfrm>
+            <a:off x="3313430" y="1750060"/>
+            <a:ext cx="2254250" cy="875665"/>
+          </a:xfrm>
+          <a:prstGeom prst="rect">
+            <a:avLst/>
+          </a:prstGeom>
+          <a:noFill/>
+          <a:ln w="19050" cmpd="sng">
+            <a:solidFill>
+              <a:schemeClr val="accent6">
+                <a:lumMod val="60000"/>
+                <a:lumOff val="40000"/>
+              </a:schemeClr>
+            </a:solidFill>
+            <a:prstDash val="dashDot"/>
+          </a:ln>
+        </p:spPr>
+        <p:style>
+          <a:lnRef idx="2">
+            <a:schemeClr val="accent1">
+              <a:shade val="50000"/>
+            </a:schemeClr>
+          </a:lnRef>
+          <a:fillRef idx="1">
+            <a:schemeClr val="accent1"/>
+          </a:fillRef>
+          <a:effectRef idx="0">
+            <a:schemeClr val="accent1"/>
+          </a:effectRef>
+          <a:fontRef idx="minor">
+            <a:schemeClr val="lt1"/>
+          </a:fontRef>
+        </p:style>
+        <p:txBody>
+          <a:bodyPr rtlCol="0" anchor="ctr"/>
+          <a:p>
+            <a:pPr algn="ctr"/>
+            <a:endParaRPr lang="zh-CN" altLang="en-US"/>
+          </a:p>
+        </p:txBody>
+      </p:sp>
+      <p:sp>
+        <p:nvSpPr>
+          <p:cNvPr id="27" name="矩形 26"/>
+          <p:cNvSpPr/>
+          <p:nvPr/>
+        </p:nvSpPr>
+        <p:spPr>
+          <a:xfrm>
+            <a:off x="3159125" y="3075305"/>
+            <a:ext cx="2563495" cy="876300"/>
+          </a:xfrm>
+          <a:prstGeom prst="rect">
+            <a:avLst/>
+          </a:prstGeom>
+          <a:noFill/>
+          <a:ln w="19050" cmpd="sng">
+            <a:solidFill>
+              <a:schemeClr val="accent6">
+                <a:lumMod val="60000"/>
+                <a:lumOff val="40000"/>
+              </a:schemeClr>
+            </a:solidFill>
+            <a:prstDash val="dashDot"/>
+          </a:ln>
+        </p:spPr>
+        <p:style>
+          <a:lnRef idx="2">
+            <a:schemeClr val="accent1">
+              <a:shade val="50000"/>
+            </a:schemeClr>
+          </a:lnRef>
+          <a:fillRef idx="1">
+            <a:schemeClr val="accent1"/>
+          </a:fillRef>
+          <a:effectRef idx="0">
+            <a:schemeClr val="accent1"/>
+          </a:effectRef>
+          <a:fontRef idx="minor">
+            <a:schemeClr val="lt1"/>
+          </a:fontRef>
+        </p:style>
+        <p:txBody>
+          <a:bodyPr rtlCol="0" anchor="ctr"/>
+          <a:p>
+            <a:pPr algn="ctr"/>
+            <a:endParaRPr lang="zh-CN" altLang="en-US"/>
+          </a:p>
+        </p:txBody>
+      </p:sp>
+      <p:sp>
+        <p:nvSpPr>
+          <p:cNvPr id="28" name="矩形 27"/>
+          <p:cNvSpPr/>
+          <p:nvPr/>
+        </p:nvSpPr>
+        <p:spPr>
+          <a:xfrm>
+            <a:off x="313055" y="4466590"/>
+            <a:ext cx="2563495" cy="876935"/>
+          </a:xfrm>
+          <a:prstGeom prst="rect">
+            <a:avLst/>
+          </a:prstGeom>
+          <a:noFill/>
+          <a:ln w="19050" cmpd="sng">
+            <a:solidFill>
+              <a:schemeClr val="accent6">
+                <a:lumMod val="60000"/>
+                <a:lumOff val="40000"/>
+              </a:schemeClr>
+            </a:solidFill>
+            <a:prstDash val="dashDot"/>
+          </a:ln>
+        </p:spPr>
+        <p:style>
+          <a:lnRef idx="2">
+            <a:schemeClr val="accent1">
+              <a:shade val="50000"/>
+            </a:schemeClr>
+          </a:lnRef>
+          <a:fillRef idx="1">
+            <a:schemeClr val="accent1"/>
+          </a:fillRef>
+          <a:effectRef idx="0">
+            <a:schemeClr val="accent1"/>
+          </a:effectRef>
+          <a:fontRef idx="minor">
+            <a:schemeClr val="lt1"/>
+          </a:fontRef>
+        </p:style>
+        <p:txBody>
+          <a:bodyPr rtlCol="0" anchor="ctr"/>
+          <a:p>
+            <a:pPr algn="ctr"/>
+            <a:endParaRPr lang="zh-CN" altLang="en-US"/>
+          </a:p>
+        </p:txBody>
+      </p:sp>
+      <p:sp>
+        <p:nvSpPr>
+          <p:cNvPr id="29" name="矩形 28"/>
+          <p:cNvSpPr/>
+          <p:nvPr/>
+        </p:nvSpPr>
+        <p:spPr>
+          <a:xfrm>
+            <a:off x="3034665" y="4467225"/>
+            <a:ext cx="2563495" cy="876300"/>
+          </a:xfrm>
+          <a:prstGeom prst="rect">
+            <a:avLst/>
+          </a:prstGeom>
+          <a:noFill/>
+          <a:ln w="19050" cmpd="sng">
+            <a:solidFill>
+              <a:schemeClr val="accent6">
+                <a:lumMod val="60000"/>
+                <a:lumOff val="40000"/>
+              </a:schemeClr>
+            </a:solidFill>
+            <a:prstDash val="dashDot"/>
+          </a:ln>
+        </p:spPr>
+        <p:style>
+          <a:lnRef idx="2">
+            <a:schemeClr val="accent1">
+              <a:shade val="50000"/>
+            </a:schemeClr>
+          </a:lnRef>
+          <a:fillRef idx="1">
+            <a:schemeClr val="accent1"/>
+          </a:fillRef>
+          <a:effectRef idx="0">
+            <a:schemeClr val="accent1"/>
+          </a:effectRef>
+          <a:fontRef idx="minor">
+            <a:schemeClr val="lt1"/>
+          </a:fontRef>
+        </p:style>
+        <p:txBody>
+          <a:bodyPr rtlCol="0" anchor="ctr"/>
+          <a:p>
+            <a:pPr algn="ctr"/>
+            <a:endParaRPr lang="zh-CN" altLang="en-US"/>
+          </a:p>
+        </p:txBody>
+      </p:sp>
+      <p:sp>
+        <p:nvSpPr>
+          <p:cNvPr id="31" name="矩形 30"/>
+          <p:cNvSpPr/>
+          <p:nvPr/>
+        </p:nvSpPr>
+        <p:spPr>
+          <a:xfrm>
+            <a:off x="7407910" y="1922780"/>
+            <a:ext cx="2624455" cy="789940"/>
+          </a:xfrm>
+          <a:prstGeom prst="rect">
+            <a:avLst/>
+          </a:prstGeom>
+          <a:noFill/>
+          <a:ln w="19050" cmpd="sng">
+            <a:solidFill>
+              <a:schemeClr val="accent6">
+                <a:lumMod val="60000"/>
+                <a:lumOff val="40000"/>
+              </a:schemeClr>
+            </a:solidFill>
+            <a:prstDash val="dashDot"/>
+          </a:ln>
+        </p:spPr>
+        <p:style>
+          <a:lnRef idx="2">
+            <a:schemeClr val="accent1">
+              <a:shade val="50000"/>
+            </a:schemeClr>
+          </a:lnRef>
+          <a:fillRef idx="1">
+            <a:schemeClr val="accent1"/>
+          </a:fillRef>
+          <a:effectRef idx="0">
+            <a:schemeClr val="accent1"/>
+          </a:effectRef>
+          <a:fontRef idx="minor">
+            <a:schemeClr val="lt1"/>
+          </a:fontRef>
+        </p:style>
+        <p:txBody>
+          <a:bodyPr rtlCol="0" anchor="ctr"/>
+          <a:p>
+            <a:pPr algn="ctr"/>
+            <a:endParaRPr lang="zh-CN" altLang="en-US"/>
+          </a:p>
+        </p:txBody>
+      </p:sp>
+      <p:sp>
+        <p:nvSpPr>
+          <p:cNvPr id="32" name="文本框 31"/>
+          <p:cNvSpPr txBox="1"/>
+          <p:nvPr/>
+        </p:nvSpPr>
+        <p:spPr>
+          <a:xfrm>
+            <a:off x="4851400" y="850900"/>
+            <a:ext cx="1355090" cy="275590"/>
+          </a:xfrm>
+          <a:prstGeom prst="rect">
+            <a:avLst/>
+          </a:prstGeom>
+          <a:noFill/>
+        </p:spPr>
+        <p:txBody>
+          <a:bodyPr wrap="square" rtlCol="0">
+            <a:spAutoFit/>
+          </a:bodyPr>
+          <a:p>
+            <a:r>
+              <a:rPr lang="zh-CN" altLang="en-US" sz="1200">
+                <a:latin typeface="微软雅黑" charset="0"/>
+                <a:ea typeface="微软雅黑" charset="0"/>
+              </a:rPr>
+              <a:t>微信客户端</a:t>
+            </a:r>
+            <a:endParaRPr lang="zh-CN" altLang="en-US" sz="1200">
+              <a:latin typeface="微软雅黑" charset="0"/>
+              <a:ea typeface="微软雅黑" charset="0"/>
+            </a:endParaRPr>
+          </a:p>
+        </p:txBody>
+      </p:sp>
+      <p:sp>
+        <p:nvSpPr>
+          <p:cNvPr id="33" name="文本框 32"/>
+          <p:cNvSpPr txBox="1"/>
+          <p:nvPr/>
+        </p:nvSpPr>
+        <p:spPr>
+          <a:xfrm>
+            <a:off x="3313430" y="1758950"/>
+            <a:ext cx="1355090" cy="275590"/>
+          </a:xfrm>
+          <a:prstGeom prst="rect">
+            <a:avLst/>
+          </a:prstGeom>
+          <a:noFill/>
+        </p:spPr>
+        <p:txBody>
+          <a:bodyPr wrap="square" rtlCol="0">
+            <a:spAutoFit/>
+          </a:bodyPr>
+          <a:p>
+            <a:r>
+              <a:rPr lang="zh-CN" altLang="en-US" sz="1200">
+                <a:latin typeface="微软雅黑" charset="0"/>
+                <a:ea typeface="微软雅黑" charset="0"/>
+              </a:rPr>
+              <a:t>负载均衡器</a:t>
+            </a:r>
+            <a:endParaRPr lang="zh-CN" altLang="en-US" sz="1200">
+              <a:latin typeface="微软雅黑" charset="0"/>
+              <a:ea typeface="微软雅黑" charset="0"/>
+            </a:endParaRPr>
+          </a:p>
+        </p:txBody>
+      </p:sp>
+      <p:sp>
+        <p:nvSpPr>
+          <p:cNvPr id="34" name="文本框 33"/>
+          <p:cNvSpPr txBox="1"/>
+          <p:nvPr/>
+        </p:nvSpPr>
+        <p:spPr>
+          <a:xfrm>
+            <a:off x="3143250" y="3041015"/>
+            <a:ext cx="1355090" cy="275590"/>
+          </a:xfrm>
+          <a:prstGeom prst="rect">
+            <a:avLst/>
+          </a:prstGeom>
+          <a:noFill/>
+        </p:spPr>
+        <p:txBody>
+          <a:bodyPr wrap="square" rtlCol="0">
+            <a:spAutoFit/>
+          </a:bodyPr>
+          <a:p>
+            <a:r>
+              <a:rPr lang="zh-CN" altLang="en-US" sz="1200">
+                <a:latin typeface="微软雅黑" charset="0"/>
+                <a:ea typeface="微软雅黑" charset="0"/>
+              </a:rPr>
+              <a:t>接入服务器</a:t>
+            </a:r>
+            <a:endParaRPr lang="zh-CN" altLang="en-US" sz="1200">
+              <a:latin typeface="微软雅黑" charset="0"/>
+              <a:ea typeface="微软雅黑" charset="0"/>
+            </a:endParaRPr>
+          </a:p>
+        </p:txBody>
+      </p:sp>
+      <p:sp>
+        <p:nvSpPr>
+          <p:cNvPr id="35" name="文本框 34"/>
+          <p:cNvSpPr txBox="1"/>
+          <p:nvPr/>
+        </p:nvSpPr>
+        <p:spPr>
+          <a:xfrm>
+            <a:off x="7407910" y="1922780"/>
+            <a:ext cx="1355090" cy="275590"/>
+          </a:xfrm>
+          <a:prstGeom prst="rect">
+            <a:avLst/>
+          </a:prstGeom>
+          <a:noFill/>
+        </p:spPr>
+        <p:txBody>
+          <a:bodyPr wrap="square" rtlCol="0">
+            <a:spAutoFit/>
+          </a:bodyPr>
+          <a:p>
+            <a:r>
+              <a:rPr lang="en-US" altLang="zh-CN" sz="1200">
+                <a:latin typeface="微软雅黑" charset="0"/>
+                <a:ea typeface="微软雅黑" charset="0"/>
+              </a:rPr>
+              <a:t>CDN</a:t>
+            </a:r>
+            <a:endParaRPr lang="en-US" altLang="zh-CN" sz="1200">
+              <a:latin typeface="微软雅黑" charset="0"/>
+              <a:ea typeface="微软雅黑" charset="0"/>
+            </a:endParaRPr>
+          </a:p>
+        </p:txBody>
+      </p:sp>
+      <p:sp>
+        <p:nvSpPr>
+          <p:cNvPr id="36" name="文本框 35"/>
+          <p:cNvSpPr txBox="1"/>
+          <p:nvPr/>
+        </p:nvSpPr>
+        <p:spPr>
+          <a:xfrm>
+            <a:off x="320040" y="4466590"/>
+            <a:ext cx="1355090" cy="275590"/>
+          </a:xfrm>
+          <a:prstGeom prst="rect">
+            <a:avLst/>
+          </a:prstGeom>
+          <a:noFill/>
+        </p:spPr>
+        <p:txBody>
+          <a:bodyPr wrap="square" rtlCol="0">
+            <a:spAutoFit/>
+          </a:bodyPr>
+          <a:p>
+            <a:r>
+              <a:rPr lang="zh-CN" altLang="en-US" sz="1200">
+                <a:latin typeface="微软雅黑" charset="0"/>
+                <a:ea typeface="微软雅黑" charset="0"/>
+              </a:rPr>
+              <a:t>发表数据库</a:t>
+            </a:r>
+            <a:endParaRPr lang="zh-CN" altLang="en-US" sz="1200">
+              <a:latin typeface="微软雅黑" charset="0"/>
+              <a:ea typeface="微软雅黑" charset="0"/>
+            </a:endParaRPr>
+          </a:p>
+        </p:txBody>
+      </p:sp>
+      <p:sp>
+        <p:nvSpPr>
+          <p:cNvPr id="37" name="文本框 36"/>
+          <p:cNvSpPr txBox="1"/>
+          <p:nvPr/>
+        </p:nvSpPr>
+        <p:spPr>
+          <a:xfrm>
+            <a:off x="3013075" y="4467225"/>
+            <a:ext cx="1355090" cy="275590"/>
+          </a:xfrm>
+          <a:prstGeom prst="rect">
+            <a:avLst/>
+          </a:prstGeom>
+          <a:noFill/>
+        </p:spPr>
+        <p:txBody>
+          <a:bodyPr wrap="square" rtlCol="0">
+            <a:spAutoFit/>
+          </a:bodyPr>
+          <a:p>
+            <a:r>
+              <a:rPr lang="zh-CN" altLang="en-US" sz="1200">
+                <a:latin typeface="微软雅黑" charset="0"/>
+                <a:ea typeface="微软雅黑" charset="0"/>
+              </a:rPr>
+              <a:t>评论点赞数据库</a:t>
+            </a:r>
+            <a:endParaRPr lang="zh-CN" altLang="en-US" sz="1200">
+              <a:latin typeface="微软雅黑" charset="0"/>
+              <a:ea typeface="微软雅黑" charset="0"/>
+            </a:endParaRPr>
+          </a:p>
+        </p:txBody>
+      </p:sp>
+      <p:pic>
+        <p:nvPicPr>
+          <p:cNvPr id="39" name="图片 38" descr="通用服务器"/>
+          <p:cNvPicPr>
+            <a:picLocks noChangeAspect="1"/>
+          </p:cNvPicPr>
+          <p:nvPr/>
+        </p:nvPicPr>
+        <p:blipFill>
+          <a:blip r:embed="rId1"/>
+          <a:stretch>
+            <a:fillRect/>
+          </a:stretch>
+        </p:blipFill>
+        <p:spPr>
+          <a:xfrm>
+            <a:off x="8908415" y="4646295"/>
+            <a:ext cx="434901" cy="603250"/>
+          </a:xfrm>
+          <a:prstGeom prst="rect">
+            <a:avLst/>
+          </a:prstGeom>
+        </p:spPr>
+      </p:pic>
+      <p:pic>
+        <p:nvPicPr>
+          <p:cNvPr id="40" name="图片 39" descr="通用服务器"/>
+          <p:cNvPicPr>
+            <a:picLocks noChangeAspect="1"/>
+          </p:cNvPicPr>
+          <p:nvPr/>
+        </p:nvPicPr>
+        <p:blipFill>
+          <a:blip r:embed="rId1"/>
+          <a:stretch>
+            <a:fillRect/>
+          </a:stretch>
+        </p:blipFill>
+        <p:spPr>
+          <a:xfrm>
+            <a:off x="9650730" y="4646295"/>
+            <a:ext cx="434901" cy="603250"/>
+          </a:xfrm>
+          <a:prstGeom prst="rect">
+            <a:avLst/>
+          </a:prstGeom>
+        </p:spPr>
+      </p:pic>
+      <p:pic>
+        <p:nvPicPr>
+          <p:cNvPr id="41" name="图片 40" descr="通用服务器"/>
+          <p:cNvPicPr>
+            <a:picLocks noChangeAspect="1"/>
+          </p:cNvPicPr>
+          <p:nvPr/>
+        </p:nvPicPr>
+        <p:blipFill>
+          <a:blip r:embed="rId1"/>
+          <a:stretch>
+            <a:fillRect/>
+          </a:stretch>
+        </p:blipFill>
+        <p:spPr>
+          <a:xfrm>
+            <a:off x="10393045" y="4646295"/>
+            <a:ext cx="434901" cy="603250"/>
+          </a:xfrm>
+          <a:prstGeom prst="rect">
+            <a:avLst/>
+          </a:prstGeom>
+        </p:spPr>
+      </p:pic>
+      <p:sp>
+        <p:nvSpPr>
+          <p:cNvPr id="42" name="矩形 41"/>
+          <p:cNvSpPr/>
+          <p:nvPr/>
+        </p:nvSpPr>
+        <p:spPr>
+          <a:xfrm>
+            <a:off x="8592820" y="4466590"/>
+            <a:ext cx="2563495" cy="876300"/>
+          </a:xfrm>
+          <a:prstGeom prst="rect">
+            <a:avLst/>
+          </a:prstGeom>
+          <a:noFill/>
+          <a:ln w="19050" cmpd="sng">
+            <a:solidFill>
+              <a:schemeClr val="accent6">
+                <a:lumMod val="60000"/>
+                <a:lumOff val="40000"/>
+              </a:schemeClr>
+            </a:solidFill>
+            <a:prstDash val="dashDot"/>
+          </a:ln>
+        </p:spPr>
+        <p:style>
+          <a:lnRef idx="2">
+            <a:schemeClr val="accent1">
+              <a:shade val="50000"/>
+            </a:schemeClr>
+          </a:lnRef>
+          <a:fillRef idx="1">
+            <a:schemeClr val="accent1"/>
+          </a:fillRef>
+          <a:effectRef idx="0">
+            <a:schemeClr val="accent1"/>
+          </a:effectRef>
+          <a:fontRef idx="minor">
+            <a:schemeClr val="lt1"/>
+          </a:fontRef>
+        </p:style>
+        <p:txBody>
+          <a:bodyPr rtlCol="0" anchor="ctr"/>
+          <a:p>
+            <a:pPr algn="ctr"/>
+            <a:endParaRPr lang="zh-CN" altLang="en-US"/>
+          </a:p>
+        </p:txBody>
+      </p:sp>
+      <p:sp>
+        <p:nvSpPr>
+          <p:cNvPr id="43" name="文本框 42"/>
+          <p:cNvSpPr txBox="1"/>
+          <p:nvPr/>
+        </p:nvSpPr>
+        <p:spPr>
+          <a:xfrm>
+            <a:off x="8592185" y="4466590"/>
+            <a:ext cx="1355090" cy="275590"/>
+          </a:xfrm>
+          <a:prstGeom prst="rect">
+            <a:avLst/>
+          </a:prstGeom>
+          <a:noFill/>
+        </p:spPr>
+        <p:txBody>
+          <a:bodyPr wrap="square" rtlCol="0">
+            <a:spAutoFit/>
+          </a:bodyPr>
+          <a:p>
+            <a:r>
+              <a:rPr lang="zh-CN" altLang="en-US" sz="1200">
+                <a:latin typeface="微软雅黑" charset="0"/>
+                <a:ea typeface="微软雅黑" charset="0"/>
+              </a:rPr>
+              <a:t>缓存</a:t>
+            </a:r>
+            <a:endParaRPr lang="zh-CN" altLang="en-US" sz="1200">
+              <a:latin typeface="微软雅黑" charset="0"/>
+              <a:ea typeface="微软雅黑" charset="0"/>
+            </a:endParaRPr>
+          </a:p>
+        </p:txBody>
+      </p:sp>
+      <p:pic>
+        <p:nvPicPr>
+          <p:cNvPr id="44" name="图片 43" descr="数据库服务器"/>
+          <p:cNvPicPr>
+            <a:picLocks noChangeAspect="1"/>
+          </p:cNvPicPr>
+          <p:nvPr/>
+        </p:nvPicPr>
+        <p:blipFill>
+          <a:blip r:embed="rId2"/>
+          <a:stretch>
+            <a:fillRect/>
+          </a:stretch>
+        </p:blipFill>
+        <p:spPr>
+          <a:xfrm>
+            <a:off x="6023610" y="4646930"/>
+            <a:ext cx="434975" cy="603250"/>
+          </a:xfrm>
+          <a:prstGeom prst="rect">
+            <a:avLst/>
+          </a:prstGeom>
+        </p:spPr>
+      </p:pic>
+      <p:pic>
+        <p:nvPicPr>
+          <p:cNvPr id="45" name="图片 44" descr="数据库服务器"/>
+          <p:cNvPicPr>
+            <a:picLocks noChangeAspect="1"/>
+          </p:cNvPicPr>
+          <p:nvPr/>
+        </p:nvPicPr>
+        <p:blipFill>
+          <a:blip r:embed="rId2"/>
+          <a:stretch>
+            <a:fillRect/>
+          </a:stretch>
+        </p:blipFill>
+        <p:spPr>
+          <a:xfrm>
+            <a:off x="6826885" y="4646930"/>
+            <a:ext cx="434975" cy="603250"/>
+          </a:xfrm>
+          <a:prstGeom prst="rect">
+            <a:avLst/>
+          </a:prstGeom>
+        </p:spPr>
+      </p:pic>
+      <p:pic>
+        <p:nvPicPr>
+          <p:cNvPr id="46" name="图片 45" descr="数据库服务器"/>
+          <p:cNvPicPr>
+            <a:picLocks noChangeAspect="1"/>
+          </p:cNvPicPr>
+          <p:nvPr/>
+        </p:nvPicPr>
+        <p:blipFill>
+          <a:blip r:embed="rId2"/>
+          <a:stretch>
+            <a:fillRect/>
+          </a:stretch>
+        </p:blipFill>
+        <p:spPr>
+          <a:xfrm>
+            <a:off x="7630160" y="4646930"/>
+            <a:ext cx="434975" cy="603250"/>
+          </a:xfrm>
+          <a:prstGeom prst="rect">
+            <a:avLst/>
+          </a:prstGeom>
+        </p:spPr>
+      </p:pic>
+      <p:sp>
+        <p:nvSpPr>
+          <p:cNvPr id="47" name="矩形 46"/>
+          <p:cNvSpPr/>
+          <p:nvPr/>
+        </p:nvSpPr>
+        <p:spPr>
+          <a:xfrm>
+            <a:off x="5813425" y="4467225"/>
+            <a:ext cx="2563495" cy="876300"/>
+          </a:xfrm>
+          <a:prstGeom prst="rect">
+            <a:avLst/>
+          </a:prstGeom>
+          <a:noFill/>
+          <a:ln w="19050" cmpd="sng">
+            <a:solidFill>
+              <a:schemeClr val="accent6">
+                <a:lumMod val="60000"/>
+                <a:lumOff val="40000"/>
+              </a:schemeClr>
+            </a:solidFill>
+            <a:prstDash val="dashDot"/>
+          </a:ln>
+        </p:spPr>
+        <p:style>
+          <a:lnRef idx="2">
+            <a:schemeClr val="accent1">
+              <a:shade val="50000"/>
+            </a:schemeClr>
+          </a:lnRef>
+          <a:fillRef idx="1">
+            <a:schemeClr val="accent1"/>
+          </a:fillRef>
+          <a:effectRef idx="0">
+            <a:schemeClr val="accent1"/>
+          </a:effectRef>
+          <a:fontRef idx="minor">
+            <a:schemeClr val="lt1"/>
+          </a:fontRef>
+        </p:style>
+        <p:txBody>
+          <a:bodyPr rtlCol="0" anchor="ctr"/>
+          <a:p>
+            <a:pPr algn="ctr"/>
+            <a:endParaRPr lang="zh-CN" altLang="en-US"/>
+          </a:p>
+        </p:txBody>
+      </p:sp>
+      <p:sp>
+        <p:nvSpPr>
+          <p:cNvPr id="48" name="文本框 47"/>
+          <p:cNvSpPr txBox="1"/>
+          <p:nvPr/>
+        </p:nvSpPr>
+        <p:spPr>
+          <a:xfrm>
+            <a:off x="5791835" y="4467225"/>
+            <a:ext cx="1355090" cy="275590"/>
+          </a:xfrm>
+          <a:prstGeom prst="rect">
+            <a:avLst/>
+          </a:prstGeom>
+          <a:noFill/>
+        </p:spPr>
+        <p:txBody>
+          <a:bodyPr wrap="square" rtlCol="0">
+            <a:spAutoFit/>
+          </a:bodyPr>
+          <a:p>
+            <a:r>
+              <a:rPr lang="zh-CN" altLang="en-US" sz="1200">
+                <a:latin typeface="微软雅黑" charset="0"/>
+                <a:ea typeface="微软雅黑" charset="0"/>
+              </a:rPr>
+              <a:t>相册数据库</a:t>
+            </a:r>
+            <a:endParaRPr lang="zh-CN" altLang="en-US" sz="1200">
+              <a:latin typeface="微软雅黑" charset="0"/>
+              <a:ea typeface="微软雅黑" charset="0"/>
+            </a:endParaRPr>
+          </a:p>
+        </p:txBody>
+      </p:sp>
+      <p:cxnSp>
+        <p:nvCxnSpPr>
+          <p:cNvPr id="49" name="直接箭头连接符 48"/>
+          <p:cNvCxnSpPr>
+            <a:stCxn id="5" idx="2"/>
+          </p:cNvCxnSpPr>
+          <p:nvPr/>
+        </p:nvCxnSpPr>
+        <p:spPr>
+          <a:xfrm>
+            <a:off x="4578985" y="1427480"/>
+            <a:ext cx="0" cy="299720"/>
+          </a:xfrm>
+          <a:prstGeom prst="straightConnector1">
+            <a:avLst/>
+          </a:prstGeom>
+          <a:ln>
+            <a:tailEnd type="arrow"/>
+          </a:ln>
+        </p:spPr>
+        <p:style>
+          <a:lnRef idx="1">
+            <a:schemeClr val="accent1"/>
+          </a:lnRef>
+          <a:fillRef idx="0">
+            <a:schemeClr val="accent1"/>
+          </a:fillRef>
+          <a:effectRef idx="0">
+            <a:schemeClr val="accent1"/>
+          </a:effectRef>
+          <a:fontRef idx="minor">
+            <a:schemeClr val="tx1"/>
+          </a:fontRef>
+        </p:style>
+      </p:cxnSp>
+      <p:cxnSp>
+        <p:nvCxnSpPr>
+          <p:cNvPr id="50" name="直接箭头连接符 49"/>
+          <p:cNvCxnSpPr>
+            <a:stCxn id="26" idx="2"/>
+            <a:endCxn id="27" idx="0"/>
+          </p:cNvCxnSpPr>
+          <p:nvPr/>
+        </p:nvCxnSpPr>
+        <p:spPr>
+          <a:xfrm>
+            <a:off x="4440555" y="2625725"/>
+            <a:ext cx="635" cy="449580"/>
+          </a:xfrm>
+          <a:prstGeom prst="straightConnector1">
+            <a:avLst/>
+          </a:prstGeom>
+          <a:ln>
+            <a:tailEnd type="arrow"/>
+          </a:ln>
+        </p:spPr>
+        <p:style>
+          <a:lnRef idx="1">
+            <a:schemeClr val="accent1"/>
+          </a:lnRef>
+          <a:fillRef idx="0">
+            <a:schemeClr val="accent1"/>
+          </a:fillRef>
+          <a:effectRef idx="0">
+            <a:schemeClr val="accent1"/>
+          </a:effectRef>
+          <a:fontRef idx="minor">
+            <a:schemeClr val="tx1"/>
+          </a:fontRef>
+        </p:style>
+      </p:cxnSp>
+      <p:cxnSp>
+        <p:nvCxnSpPr>
+          <p:cNvPr id="52" name="直接箭头连接符 51"/>
+          <p:cNvCxnSpPr>
+            <a:stCxn id="27" idx="2"/>
+          </p:cNvCxnSpPr>
+          <p:nvPr/>
+        </p:nvCxnSpPr>
+        <p:spPr>
+          <a:xfrm>
+            <a:off x="4441190" y="3951605"/>
+            <a:ext cx="0" cy="501650"/>
+          </a:xfrm>
+          <a:prstGeom prst="straightConnector1">
+            <a:avLst/>
+          </a:prstGeom>
+          <a:ln>
+            <a:tailEnd type="arrow"/>
+          </a:ln>
+        </p:spPr>
+        <p:style>
+          <a:lnRef idx="1">
+            <a:schemeClr val="accent1"/>
+          </a:lnRef>
+          <a:fillRef idx="0">
+            <a:schemeClr val="accent1"/>
+          </a:fillRef>
+          <a:effectRef idx="0">
+            <a:schemeClr val="accent1"/>
+          </a:effectRef>
+          <a:fontRef idx="minor">
+            <a:schemeClr val="tx1"/>
+          </a:fontRef>
+        </p:style>
+      </p:cxnSp>
+      <p:cxnSp>
+        <p:nvCxnSpPr>
+          <p:cNvPr id="55" name="肘形连接符 54"/>
+          <p:cNvCxnSpPr>
+            <a:stCxn id="5" idx="3"/>
+            <a:endCxn id="35" idx="1"/>
+          </p:cNvCxnSpPr>
+          <p:nvPr/>
+        </p:nvCxnSpPr>
+        <p:spPr>
+          <a:xfrm>
+            <a:off x="4796155" y="1125855"/>
+            <a:ext cx="2611755" cy="934720"/>
+          </a:xfrm>
+          <a:prstGeom prst="bentConnector3">
+            <a:avLst>
+              <a:gd name="adj1" fmla="val 50012"/>
+            </a:avLst>
+          </a:prstGeom>
+          <a:ln>
+            <a:tailEnd type="arrow"/>
+          </a:ln>
+        </p:spPr>
+        <p:style>
+          <a:lnRef idx="1">
+            <a:schemeClr val="accent1"/>
+          </a:lnRef>
+          <a:fillRef idx="0">
+            <a:schemeClr val="accent1"/>
+          </a:fillRef>
+          <a:effectRef idx="0">
+            <a:schemeClr val="accent1"/>
+          </a:effectRef>
+          <a:fontRef idx="minor">
+            <a:schemeClr val="tx1"/>
+          </a:fontRef>
+        </p:style>
+      </p:cxnSp>
+      <p:cxnSp>
+        <p:nvCxnSpPr>
+          <p:cNvPr id="56" name="肘形连接符 55"/>
+          <p:cNvCxnSpPr>
+            <a:stCxn id="27" idx="3"/>
+            <a:endCxn id="31" idx="1"/>
+          </p:cNvCxnSpPr>
+          <p:nvPr/>
+        </p:nvCxnSpPr>
+        <p:spPr>
+          <a:xfrm flipV="1">
+            <a:off x="5722620" y="2317750"/>
+            <a:ext cx="1685290" cy="1195705"/>
+          </a:xfrm>
+          <a:prstGeom prst="bentConnector3">
+            <a:avLst>
+              <a:gd name="adj1" fmla="val 50000"/>
+            </a:avLst>
+          </a:prstGeom>
+          <a:ln>
+            <a:tailEnd type="arrow"/>
+          </a:ln>
+        </p:spPr>
+        <p:style>
+          <a:lnRef idx="1">
+            <a:schemeClr val="accent1"/>
+          </a:lnRef>
+          <a:fillRef idx="0">
+            <a:schemeClr val="accent1"/>
+          </a:fillRef>
+          <a:effectRef idx="0">
+            <a:schemeClr val="accent1"/>
+          </a:effectRef>
+          <a:fontRef idx="minor">
+            <a:schemeClr val="tx1"/>
+          </a:fontRef>
+        </p:style>
+      </p:cxnSp>
+      <p:cxnSp>
+        <p:nvCxnSpPr>
+          <p:cNvPr id="57" name="肘形连接符 56"/>
+          <p:cNvCxnSpPr>
+            <a:stCxn id="27" idx="2"/>
+            <a:endCxn id="28" idx="0"/>
+          </p:cNvCxnSpPr>
+          <p:nvPr/>
+        </p:nvCxnSpPr>
+        <p:spPr>
+          <a:xfrm rot="5400000">
+            <a:off x="2760980" y="2785745"/>
+            <a:ext cx="514985" cy="2846070"/>
+          </a:xfrm>
+          <a:prstGeom prst="bentConnector3">
+            <a:avLst>
+              <a:gd name="adj1" fmla="val 50000"/>
+            </a:avLst>
+          </a:prstGeom>
+          <a:ln>
+            <a:tailEnd type="arrow"/>
+          </a:ln>
+        </p:spPr>
+        <p:style>
+          <a:lnRef idx="1">
+            <a:schemeClr val="accent1"/>
+          </a:lnRef>
+          <a:fillRef idx="0">
+            <a:schemeClr val="accent1"/>
+          </a:fillRef>
+          <a:effectRef idx="0">
+            <a:schemeClr val="accent1"/>
+          </a:effectRef>
+          <a:fontRef idx="minor">
+            <a:schemeClr val="tx1"/>
+          </a:fontRef>
+        </p:style>
+      </p:cxnSp>
+      <p:cxnSp>
+        <p:nvCxnSpPr>
+          <p:cNvPr id="59" name="肘形连接符 58"/>
+          <p:cNvCxnSpPr>
+            <a:stCxn id="27" idx="2"/>
+            <a:endCxn id="48" idx="0"/>
+          </p:cNvCxnSpPr>
+          <p:nvPr/>
+        </p:nvCxnSpPr>
+        <p:spPr>
+          <a:xfrm rot="5400000" flipV="1">
+            <a:off x="5197475" y="3195320"/>
+            <a:ext cx="515620" cy="2028190"/>
+          </a:xfrm>
+          <a:prstGeom prst="bentConnector3">
+            <a:avLst>
+              <a:gd name="adj1" fmla="val 50000"/>
+            </a:avLst>
+          </a:prstGeom>
+          <a:ln>
+            <a:tailEnd type="arrow"/>
+          </a:ln>
+        </p:spPr>
+        <p:style>
+          <a:lnRef idx="1">
+            <a:schemeClr val="accent1"/>
+          </a:lnRef>
+          <a:fillRef idx="0">
+            <a:schemeClr val="accent1"/>
+          </a:fillRef>
+          <a:effectRef idx="0">
+            <a:schemeClr val="accent1"/>
+          </a:effectRef>
+          <a:fontRef idx="minor">
+            <a:schemeClr val="tx1"/>
+          </a:fontRef>
+        </p:style>
+      </p:cxnSp>
+      <p:cxnSp>
+        <p:nvCxnSpPr>
+          <p:cNvPr id="60" name="肘形连接符 59"/>
+          <p:cNvCxnSpPr>
+            <a:stCxn id="27" idx="2"/>
+            <a:endCxn id="43" idx="0"/>
+          </p:cNvCxnSpPr>
+          <p:nvPr/>
+        </p:nvCxnSpPr>
+        <p:spPr>
+          <a:xfrm rot="5400000" flipV="1">
+            <a:off x="6598285" y="1794510"/>
+            <a:ext cx="514985" cy="4828540"/>
+          </a:xfrm>
+          <a:prstGeom prst="bentConnector3">
+            <a:avLst>
+              <a:gd name="adj1" fmla="val 50000"/>
+            </a:avLst>
+          </a:prstGeom>
+          <a:ln>
+            <a:tailEnd type="arrow"/>
+          </a:ln>
+        </p:spPr>
+        <p:style>
+          <a:lnRef idx="1">
+            <a:schemeClr val="accent1"/>
+          </a:lnRef>
+          <a:fillRef idx="0">
+            <a:schemeClr val="accent1"/>
+          </a:fillRef>
+          <a:effectRef idx="0">
+            <a:schemeClr val="accent1"/>
+          </a:effectRef>
+          <a:fontRef idx="minor">
+            <a:schemeClr val="tx1"/>
+          </a:fontRef>
+        </p:style>
+      </p:cxnSp>
+      <p:sp>
+        <p:nvSpPr>
+          <p:cNvPr id="61" name="Subtitle 1"/>
+          <p:cNvSpPr/>
+          <p:nvPr/>
+        </p:nvSpPr>
+        <p:spPr>
+          <a:xfrm>
+            <a:off x="320040" y="5528310"/>
+            <a:ext cx="10835640" cy="1196340"/>
+          </a:xfrm>
+          <a:prstGeom prst="rect">
+            <a:avLst/>
+          </a:prstGeom>
+          <a:ln w="12700" cmpd="sng">
+            <a:solidFill>
+              <a:srgbClr val="FF0000"/>
+            </a:solidFill>
+            <a:prstDash val="dashDot"/>
+          </a:ln>
+        </p:spPr>
+        <p:txBody>
+          <a:bodyPr vert="horz" lIns="91440" tIns="45720" rIns="91440" bIns="45720" rtlCol="0">
             <a:noAutofit/>
           </a:bodyPr>
+          <a:lstStyle>
+            <a:lvl1pPr marL="0" indent="0" algn="ctr" defTabSz="914400" rtl="0" eaLnBrk="1" latinLnBrk="0" hangingPunct="1">
+              <a:lnSpc>
+                <a:spcPct val="90000"/>
+              </a:lnSpc>
+              <a:spcBef>
+                <a:spcPts val="1000"/>
+              </a:spcBef>
+              <a:buFont typeface="Arial" panose="020B0604020202090204" pitchFamily="34" charset="0"/>
+              <a:buNone/>
+              <a:defRPr sz="2400" kern="1200">
+                <a:solidFill>
+                  <a:schemeClr val="tx1"/>
+                </a:solidFill>
+                <a:latin typeface="+mn-lt"/>
+                <a:ea typeface="+mn-ea"/>
+                <a:cs typeface="+mn-cs"/>
+              </a:defRPr>
+            </a:lvl1pPr>
+            <a:lvl2pPr marL="457200" indent="0" algn="ctr" defTabSz="914400" rtl="0" eaLnBrk="1" latinLnBrk="0" hangingPunct="1">
+              <a:lnSpc>
+                <a:spcPct val="90000"/>
+              </a:lnSpc>
+              <a:spcBef>
+                <a:spcPts val="500"/>
+              </a:spcBef>
+              <a:buFont typeface="Arial" panose="020B0604020202090204" pitchFamily="34" charset="0"/>
+              <a:buNone/>
+              <a:defRPr sz="2000" kern="1200">
+                <a:solidFill>
+                  <a:schemeClr val="tx1"/>
+                </a:solidFill>
+                <a:latin typeface="+mn-lt"/>
+                <a:ea typeface="+mn-ea"/>
+                <a:cs typeface="+mn-cs"/>
+              </a:defRPr>
+            </a:lvl2pPr>
+            <a:lvl3pPr marL="914400" indent="0" algn="ctr" defTabSz="914400" rtl="0" eaLnBrk="1" latinLnBrk="0" hangingPunct="1">
+              <a:lnSpc>
+                <a:spcPct val="90000"/>
+              </a:lnSpc>
+              <a:spcBef>
+                <a:spcPts val="500"/>
+              </a:spcBef>
+              <a:buFont typeface="Arial" panose="020B0604020202090204" pitchFamily="34" charset="0"/>
+              <a:buNone/>
+              <a:defRPr sz="1800" kern="1200">
+                <a:solidFill>
+                  <a:schemeClr val="tx1"/>
+                </a:solidFill>
+                <a:latin typeface="+mn-lt"/>
+                <a:ea typeface="+mn-ea"/>
+                <a:cs typeface="+mn-cs"/>
+              </a:defRPr>
+            </a:lvl3pPr>
+            <a:lvl4pPr marL="1371600" indent="0" algn="ctr" defTabSz="914400" rtl="0" eaLnBrk="1" latinLnBrk="0" hangingPunct="1">
+              <a:lnSpc>
+                <a:spcPct val="90000"/>
+              </a:lnSpc>
+              <a:spcBef>
+                <a:spcPts val="500"/>
+              </a:spcBef>
+              <a:buFont typeface="Arial" panose="020B0604020202090204" pitchFamily="34" charset="0"/>
+              <a:buNone/>
+              <a:defRPr sz="1600" kern="1200">
+                <a:solidFill>
+                  <a:schemeClr val="tx1"/>
+                </a:solidFill>
+                <a:latin typeface="+mn-lt"/>
+                <a:ea typeface="+mn-ea"/>
+                <a:cs typeface="+mn-cs"/>
+              </a:defRPr>
+            </a:lvl4pPr>
+            <a:lvl5pPr marL="1828800" indent="0" algn="ctr" defTabSz="914400" rtl="0" eaLnBrk="1" latinLnBrk="0" hangingPunct="1">
+              <a:lnSpc>
+                <a:spcPct val="90000"/>
+              </a:lnSpc>
+              <a:spcBef>
+                <a:spcPts val="500"/>
+              </a:spcBef>
+              <a:buFont typeface="Arial" panose="020B0604020202090204" pitchFamily="34" charset="0"/>
+              <a:buNone/>
+              <a:defRPr sz="1600" kern="1200">
+                <a:solidFill>
+                  <a:schemeClr val="tx1"/>
+                </a:solidFill>
+                <a:latin typeface="+mn-lt"/>
+                <a:ea typeface="+mn-ea"/>
+                <a:cs typeface="+mn-cs"/>
+              </a:defRPr>
+            </a:lvl5pPr>
+            <a:lvl6pPr marL="2286000" indent="0" algn="ctr" defTabSz="914400" rtl="0" eaLnBrk="1" latinLnBrk="0" hangingPunct="1">
+              <a:lnSpc>
+                <a:spcPct val="90000"/>
+              </a:lnSpc>
+              <a:spcBef>
+                <a:spcPts val="500"/>
+              </a:spcBef>
+              <a:buFont typeface="Arial" panose="020B0604020202090204" pitchFamily="34" charset="0"/>
+              <a:buNone/>
+              <a:defRPr sz="1600" kern="1200">
+                <a:solidFill>
+                  <a:schemeClr val="tx1"/>
+                </a:solidFill>
+                <a:latin typeface="+mn-lt"/>
+                <a:ea typeface="+mn-ea"/>
+                <a:cs typeface="+mn-cs"/>
+              </a:defRPr>
+            </a:lvl6pPr>
+            <a:lvl7pPr marL="2743200" indent="0" algn="ctr" defTabSz="914400" rtl="0" eaLnBrk="1" latinLnBrk="0" hangingPunct="1">
+              <a:lnSpc>
+                <a:spcPct val="90000"/>
+              </a:lnSpc>
+              <a:spcBef>
+                <a:spcPts val="500"/>
+              </a:spcBef>
+              <a:buFont typeface="Arial" panose="020B0604020202090204" pitchFamily="34" charset="0"/>
+              <a:buNone/>
+              <a:defRPr sz="1600" kern="1200">
+                <a:solidFill>
+                  <a:schemeClr val="tx1"/>
+                </a:solidFill>
+                <a:latin typeface="+mn-lt"/>
+                <a:ea typeface="+mn-ea"/>
+                <a:cs typeface="+mn-cs"/>
+              </a:defRPr>
+            </a:lvl7pPr>
+            <a:lvl8pPr marL="3200400" indent="0" algn="ctr" defTabSz="914400" rtl="0" eaLnBrk="1" latinLnBrk="0" hangingPunct="1">
+              <a:lnSpc>
+                <a:spcPct val="90000"/>
+              </a:lnSpc>
+              <a:spcBef>
+                <a:spcPts val="500"/>
+              </a:spcBef>
+              <a:buFont typeface="Arial" panose="020B0604020202090204" pitchFamily="34" charset="0"/>
+              <a:buNone/>
+              <a:defRPr sz="1600" kern="1200">
+                <a:solidFill>
+                  <a:schemeClr val="tx1"/>
+                </a:solidFill>
+                <a:latin typeface="+mn-lt"/>
+                <a:ea typeface="+mn-ea"/>
+                <a:cs typeface="+mn-cs"/>
+              </a:defRPr>
+            </a:lvl8pPr>
+            <a:lvl9pPr marL="3657600" indent="0" algn="ctr" defTabSz="914400" rtl="0" eaLnBrk="1" latinLnBrk="0" hangingPunct="1">
+              <a:lnSpc>
+                <a:spcPct val="90000"/>
+              </a:lnSpc>
+              <a:spcBef>
+                <a:spcPts val="500"/>
+              </a:spcBef>
+              <a:buFont typeface="Arial" panose="020B0604020202090204" pitchFamily="34" charset="0"/>
+              <a:buNone/>
+              <a:defRPr sz="1600" kern="1200">
+                <a:solidFill>
+                  <a:schemeClr val="tx1"/>
+                </a:solidFill>
+                <a:latin typeface="+mn-lt"/>
+                <a:ea typeface="+mn-ea"/>
+                <a:cs typeface="+mn-cs"/>
+              </a:defRPr>
+            </a:lvl9pPr>
+          </a:lstStyle>
           <a:p>
             <a:pPr algn="l"/>
             <a:r>
-              <a:rPr lang="zh-CN" altLang="en-US" sz="2300"/>
-              <a:t>设计说明</a:t>
-            </a:r>
-            <a:endParaRPr lang="zh-CN" altLang="en-US" sz="2300"/>
+              <a:rPr lang="zh-CN" altLang="en-US" sz="1400">
+                <a:latin typeface="微软雅黑" charset="0"/>
+                <a:ea typeface="微软雅黑" charset="0"/>
+                <a:cs typeface="微软雅黑" charset="0"/>
+              </a:rPr>
+              <a:t>考虑到微信朋友圈的性能指标和海量数据，</a:t>
+            </a:r>
+            <a:endParaRPr lang="zh-CN" altLang="en-US" sz="1400">
+              <a:latin typeface="微软雅黑" charset="0"/>
+              <a:ea typeface="微软雅黑" charset="0"/>
+              <a:cs typeface="微软雅黑" charset="0"/>
+            </a:endParaRPr>
+          </a:p>
+          <a:p>
+            <a:pPr algn="l"/>
+            <a:r>
+              <a:rPr lang="zh-CN" altLang="en-US" sz="1400">
+                <a:latin typeface="微软雅黑" charset="0"/>
+                <a:ea typeface="微软雅黑" charset="0"/>
+                <a:cs typeface="微软雅黑" charset="0"/>
+              </a:rPr>
+              <a:t>因此采用多集群架构，接入服务器每个地域可以部署一个集群，任务分配使用</a:t>
+            </a:r>
+            <a:r>
+              <a:rPr lang="en-US" altLang="zh-CN" sz="1400">
+                <a:latin typeface="微软雅黑" charset="0"/>
+                <a:ea typeface="微软雅黑" charset="0"/>
+                <a:cs typeface="微软雅黑" charset="0"/>
+              </a:rPr>
+              <a:t>DNS+</a:t>
+            </a:r>
+            <a:r>
+              <a:rPr lang="zh-CN" altLang="en-US" sz="1400">
+                <a:latin typeface="微软雅黑" charset="0"/>
+                <a:ea typeface="微软雅黑" charset="0"/>
+                <a:cs typeface="微软雅黑" charset="0"/>
+              </a:rPr>
+              <a:t>负载均衡器</a:t>
+            </a:r>
+            <a:endParaRPr lang="zh-CN" altLang="en-US" sz="1400">
+              <a:latin typeface="微软雅黑" charset="0"/>
+              <a:ea typeface="微软雅黑" charset="0"/>
+              <a:cs typeface="微软雅黑" charset="0"/>
+            </a:endParaRPr>
+          </a:p>
+          <a:p>
+            <a:pPr algn="l"/>
+            <a:r>
+              <a:rPr lang="zh-CN" altLang="en-US" sz="1400">
+                <a:latin typeface="微软雅黑" charset="0"/>
+                <a:ea typeface="微软雅黑" charset="0"/>
+                <a:cs typeface="微软雅黑" charset="0"/>
+              </a:rPr>
+              <a:t>数据库使用分布式</a:t>
+            </a:r>
+            <a:r>
+              <a:rPr lang="en-US" altLang="zh-CN" sz="1400">
+                <a:latin typeface="微软雅黑" charset="0"/>
+                <a:ea typeface="微软雅黑" charset="0"/>
+                <a:cs typeface="微软雅黑" charset="0"/>
+              </a:rPr>
+              <a:t>KV</a:t>
+            </a:r>
+            <a:r>
+              <a:rPr lang="zh-CN" altLang="en-US" sz="1400">
+                <a:latin typeface="微软雅黑" charset="0"/>
+                <a:ea typeface="微软雅黑" charset="0"/>
+                <a:cs typeface="微软雅黑" charset="0"/>
+              </a:rPr>
+              <a:t>数据库</a:t>
+            </a:r>
+            <a:r>
+              <a:rPr lang="en-US" altLang="zh-CN" sz="1400">
+                <a:latin typeface="微软雅黑" charset="0"/>
+                <a:ea typeface="微软雅黑" charset="0"/>
+                <a:cs typeface="微软雅黑" charset="0"/>
+              </a:rPr>
+              <a:t>(</a:t>
+            </a:r>
+            <a:r>
+              <a:rPr lang="zh-CN" altLang="en-US" sz="1400">
+                <a:latin typeface="微软雅黑" charset="0"/>
+                <a:ea typeface="微软雅黑" charset="0"/>
+                <a:cs typeface="微软雅黑" charset="0"/>
+              </a:rPr>
+              <a:t>类似</a:t>
+            </a:r>
+            <a:r>
+              <a:rPr lang="en-US" altLang="zh-CN" sz="1400">
+                <a:latin typeface="微软雅黑" charset="0"/>
+                <a:ea typeface="微软雅黑" charset="0"/>
+                <a:cs typeface="微软雅黑" charset="0"/>
+              </a:rPr>
+              <a:t>TiDB)</a:t>
+            </a:r>
+            <a:r>
+              <a:rPr lang="zh-CN" altLang="en-US" sz="1400">
+                <a:latin typeface="微软雅黑" charset="0"/>
+                <a:ea typeface="微软雅黑" charset="0"/>
+                <a:cs typeface="微软雅黑" charset="0"/>
+              </a:rPr>
+              <a:t>，方便集群任务分配和数据库扩容。发表，评论点赞，相册数据分别存放于不同的数据库集群。</a:t>
+            </a:r>
+            <a:endParaRPr lang="zh-CN" altLang="en-US" sz="1400">
+              <a:latin typeface="微软雅黑" charset="0"/>
+              <a:ea typeface="微软雅黑" charset="0"/>
+              <a:cs typeface="微软雅黑" charset="0"/>
+            </a:endParaRPr>
+          </a:p>
+          <a:p>
+            <a:pPr algn="l"/>
+            <a:r>
+              <a:rPr lang="zh-CN" altLang="en-US" sz="1400">
+                <a:latin typeface="微软雅黑" charset="0"/>
+                <a:ea typeface="微软雅黑" charset="0"/>
+                <a:cs typeface="微软雅黑" charset="0"/>
+              </a:rPr>
+              <a:t>使用缓存服务器集群和</a:t>
+            </a:r>
+            <a:r>
+              <a:rPr lang="en-US" altLang="zh-CN" sz="1400">
+                <a:latin typeface="微软雅黑" charset="0"/>
+                <a:ea typeface="微软雅黑" charset="0"/>
+                <a:cs typeface="微软雅黑" charset="0"/>
+              </a:rPr>
+              <a:t>CDN</a:t>
+            </a:r>
+            <a:r>
+              <a:rPr lang="zh-CN" altLang="en-US" sz="1400">
+                <a:latin typeface="微软雅黑" charset="0"/>
+                <a:ea typeface="微软雅黑" charset="0"/>
+                <a:cs typeface="微软雅黑" charset="0"/>
+              </a:rPr>
+              <a:t>集群提高浏览朋友圈，图片查看，视频播放的性能。</a:t>
+            </a:r>
+            <a:endParaRPr lang="zh-CN" altLang="en-US" sz="1400">
+              <a:latin typeface="微软雅黑" charset="0"/>
+              <a:ea typeface="微软雅黑" charset="0"/>
+              <a:cs typeface="微软雅黑" charset="0"/>
+            </a:endParaRPr>
           </a:p>
         </p:txBody>
       </p:sp>
